--- a/geo/courseware/Geo.pptx
+++ b/geo/courseware/Geo.pptx
@@ -5,28 +5,29 @@
     <p:sldMasterId id="2147483664" r:id="rId1"/>
   </p:sldMasterIdLst>
   <p:notesMasterIdLst>
-    <p:notesMasterId r:id="rId18"/>
+    <p:notesMasterId r:id="rId19"/>
   </p:notesMasterIdLst>
   <p:handoutMasterIdLst>
-    <p:handoutMasterId r:id="rId19"/>
+    <p:handoutMasterId r:id="rId20"/>
   </p:handoutMasterIdLst>
   <p:sldIdLst>
     <p:sldId id="696" r:id="rId2"/>
     <p:sldId id="695" r:id="rId3"/>
-    <p:sldId id="719" r:id="rId4"/>
-    <p:sldId id="720" r:id="rId5"/>
-    <p:sldId id="722" r:id="rId6"/>
-    <p:sldId id="721" r:id="rId7"/>
+    <p:sldId id="722" r:id="rId4"/>
+    <p:sldId id="719" r:id="rId5"/>
+    <p:sldId id="721" r:id="rId6"/>
+    <p:sldId id="720" r:id="rId7"/>
     <p:sldId id="725" r:id="rId8"/>
     <p:sldId id="712" r:id="rId9"/>
     <p:sldId id="713" r:id="rId10"/>
     <p:sldId id="724" r:id="rId11"/>
     <p:sldId id="714" r:id="rId12"/>
-    <p:sldId id="701" r:id="rId13"/>
-    <p:sldId id="704" r:id="rId14"/>
-    <p:sldId id="702" r:id="rId15"/>
-    <p:sldId id="703" r:id="rId16"/>
-    <p:sldId id="694" r:id="rId17"/>
+    <p:sldId id="726" r:id="rId13"/>
+    <p:sldId id="701" r:id="rId14"/>
+    <p:sldId id="704" r:id="rId15"/>
+    <p:sldId id="702" r:id="rId16"/>
+    <p:sldId id="703" r:id="rId17"/>
+    <p:sldId id="694" r:id="rId18"/>
   </p:sldIdLst>
   <p:sldSz cx="9144000" cy="6858000" type="screen4x3"/>
   <p:notesSz cx="6858000" cy="9144000"/>
@@ -288,7 +289,7 @@
               <a:pPr>
                 <a:defRPr/>
               </a:pPr>
-              <a:t>8/10/16</a:t>
+              <a:t>8/11/16</a:t>
             </a:fld>
             <a:endParaRPr lang="en-US" dirty="0"/>
           </a:p>
@@ -504,7 +505,7 @@
               <a:pPr>
                 <a:defRPr/>
               </a:pPr>
-              <a:t>8/10/16</a:t>
+              <a:t>8/11/16</a:t>
             </a:fld>
             <a:endParaRPr lang="en-US" dirty="0"/>
           </a:p>
@@ -919,6 +920,202 @@
 </p:notes>
 </file>
 
+<file path=ppt/notesSlides/notesSlide10.xml><?xml version="1.0" encoding="utf-8"?>
+<p:notes xmlns:a="http://schemas.openxmlformats.org/drawingml/2006/main" xmlns:r="http://schemas.openxmlformats.org/officeDocument/2006/relationships" xmlns:p="http://schemas.openxmlformats.org/presentationml/2006/main">
+  <p:cSld>
+    <p:spTree>
+      <p:nvGrpSpPr>
+        <p:cNvPr id="1" name=""/>
+        <p:cNvGrpSpPr/>
+        <p:nvPr/>
+      </p:nvGrpSpPr>
+      <p:grpSpPr>
+        <a:xfrm>
+          <a:off x="0" y="0"/>
+          <a:ext cx="0" cy="0"/>
+          <a:chOff x="0" y="0"/>
+          <a:chExt cx="0" cy="0"/>
+        </a:xfrm>
+      </p:grpSpPr>
+      <p:sp>
+        <p:nvSpPr>
+          <p:cNvPr id="3" name="Notes Placeholder 2"/>
+          <p:cNvSpPr>
+            <a:spLocks noGrp="1"/>
+          </p:cNvSpPr>
+          <p:nvPr>
+            <p:ph type="body" idx="1"/>
+          </p:nvPr>
+        </p:nvSpPr>
+        <p:spPr/>
+        <p:txBody>
+          <a:bodyPr/>
+          <a:lstStyle/>
+          <a:p>
+            <a:endParaRPr lang="en-US" dirty="0"/>
+          </a:p>
+        </p:txBody>
+      </p:sp>
+      <p:sp>
+        <p:nvSpPr>
+          <p:cNvPr id="4" name="Slide Number Placeholder 3"/>
+          <p:cNvSpPr>
+            <a:spLocks noGrp="1"/>
+          </p:cNvSpPr>
+          <p:nvPr>
+            <p:ph type="sldNum" sz="quarter" idx="10"/>
+          </p:nvPr>
+        </p:nvSpPr>
+        <p:spPr/>
+        <p:txBody>
+          <a:bodyPr/>
+          <a:lstStyle/>
+          <a:p>
+            <a:fld id="{626B03C0-24EC-4AF5-9D25-1D79F98923E0}" type="slidenum">
+              <a:rPr lang="en-US" smtClean="0"/>
+              <a:pPr/>
+              <a:t>16</a:t>
+            </a:fld>
+            <a:endParaRPr lang="en-US" dirty="0"/>
+          </a:p>
+        </p:txBody>
+      </p:sp>
+      <p:graphicFrame>
+        <p:nvGraphicFramePr>
+          <p:cNvPr id="5" name="Object 4"/>
+          <p:cNvGraphicFramePr>
+            <a:graphicFrameLocks noChangeAspect="1"/>
+          </p:cNvGraphicFramePr>
+          <p:nvPr>
+            <p:extLst/>
+          </p:nvPr>
+        </p:nvGraphicFramePr>
+        <p:xfrm>
+          <a:off x="1506538" y="4778994"/>
+          <a:ext cx="5143500" cy="349250"/>
+        </p:xfrm>
+        <a:graphic>
+          <a:graphicData uri="http://schemas.openxmlformats.org/presentationml/2006/ole">
+            <mc:AlternateContent xmlns:mc="http://schemas.openxmlformats.org/markup-compatibility/2006">
+              <mc:Choice xmlns:v="urn:schemas-microsoft-com:vml" Requires="v">
+                <p:oleObj spid="_x0000_s5379" name="Document" r:id="rId4" imgW="8229600" imgH="558800" progId="Word.Document.12">
+                  <p:embed/>
+                </p:oleObj>
+              </mc:Choice>
+              <mc:Fallback>
+                <p:oleObj name="Document" r:id="rId4" imgW="8229600" imgH="558800" progId="Word.Document.12">
+                  <p:embed/>
+                  <p:pic>
+                    <p:nvPicPr>
+                      <p:cNvPr id="0" name=""/>
+                      <p:cNvPicPr/>
+                      <p:nvPr/>
+                    </p:nvPicPr>
+                    <p:blipFill>
+                      <a:blip r:embed="rId5"/>
+                      <a:stretch>
+                        <a:fillRect/>
+                      </a:stretch>
+                    </p:blipFill>
+                    <p:spPr>
+                      <a:xfrm>
+                        <a:off x="1506538" y="4778994"/>
+                        <a:ext cx="5143500" cy="349250"/>
+                      </a:xfrm>
+                      <a:prstGeom prst="rect">
+                        <a:avLst/>
+                      </a:prstGeom>
+                    </p:spPr>
+                  </p:pic>
+                </p:oleObj>
+              </mc:Fallback>
+            </mc:AlternateContent>
+          </a:graphicData>
+        </a:graphic>
+      </p:graphicFrame>
+      <p:graphicFrame>
+        <p:nvGraphicFramePr>
+          <p:cNvPr id="6" name="Object 5"/>
+          <p:cNvGraphicFramePr>
+            <a:graphicFrameLocks noChangeAspect="1"/>
+          </p:cNvGraphicFramePr>
+          <p:nvPr>
+            <p:extLst/>
+          </p:nvPr>
+        </p:nvGraphicFramePr>
+        <p:xfrm>
+          <a:off x="1506538" y="6113958"/>
+          <a:ext cx="5143500" cy="698500"/>
+        </p:xfrm>
+        <a:graphic>
+          <a:graphicData uri="http://schemas.openxmlformats.org/presentationml/2006/ole">
+            <mc:AlternateContent xmlns:mc="http://schemas.openxmlformats.org/markup-compatibility/2006">
+              <mc:Choice xmlns:v="urn:schemas-microsoft-com:vml" Requires="v">
+                <p:oleObj spid="_x0000_s5380" name="Document" r:id="rId6" imgW="8229600" imgH="1117600" progId="Word.Document.12">
+                  <p:embed/>
+                </p:oleObj>
+              </mc:Choice>
+              <mc:Fallback>
+                <p:oleObj name="Document" r:id="rId6" imgW="8229600" imgH="1117600" progId="Word.Document.12">
+                  <p:embed/>
+                  <p:pic>
+                    <p:nvPicPr>
+                      <p:cNvPr id="0" name=""/>
+                      <p:cNvPicPr/>
+                      <p:nvPr/>
+                    </p:nvPicPr>
+                    <p:blipFill>
+                      <a:blip r:embed="rId7"/>
+                      <a:stretch>
+                        <a:fillRect/>
+                      </a:stretch>
+                    </p:blipFill>
+                    <p:spPr>
+                      <a:xfrm>
+                        <a:off x="1506538" y="6113958"/>
+                        <a:ext cx="5143500" cy="698500"/>
+                      </a:xfrm>
+                      <a:prstGeom prst="rect">
+                        <a:avLst/>
+                      </a:prstGeom>
+                    </p:spPr>
+                  </p:pic>
+                </p:oleObj>
+              </mc:Fallback>
+            </mc:AlternateContent>
+          </a:graphicData>
+        </a:graphic>
+      </p:graphicFrame>
+      <p:sp>
+        <p:nvSpPr>
+          <p:cNvPr id="9" name="スライド イメージ プレースホルダー 8"/>
+          <p:cNvSpPr>
+            <a:spLocks noGrp="1" noRot="1" noChangeAspect="1"/>
+          </p:cNvSpPr>
+          <p:nvPr>
+            <p:ph type="sldImg"/>
+          </p:nvPr>
+        </p:nvSpPr>
+        <p:spPr>
+          <a:xfrm>
+            <a:off x="1658938" y="685800"/>
+            <a:ext cx="3516312" cy="2636838"/>
+          </a:xfrm>
+        </p:spPr>
+      </p:sp>
+    </p:spTree>
+    <p:extLst>
+      <p:ext uri="{BB962C8B-B14F-4D97-AF65-F5344CB8AC3E}">
+        <p14:creationId xmlns:p14="http://schemas.microsoft.com/office/powerpoint/2010/main" val="958320888"/>
+      </p:ext>
+    </p:extLst>
+  </p:cSld>
+  <p:clrMapOvr>
+    <a:masterClrMapping/>
+  </p:clrMapOvr>
+</p:notes>
+</file>
+
 <file path=ppt/notesSlides/notesSlide2.xml><?xml version="1.0" encoding="utf-8"?>
 <p:notes xmlns:a="http://schemas.openxmlformats.org/drawingml/2006/main" xmlns:r="http://schemas.openxmlformats.org/officeDocument/2006/relationships" xmlns:p="http://schemas.openxmlformats.org/presentationml/2006/main">
   <p:cSld>
@@ -990,7 +1187,7 @@
               <a:pPr>
                 <a:defRPr/>
               </a:pPr>
-              <a:t>4</a:t>
+              <a:t>3</a:t>
             </a:fld>
             <a:endParaRPr lang="en-US" dirty="0"/>
           </a:p>
@@ -999,7 +1196,7 @@
     </p:spTree>
     <p:extLst>
       <p:ext uri="{BB962C8B-B14F-4D97-AF65-F5344CB8AC3E}">
-        <p14:creationId xmlns:p14="http://schemas.microsoft.com/office/powerpoint/2010/main" val="520046601"/>
+        <p14:creationId xmlns:p14="http://schemas.microsoft.com/office/powerpoint/2010/main" val="949157674"/>
       </p:ext>
     </p:extLst>
   </p:cSld>
@@ -1080,7 +1277,7 @@
               <a:pPr>
                 <a:defRPr/>
               </a:pPr>
-              <a:t>5</a:t>
+              <a:t>6</a:t>
             </a:fld>
             <a:endParaRPr lang="en-US" dirty="0"/>
           </a:p>
@@ -1089,7 +1286,7 @@
     </p:spTree>
     <p:extLst>
       <p:ext uri="{BB962C8B-B14F-4D97-AF65-F5344CB8AC3E}">
-        <p14:creationId xmlns:p14="http://schemas.microsoft.com/office/powerpoint/2010/main" val="949157674"/>
+        <p14:creationId xmlns:p14="http://schemas.microsoft.com/office/powerpoint/2010/main" val="520046601"/>
       </p:ext>
     </p:extLst>
   </p:cSld>
@@ -1126,12 +1323,7 @@
             <p:ph type="sldImg"/>
           </p:nvPr>
         </p:nvSpPr>
-        <p:spPr>
-          <a:xfrm>
-            <a:off x="1604963" y="434975"/>
-            <a:ext cx="3657600" cy="2743200"/>
-          </a:xfrm>
-        </p:spPr>
+        <p:spPr/>
       </p:sp>
       <p:sp>
         <p:nvSpPr>
@@ -1148,10 +1340,6 @@
           <a:bodyPr/>
           <a:lstStyle/>
           <a:p>
-            <a:r>
-              <a:rPr lang="en-US" b="1" dirty="0" smtClean="0"/>
-              <a:t> </a:t>
-            </a:r>
             <a:endParaRPr lang="en-US" dirty="0"/>
           </a:p>
         </p:txBody>
@@ -1179,7 +1367,7 @@
               <a:pPr>
                 <a:defRPr/>
               </a:pPr>
-              <a:t>8</a:t>
+              <a:t>7</a:t>
             </a:fld>
             <a:endParaRPr lang="en-US" dirty="0"/>
           </a:p>
@@ -1188,7 +1376,7 @@
     </p:spTree>
     <p:extLst>
       <p:ext uri="{BB962C8B-B14F-4D97-AF65-F5344CB8AC3E}">
-        <p14:creationId xmlns:p14="http://schemas.microsoft.com/office/powerpoint/2010/main" val="1859465066"/>
+        <p14:creationId xmlns:p14="http://schemas.microsoft.com/office/powerpoint/2010/main" val="1275414849"/>
       </p:ext>
     </p:extLst>
   </p:cSld>
@@ -1247,6 +1435,10 @@
           <a:bodyPr/>
           <a:lstStyle/>
           <a:p>
+            <a:r>
+              <a:rPr lang="en-US" b="1" dirty="0" smtClean="0"/>
+              <a:t> </a:t>
+            </a:r>
             <a:endParaRPr lang="en-US" dirty="0"/>
           </a:p>
         </p:txBody>
@@ -1274,6 +1466,101 @@
               <a:pPr>
                 <a:defRPr/>
               </a:pPr>
+              <a:t>8</a:t>
+            </a:fld>
+            <a:endParaRPr lang="en-US" dirty="0"/>
+          </a:p>
+        </p:txBody>
+      </p:sp>
+    </p:spTree>
+    <p:extLst>
+      <p:ext uri="{BB962C8B-B14F-4D97-AF65-F5344CB8AC3E}">
+        <p14:creationId xmlns:p14="http://schemas.microsoft.com/office/powerpoint/2010/main" val="1859465066"/>
+      </p:ext>
+    </p:extLst>
+  </p:cSld>
+  <p:clrMapOvr>
+    <a:masterClrMapping/>
+  </p:clrMapOvr>
+</p:notes>
+</file>
+
+<file path=ppt/notesSlides/notesSlide6.xml><?xml version="1.0" encoding="utf-8"?>
+<p:notes xmlns:a="http://schemas.openxmlformats.org/drawingml/2006/main" xmlns:r="http://schemas.openxmlformats.org/officeDocument/2006/relationships" xmlns:p="http://schemas.openxmlformats.org/presentationml/2006/main">
+  <p:cSld>
+    <p:spTree>
+      <p:nvGrpSpPr>
+        <p:cNvPr id="1" name=""/>
+        <p:cNvGrpSpPr/>
+        <p:nvPr/>
+      </p:nvGrpSpPr>
+      <p:grpSpPr>
+        <a:xfrm>
+          <a:off x="0" y="0"/>
+          <a:ext cx="0" cy="0"/>
+          <a:chOff x="0" y="0"/>
+          <a:chExt cx="0" cy="0"/>
+        </a:xfrm>
+      </p:grpSpPr>
+      <p:sp>
+        <p:nvSpPr>
+          <p:cNvPr id="2" name="Slide Image Placeholder 1"/>
+          <p:cNvSpPr>
+            <a:spLocks noGrp="1" noRot="1" noChangeAspect="1"/>
+          </p:cNvSpPr>
+          <p:nvPr>
+            <p:ph type="sldImg"/>
+          </p:nvPr>
+        </p:nvSpPr>
+        <p:spPr>
+          <a:xfrm>
+            <a:off x="1604963" y="434975"/>
+            <a:ext cx="3657600" cy="2743200"/>
+          </a:xfrm>
+        </p:spPr>
+      </p:sp>
+      <p:sp>
+        <p:nvSpPr>
+          <p:cNvPr id="3" name="Notes Placeholder 2"/>
+          <p:cNvSpPr>
+            <a:spLocks noGrp="1"/>
+          </p:cNvSpPr>
+          <p:nvPr>
+            <p:ph type="body" idx="1"/>
+          </p:nvPr>
+        </p:nvSpPr>
+        <p:spPr/>
+        <p:txBody>
+          <a:bodyPr/>
+          <a:lstStyle/>
+          <a:p>
+            <a:endParaRPr lang="en-US" dirty="0"/>
+          </a:p>
+        </p:txBody>
+      </p:sp>
+      <p:sp>
+        <p:nvSpPr>
+          <p:cNvPr id="4" name="Slide Number Placeholder 3"/>
+          <p:cNvSpPr>
+            <a:spLocks noGrp="1"/>
+          </p:cNvSpPr>
+          <p:nvPr>
+            <p:ph type="sldNum" sz="quarter" idx="10"/>
+          </p:nvPr>
+        </p:nvSpPr>
+        <p:spPr/>
+        <p:txBody>
+          <a:bodyPr/>
+          <a:lstStyle/>
+          <a:p>
+            <a:pPr>
+              <a:defRPr/>
+            </a:pPr>
+            <a:fld id="{626B03C0-24EC-4AF5-9D25-1D79F98923E0}" type="slidenum">
+              <a:rPr lang="en-US" smtClean="0"/>
+              <a:pPr>
+                <a:defRPr/>
+              </a:pPr>
               <a:t>9</a:t>
             </a:fld>
             <a:endParaRPr lang="en-US" dirty="0"/>
@@ -1293,7 +1580,7 @@
 </p:notes>
 </file>
 
-<file path=ppt/notesSlides/notesSlide6.xml><?xml version="1.0" encoding="utf-8"?>
+<file path=ppt/notesSlides/notesSlide7.xml><?xml version="1.0" encoding="utf-8"?>
 <p:notes xmlns:a="http://schemas.openxmlformats.org/drawingml/2006/main" xmlns:r="http://schemas.openxmlformats.org/officeDocument/2006/relationships" xmlns:p="http://schemas.openxmlformats.org/presentationml/2006/main">
   <p:cSld>
     <p:spTree>
@@ -1383,7 +1670,7 @@
 </p:notes>
 </file>
 
-<file path=ppt/notesSlides/notesSlide7.xml><?xml version="1.0" encoding="utf-8"?>
+<file path=ppt/notesSlides/notesSlide8.xml><?xml version="1.0" encoding="utf-8"?>
 <p:notes xmlns:a="http://schemas.openxmlformats.org/drawingml/2006/main" xmlns:r="http://schemas.openxmlformats.org/officeDocument/2006/relationships" xmlns:p="http://schemas.openxmlformats.org/presentationml/2006/main">
   <p:cSld>
     <p:spTree>
@@ -1473,7 +1760,7 @@
 </p:notes>
 </file>
 
-<file path=ppt/notesSlides/notesSlide8.xml><?xml version="1.0" encoding="utf-8"?>
+<file path=ppt/notesSlides/notesSlide9.xml><?xml version="1.0" encoding="utf-8"?>
 <p:notes xmlns:a="http://schemas.openxmlformats.org/drawingml/2006/main" xmlns:r="http://schemas.openxmlformats.org/officeDocument/2006/relationships" xmlns:p="http://schemas.openxmlformats.org/presentationml/2006/main">
   <p:cSld>
     <p:spTree>
@@ -1545,7 +1832,7 @@
             <a:fld id="{626B03C0-24EC-4AF5-9D25-1D79F98923E0}" type="slidenum">
               <a:rPr lang="en-US" smtClean="0"/>
               <a:pPr/>
-              <a:t>14</a:t>
+              <a:t>15</a:t>
             </a:fld>
             <a:endParaRPr lang="en-US" dirty="0"/>
           </a:p>
@@ -1569,7 +1856,7 @@
           <a:graphicData uri="http://schemas.openxmlformats.org/presentationml/2006/ole">
             <mc:AlternateContent xmlns:mc="http://schemas.openxmlformats.org/markup-compatibility/2006">
               <mc:Choice xmlns:v="urn:schemas-microsoft-com:vml" Requires="v">
-                <p:oleObj spid="_x0000_s3304" name="Document" r:id="rId4" imgW="8229600" imgH="558800" progId="Word.Document.12">
+                <p:oleObj spid="_x0000_s3331" name="Document" r:id="rId4" imgW="8229600" imgH="558800" progId="Word.Document.12">
                   <p:embed/>
                 </p:oleObj>
               </mc:Choice>
@@ -1622,7 +1909,7 @@
           <a:graphicData uri="http://schemas.openxmlformats.org/presentationml/2006/ole">
             <mc:AlternateContent xmlns:mc="http://schemas.openxmlformats.org/markup-compatibility/2006">
               <mc:Choice xmlns:v="urn:schemas-microsoft-com:vml" Requires="v">
-                <p:oleObj spid="_x0000_s3305" name="Document" r:id="rId6" imgW="5486400" imgH="927100" progId="Word.Document.12">
+                <p:oleObj spid="_x0000_s3332" name="Document" r:id="rId6" imgW="5486400" imgH="927100" progId="Word.Document.12">
                   <p:embed/>
                 </p:oleObj>
               </mc:Choice>
@@ -1678,202 +1965,6 @@
     <p:extLst>
       <p:ext uri="{BB962C8B-B14F-4D97-AF65-F5344CB8AC3E}">
         <p14:creationId xmlns:p14="http://schemas.microsoft.com/office/powerpoint/2010/main" val="1703613383"/>
-      </p:ext>
-    </p:extLst>
-  </p:cSld>
-  <p:clrMapOvr>
-    <a:masterClrMapping/>
-  </p:clrMapOvr>
-</p:notes>
-</file>
-
-<file path=ppt/notesSlides/notesSlide9.xml><?xml version="1.0" encoding="utf-8"?>
-<p:notes xmlns:a="http://schemas.openxmlformats.org/drawingml/2006/main" xmlns:r="http://schemas.openxmlformats.org/officeDocument/2006/relationships" xmlns:p="http://schemas.openxmlformats.org/presentationml/2006/main">
-  <p:cSld>
-    <p:spTree>
-      <p:nvGrpSpPr>
-        <p:cNvPr id="1" name=""/>
-        <p:cNvGrpSpPr/>
-        <p:nvPr/>
-      </p:nvGrpSpPr>
-      <p:grpSpPr>
-        <a:xfrm>
-          <a:off x="0" y="0"/>
-          <a:ext cx="0" cy="0"/>
-          <a:chOff x="0" y="0"/>
-          <a:chExt cx="0" cy="0"/>
-        </a:xfrm>
-      </p:grpSpPr>
-      <p:sp>
-        <p:nvSpPr>
-          <p:cNvPr id="3" name="Notes Placeholder 2"/>
-          <p:cNvSpPr>
-            <a:spLocks noGrp="1"/>
-          </p:cNvSpPr>
-          <p:nvPr>
-            <p:ph type="body" idx="1"/>
-          </p:nvPr>
-        </p:nvSpPr>
-        <p:spPr/>
-        <p:txBody>
-          <a:bodyPr/>
-          <a:lstStyle/>
-          <a:p>
-            <a:endParaRPr lang="en-US" dirty="0"/>
-          </a:p>
-        </p:txBody>
-      </p:sp>
-      <p:sp>
-        <p:nvSpPr>
-          <p:cNvPr id="4" name="Slide Number Placeholder 3"/>
-          <p:cNvSpPr>
-            <a:spLocks noGrp="1"/>
-          </p:cNvSpPr>
-          <p:nvPr>
-            <p:ph type="sldNum" sz="quarter" idx="10"/>
-          </p:nvPr>
-        </p:nvSpPr>
-        <p:spPr/>
-        <p:txBody>
-          <a:bodyPr/>
-          <a:lstStyle/>
-          <a:p>
-            <a:fld id="{626B03C0-24EC-4AF5-9D25-1D79F98923E0}" type="slidenum">
-              <a:rPr lang="en-US" smtClean="0"/>
-              <a:pPr/>
-              <a:t>15</a:t>
-            </a:fld>
-            <a:endParaRPr lang="en-US" dirty="0"/>
-          </a:p>
-        </p:txBody>
-      </p:sp>
-      <p:graphicFrame>
-        <p:nvGraphicFramePr>
-          <p:cNvPr id="5" name="Object 4"/>
-          <p:cNvGraphicFramePr>
-            <a:graphicFrameLocks noChangeAspect="1"/>
-          </p:cNvGraphicFramePr>
-          <p:nvPr>
-            <p:extLst/>
-          </p:nvPr>
-        </p:nvGraphicFramePr>
-        <p:xfrm>
-          <a:off x="1506538" y="4778994"/>
-          <a:ext cx="5143500" cy="349250"/>
-        </p:xfrm>
-        <a:graphic>
-          <a:graphicData uri="http://schemas.openxmlformats.org/presentationml/2006/ole">
-            <mc:AlternateContent xmlns:mc="http://schemas.openxmlformats.org/markup-compatibility/2006">
-              <mc:Choice xmlns:v="urn:schemas-microsoft-com:vml" Requires="v">
-                <p:oleObj spid="_x0000_s5352" name="Document" r:id="rId4" imgW="8229600" imgH="558800" progId="Word.Document.12">
-                  <p:embed/>
-                </p:oleObj>
-              </mc:Choice>
-              <mc:Fallback>
-                <p:oleObj name="Document" r:id="rId4" imgW="8229600" imgH="558800" progId="Word.Document.12">
-                  <p:embed/>
-                  <p:pic>
-                    <p:nvPicPr>
-                      <p:cNvPr id="0" name=""/>
-                      <p:cNvPicPr/>
-                      <p:nvPr/>
-                    </p:nvPicPr>
-                    <p:blipFill>
-                      <a:blip r:embed="rId5"/>
-                      <a:stretch>
-                        <a:fillRect/>
-                      </a:stretch>
-                    </p:blipFill>
-                    <p:spPr>
-                      <a:xfrm>
-                        <a:off x="1506538" y="4778994"/>
-                        <a:ext cx="5143500" cy="349250"/>
-                      </a:xfrm>
-                      <a:prstGeom prst="rect">
-                        <a:avLst/>
-                      </a:prstGeom>
-                    </p:spPr>
-                  </p:pic>
-                </p:oleObj>
-              </mc:Fallback>
-            </mc:AlternateContent>
-          </a:graphicData>
-        </a:graphic>
-      </p:graphicFrame>
-      <p:graphicFrame>
-        <p:nvGraphicFramePr>
-          <p:cNvPr id="6" name="Object 5"/>
-          <p:cNvGraphicFramePr>
-            <a:graphicFrameLocks noChangeAspect="1"/>
-          </p:cNvGraphicFramePr>
-          <p:nvPr>
-            <p:extLst/>
-          </p:nvPr>
-        </p:nvGraphicFramePr>
-        <p:xfrm>
-          <a:off x="1506538" y="6113958"/>
-          <a:ext cx="5143500" cy="698500"/>
-        </p:xfrm>
-        <a:graphic>
-          <a:graphicData uri="http://schemas.openxmlformats.org/presentationml/2006/ole">
-            <mc:AlternateContent xmlns:mc="http://schemas.openxmlformats.org/markup-compatibility/2006">
-              <mc:Choice xmlns:v="urn:schemas-microsoft-com:vml" Requires="v">
-                <p:oleObj spid="_x0000_s5353" name="Document" r:id="rId6" imgW="8229600" imgH="1117600" progId="Word.Document.12">
-                  <p:embed/>
-                </p:oleObj>
-              </mc:Choice>
-              <mc:Fallback>
-                <p:oleObj name="Document" r:id="rId6" imgW="8229600" imgH="1117600" progId="Word.Document.12">
-                  <p:embed/>
-                  <p:pic>
-                    <p:nvPicPr>
-                      <p:cNvPr id="0" name=""/>
-                      <p:cNvPicPr/>
-                      <p:nvPr/>
-                    </p:nvPicPr>
-                    <p:blipFill>
-                      <a:blip r:embed="rId7"/>
-                      <a:stretch>
-                        <a:fillRect/>
-                      </a:stretch>
-                    </p:blipFill>
-                    <p:spPr>
-                      <a:xfrm>
-                        <a:off x="1506538" y="6113958"/>
-                        <a:ext cx="5143500" cy="698500"/>
-                      </a:xfrm>
-                      <a:prstGeom prst="rect">
-                        <a:avLst/>
-                      </a:prstGeom>
-                    </p:spPr>
-                  </p:pic>
-                </p:oleObj>
-              </mc:Fallback>
-            </mc:AlternateContent>
-          </a:graphicData>
-        </a:graphic>
-      </p:graphicFrame>
-      <p:sp>
-        <p:nvSpPr>
-          <p:cNvPr id="9" name="スライド イメージ プレースホルダー 8"/>
-          <p:cNvSpPr>
-            <a:spLocks noGrp="1" noRot="1" noChangeAspect="1"/>
-          </p:cNvSpPr>
-          <p:nvPr>
-            <p:ph type="sldImg"/>
-          </p:nvPr>
-        </p:nvSpPr>
-        <p:spPr>
-          <a:xfrm>
-            <a:off x="1658938" y="685800"/>
-            <a:ext cx="3516312" cy="2636838"/>
-          </a:xfrm>
-        </p:spPr>
-      </p:sp>
-    </p:spTree>
-    <p:extLst>
-      <p:ext uri="{BB962C8B-B14F-4D97-AF65-F5344CB8AC3E}">
-        <p14:creationId xmlns:p14="http://schemas.microsoft.com/office/powerpoint/2010/main" val="958320888"/>
       </p:ext>
     </p:extLst>
   </p:cSld>
@@ -2994,7 +3085,7 @@
           <a:p>
             <a:fld id="{1F322805-1C3E-D64D-B9FF-1838A69DCBD5}" type="datetimeFigureOut">
               <a:rPr lang="en-US" smtClean="0"/>
-              <a:t>8/10/16</a:t>
+              <a:t>8/11/16</a:t>
             </a:fld>
             <a:endParaRPr lang="en-US"/>
           </a:p>
@@ -3999,7 +4090,7 @@
           <a:p>
             <a:fld id="{5572DC24-C402-654F-AFF6-A88DF25963D2}" type="datetimeFigureOut">
               <a:rPr lang="en-US" smtClean="0"/>
-              <a:t>8/10/16</a:t>
+              <a:t>8/11/16</a:t>
             </a:fld>
             <a:endParaRPr lang="en-US"/>
           </a:p>
@@ -7131,7 +7222,7 @@
           <a:graphicData uri="http://schemas.openxmlformats.org/presentationml/2006/ole">
             <mc:AlternateContent xmlns:mc="http://schemas.openxmlformats.org/markup-compatibility/2006">
               <mc:Choice xmlns:v="urn:schemas-microsoft-com:vml" Requires="v">
-                <p:oleObj spid="_x0000_s10394" name="Document" r:id="rId4" imgW="8229600" imgH="1485900" progId="Word.Document.12">
+                <p:oleObj spid="_x0000_s10421" name="Document" r:id="rId4" imgW="8229600" imgH="1485900" progId="Word.Document.12">
                   <p:embed/>
                 </p:oleObj>
               </mc:Choice>
@@ -7184,7 +7275,7 @@
           <a:graphicData uri="http://schemas.openxmlformats.org/presentationml/2006/ole">
             <mc:AlternateContent xmlns:mc="http://schemas.openxmlformats.org/markup-compatibility/2006">
               <mc:Choice xmlns:v="urn:schemas-microsoft-com:vml" Requires="v">
-                <p:oleObj spid="_x0000_s10395" name="Document" r:id="rId6" imgW="8229600" imgH="1308100" progId="Word.Document.12">
+                <p:oleObj spid="_x0000_s10422" name="Document" r:id="rId6" imgW="8229600" imgH="1308100" progId="Word.Document.12">
                   <p:embed/>
                 </p:oleObj>
               </mc:Choice>
@@ -7804,19 +7895,61 @@
           <a:p>
             <a:r>
               <a:rPr lang="en-US" dirty="0" smtClean="0"/>
-              <a:t>Exercises: </a:t>
-            </a:r>
-            <a:r>
-              <a:rPr lang="en-US" b="0" dirty="0"/>
-              <a:t>Geospatial</a:t>
-            </a:r>
+              <a:t>Limitations</a:t>
+            </a:r>
+            <a:endParaRPr lang="en-US" dirty="0"/>
+          </a:p>
+        </p:txBody>
+      </p:sp>
+      <p:sp>
+        <p:nvSpPr>
+          <p:cNvPr id="3" name="Text Placeholder 2"/>
+          <p:cNvSpPr>
+            <a:spLocks noGrp="1"/>
+          </p:cNvSpPr>
+          <p:nvPr>
+            <p:ph type="body" sz="quarter" idx="15"/>
+          </p:nvPr>
+        </p:nvSpPr>
+        <p:spPr>
+          <a:xfrm>
+            <a:off x="273084" y="1231330"/>
+            <a:ext cx="7503670" cy="1895047"/>
+          </a:xfrm>
+        </p:spPr>
+        <p:txBody>
+          <a:bodyPr/>
+          <a:lstStyle/>
+          <a:p>
+            <a:r>
+              <a:rPr lang="en-US" dirty="0" smtClean="0"/>
+              <a:t>50k queries per second – regardless of cluster size</a:t>
+            </a:r>
+          </a:p>
+          <a:p>
+            <a:r>
+              <a:rPr lang="en-US" dirty="0"/>
+              <a:t>Duplicate records can be </a:t>
+            </a:r>
+            <a:r>
+              <a:rPr lang="en-US" dirty="0" smtClean="0"/>
+              <a:t>returned</a:t>
+            </a:r>
+          </a:p>
+          <a:p>
+            <a:pPr lvl="1"/>
+            <a:r>
+              <a:rPr lang="en-US" dirty="0" smtClean="0"/>
+              <a:t>records may in more that one region</a:t>
+            </a:r>
+            <a:endParaRPr lang="en-US" dirty="0"/>
           </a:p>
         </p:txBody>
       </p:sp>
     </p:spTree>
     <p:extLst>
       <p:ext uri="{BB962C8B-B14F-4D97-AF65-F5344CB8AC3E}">
-        <p14:creationId xmlns:p14="http://schemas.microsoft.com/office/powerpoint/2010/main" val="886111310"/>
+        <p14:creationId xmlns:p14="http://schemas.microsoft.com/office/powerpoint/2010/main" val="1500532739"/>
       </p:ext>
     </p:extLst>
   </p:cSld>
@@ -7867,113 +8000,19 @@
           <a:p>
             <a:r>
               <a:rPr lang="en-US" dirty="0" smtClean="0"/>
-              <a:t>Exercises and Answers</a:t>
-            </a:r>
-            <a:endParaRPr lang="en-US" dirty="0"/>
-          </a:p>
-        </p:txBody>
-      </p:sp>
-      <p:sp>
-        <p:nvSpPr>
-          <p:cNvPr id="3" name="Text Placeholder 2"/>
-          <p:cNvSpPr>
-            <a:spLocks noGrp="1"/>
-          </p:cNvSpPr>
-          <p:nvPr>
-            <p:ph type="body" sz="quarter" idx="15"/>
-          </p:nvPr>
-        </p:nvSpPr>
-        <p:spPr/>
-        <p:txBody>
-          <a:bodyPr/>
-          <a:lstStyle/>
-          <a:p>
-            <a:r>
-              <a:rPr lang="en-US" dirty="0" smtClean="0"/>
-              <a:t>Directory layout</a:t>
-            </a:r>
-          </a:p>
-          <a:p>
-            <a:pPr lvl="1"/>
-            <a:r>
-              <a:rPr lang="en-US" dirty="0" err="1" smtClean="0"/>
-              <a:t>csharp</a:t>
-            </a:r>
-            <a:endParaRPr lang="en-US" dirty="0" smtClean="0"/>
-          </a:p>
-          <a:p>
-            <a:pPr lvl="2"/>
-            <a:r>
-              <a:rPr lang="en-US" dirty="0"/>
-              <a:t>a</a:t>
-            </a:r>
-            <a:r>
-              <a:rPr lang="en-US" dirty="0" smtClean="0"/>
-              <a:t>nswers</a:t>
-            </a:r>
-          </a:p>
-          <a:p>
-            <a:pPr lvl="2"/>
-            <a:r>
-              <a:rPr lang="en-US" dirty="0" smtClean="0"/>
-              <a:t>exercises</a:t>
-            </a:r>
-          </a:p>
-          <a:p>
-            <a:pPr lvl="1"/>
-            <a:r>
-              <a:rPr lang="en-US" dirty="0" smtClean="0"/>
-              <a:t>Java</a:t>
-            </a:r>
-          </a:p>
-          <a:p>
-            <a:pPr lvl="2"/>
-            <a:r>
-              <a:rPr lang="en-US" dirty="0"/>
-              <a:t>a</a:t>
-            </a:r>
-            <a:r>
-              <a:rPr lang="en-US" dirty="0" smtClean="0"/>
-              <a:t>nswers</a:t>
-            </a:r>
-          </a:p>
-          <a:p>
-            <a:pPr lvl="2"/>
-            <a:r>
-              <a:rPr lang="en-US" dirty="0" smtClean="0"/>
-              <a:t>exercises</a:t>
-            </a:r>
-          </a:p>
-          <a:p>
-            <a:endParaRPr lang="en-US" dirty="0" smtClean="0"/>
-          </a:p>
-          <a:p>
-            <a:r>
-              <a:rPr lang="en-US" dirty="0" smtClean="0"/>
-              <a:t>Java: Maven project</a:t>
-            </a:r>
-          </a:p>
-          <a:p>
-            <a:r>
-              <a:rPr lang="en-US" dirty="0" smtClean="0"/>
-              <a:t>C#: Visual studio (and </a:t>
-            </a:r>
-            <a:r>
-              <a:rPr lang="en-US" dirty="0" err="1" smtClean="0"/>
-              <a:t>Xamarin</a:t>
-            </a:r>
-            <a:r>
-              <a:rPr lang="en-US" dirty="0" smtClean="0"/>
-              <a:t>) solution</a:t>
-            </a:r>
-            <a:endParaRPr lang="en-US" dirty="0"/>
+              <a:t>Exercises: </a:t>
+            </a:r>
+            <a:r>
+              <a:rPr lang="en-US" b="0" dirty="0"/>
+              <a:t>Geospatial</a:t>
+            </a:r>
           </a:p>
         </p:txBody>
       </p:sp>
     </p:spTree>
     <p:extLst>
       <p:ext uri="{BB962C8B-B14F-4D97-AF65-F5344CB8AC3E}">
-        <p14:creationId xmlns:p14="http://schemas.microsoft.com/office/powerpoint/2010/main" val="2053091029"/>
+        <p14:creationId xmlns:p14="http://schemas.microsoft.com/office/powerpoint/2010/main" val="886111310"/>
       </p:ext>
     </p:extLst>
   </p:cSld>
@@ -8024,7 +8063,7 @@
           <a:p>
             <a:r>
               <a:rPr lang="en-US" dirty="0" smtClean="0"/>
-              <a:t>Java: Maps</a:t>
+              <a:t>Exercises and Answers</a:t>
             </a:r>
             <a:endParaRPr lang="en-US" dirty="0"/>
           </a:p>
@@ -8040,431 +8079,97 @@
             <p:ph type="body" sz="quarter" idx="15"/>
           </p:nvPr>
         </p:nvSpPr>
-        <p:spPr>
-          <a:xfrm>
-            <a:off x="262374" y="939830"/>
-            <a:ext cx="8195826" cy="894079"/>
-          </a:xfrm>
-        </p:spPr>
+        <p:spPr/>
         <p:txBody>
-          <a:bodyPr>
-            <a:normAutofit fontScale="92500" lnSpcReduction="20000"/>
-          </a:bodyPr>
+          <a:bodyPr/>
           <a:lstStyle/>
           <a:p>
-            <a:pPr marL="0" indent="0">
-              <a:buNone/>
-            </a:pPr>
-            <a:r>
-              <a:rPr lang="en-US" sz="2000" dirty="0" smtClean="0"/>
-              <a:t>Find the </a:t>
-            </a:r>
-            <a:r>
-              <a:rPr lang="en-US" sz="2000" dirty="0" err="1" smtClean="0"/>
-              <a:t>Program.java</a:t>
-            </a:r>
-            <a:r>
-              <a:rPr lang="en-US" sz="2000" dirty="0" smtClean="0"/>
-              <a:t> file in the exercises directory. Replace the TODOs with working code</a:t>
-            </a:r>
-          </a:p>
-          <a:p>
-            <a:pPr marL="0" indent="0">
-              <a:buNone/>
-            </a:pPr>
-            <a:r>
-              <a:rPr lang="en-US" sz="2000" dirty="0" smtClean="0"/>
-              <a:t/>
-            </a:r>
-            <a:br>
-              <a:rPr lang="en-US" sz="2000" dirty="0" smtClean="0"/>
-            </a:br>
-            <a:endParaRPr lang="en-US" sz="2000" dirty="0"/>
-          </a:p>
-        </p:txBody>
-      </p:sp>
-      <p:sp>
-        <p:nvSpPr>
-          <p:cNvPr id="4" name="Rectangle 3"/>
-          <p:cNvSpPr/>
-          <p:nvPr/>
-        </p:nvSpPr>
-        <p:spPr>
-          <a:xfrm>
-            <a:off x="564864" y="1649243"/>
-            <a:ext cx="4458272" cy="369332"/>
-          </a:xfrm>
-          <a:prstGeom prst="rect">
-            <a:avLst/>
-          </a:prstGeom>
-        </p:spPr>
-        <p:txBody>
-          <a:bodyPr wrap="none">
-            <a:spAutoFit/>
-          </a:bodyPr>
-          <a:lstStyle/>
-          <a:p>
-            <a:r>
-              <a:rPr lang="en-US">
-                <a:solidFill>
-                  <a:srgbClr val="3F7F5F"/>
-                </a:solidFill>
-                <a:highlight>
-                  <a:srgbClr val="E8F2FE"/>
-                </a:highlight>
-                <a:latin typeface="Monaco" charset="0"/>
-              </a:rPr>
-              <a:t>// </a:t>
-            </a:r>
-            <a:r>
-              <a:rPr lang="en-US" b="1">
-                <a:solidFill>
-                  <a:srgbClr val="7F9FBF"/>
-                </a:solidFill>
-                <a:highlight>
-                  <a:srgbClr val="E8F2FE"/>
-                </a:highlight>
-                <a:latin typeface="Monaco" charset="0"/>
-              </a:rPr>
-              <a:t>TODO</a:t>
-            </a:r>
-            <a:r>
-              <a:rPr lang="en-US" b="1">
-                <a:solidFill>
-                  <a:srgbClr val="3F7F5F"/>
-                </a:solidFill>
-                <a:highlight>
-                  <a:srgbClr val="E8F2FE"/>
-                </a:highlight>
-                <a:latin typeface="Monaco" charset="0"/>
-              </a:rPr>
-              <a:t> save a map to </a:t>
-            </a:r>
-            <a:r>
-              <a:rPr lang="en-US" b="1" u="sng">
-                <a:solidFill>
-                  <a:srgbClr val="3F7F5F"/>
-                </a:solidFill>
-                <a:highlight>
-                  <a:srgbClr val="E8F2FE"/>
-                </a:highlight>
-                <a:latin typeface="Monaco" charset="0"/>
-              </a:rPr>
-              <a:t>Aerospike</a:t>
-            </a:r>
-            <a:endParaRPr lang="en-US"/>
-          </a:p>
-        </p:txBody>
-      </p:sp>
-      <p:sp>
-        <p:nvSpPr>
-          <p:cNvPr id="10" name="Rectangle 9"/>
-          <p:cNvSpPr/>
-          <p:nvPr/>
-        </p:nvSpPr>
-        <p:spPr>
-          <a:xfrm>
-            <a:off x="564864" y="2381739"/>
-            <a:ext cx="5645436" cy="369332"/>
-          </a:xfrm>
-          <a:prstGeom prst="rect">
-            <a:avLst/>
-          </a:prstGeom>
-        </p:spPr>
-        <p:txBody>
-          <a:bodyPr wrap="square">
-            <a:spAutoFit/>
-          </a:bodyPr>
-          <a:lstStyle/>
-          <a:p>
-            <a:r>
-              <a:rPr lang="en-US">
-                <a:solidFill>
-                  <a:srgbClr val="3F7F5F"/>
-                </a:solidFill>
-                <a:highlight>
-                  <a:srgbClr val="E8F2FE"/>
-                </a:highlight>
-                <a:latin typeface="Monaco" charset="0"/>
-              </a:rPr>
-              <a:t>// </a:t>
-            </a:r>
-            <a:r>
-              <a:rPr lang="en-US" b="1">
-                <a:solidFill>
-                  <a:srgbClr val="7F9FBF"/>
-                </a:solidFill>
-                <a:highlight>
-                  <a:srgbClr val="E8F2FE"/>
-                </a:highlight>
-                <a:latin typeface="Monaco" charset="0"/>
-              </a:rPr>
-              <a:t>TODO</a:t>
-            </a:r>
-            <a:r>
-              <a:rPr lang="en-US" b="1">
-                <a:solidFill>
-                  <a:srgbClr val="3F7F5F"/>
-                </a:solidFill>
-                <a:highlight>
-                  <a:srgbClr val="E8F2FE"/>
-                </a:highlight>
-                <a:latin typeface="Monaco" charset="0"/>
-              </a:rPr>
-              <a:t> an element to a map 'cat = 7'</a:t>
-            </a:r>
-            <a:endParaRPr lang="en-US"/>
-          </a:p>
-        </p:txBody>
-      </p:sp>
-      <p:sp>
-        <p:nvSpPr>
-          <p:cNvPr id="11" name="Rectangle 10"/>
-          <p:cNvSpPr/>
-          <p:nvPr/>
-        </p:nvSpPr>
-        <p:spPr>
-          <a:xfrm>
-            <a:off x="564864" y="3114235"/>
-            <a:ext cx="6496336" cy="369332"/>
-          </a:xfrm>
-          <a:prstGeom prst="rect">
-            <a:avLst/>
-          </a:prstGeom>
-        </p:spPr>
-        <p:txBody>
-          <a:bodyPr wrap="square">
-            <a:spAutoFit/>
-          </a:bodyPr>
-          <a:lstStyle/>
-          <a:p>
-            <a:r>
-              <a:rPr lang="en-US">
-                <a:solidFill>
-                  <a:srgbClr val="3F7F5F"/>
-                </a:solidFill>
-                <a:highlight>
-                  <a:srgbClr val="E8F2FE"/>
-                </a:highlight>
-                <a:latin typeface="Monaco" charset="0"/>
-              </a:rPr>
-              <a:t>// </a:t>
-            </a:r>
-            <a:r>
-              <a:rPr lang="en-US" b="1">
-                <a:solidFill>
-                  <a:srgbClr val="7F9FBF"/>
-                </a:solidFill>
-                <a:highlight>
-                  <a:srgbClr val="E8F2FE"/>
-                </a:highlight>
-                <a:latin typeface="Monaco" charset="0"/>
-              </a:rPr>
-              <a:t>TODO</a:t>
-            </a:r>
-            <a:r>
-              <a:rPr lang="en-US" b="1">
-                <a:solidFill>
-                  <a:srgbClr val="3F7F5F"/>
-                </a:solidFill>
-                <a:highlight>
-                  <a:srgbClr val="E8F2FE"/>
-                </a:highlight>
-                <a:latin typeface="Monaco" charset="0"/>
-              </a:rPr>
-              <a:t> add a map of values to the stored map</a:t>
-            </a:r>
-            <a:endParaRPr lang="en-US"/>
-          </a:p>
-        </p:txBody>
-      </p:sp>
-      <p:sp>
-        <p:nvSpPr>
-          <p:cNvPr id="12" name="Rectangle 11"/>
-          <p:cNvSpPr/>
-          <p:nvPr/>
-        </p:nvSpPr>
-        <p:spPr>
-          <a:xfrm>
-            <a:off x="564864" y="3846731"/>
-            <a:ext cx="6356636" cy="369332"/>
-          </a:xfrm>
-          <a:prstGeom prst="rect">
-            <a:avLst/>
-          </a:prstGeom>
-        </p:spPr>
-        <p:txBody>
-          <a:bodyPr wrap="square">
-            <a:spAutoFit/>
-          </a:bodyPr>
-          <a:lstStyle/>
-          <a:p>
-            <a:r>
-              <a:rPr lang="en-US">
-                <a:solidFill>
-                  <a:srgbClr val="3F7F5F"/>
-                </a:solidFill>
-                <a:highlight>
-                  <a:srgbClr val="E8F2FE"/>
-                </a:highlight>
-                <a:latin typeface="Monaco" charset="0"/>
-              </a:rPr>
-              <a:t>// </a:t>
-            </a:r>
-            <a:r>
-              <a:rPr lang="en-US" b="1">
-                <a:solidFill>
-                  <a:srgbClr val="7F9FBF"/>
-                </a:solidFill>
-                <a:highlight>
-                  <a:srgbClr val="E8F2FE"/>
-                </a:highlight>
-                <a:latin typeface="Monaco" charset="0"/>
-              </a:rPr>
-              <a:t>TODO</a:t>
-            </a:r>
-            <a:r>
-              <a:rPr lang="en-US" b="1">
-                <a:solidFill>
-                  <a:srgbClr val="3F7F5F"/>
-                </a:solidFill>
-                <a:highlight>
-                  <a:srgbClr val="E8F2FE"/>
-                </a:highlight>
-                <a:latin typeface="Monaco" charset="0"/>
-              </a:rPr>
-              <a:t> delete the 'dogs' element</a:t>
-            </a:r>
-            <a:endParaRPr lang="en-US"/>
-          </a:p>
-        </p:txBody>
-      </p:sp>
-      <p:sp>
-        <p:nvSpPr>
-          <p:cNvPr id="13" name="Rectangle 12"/>
-          <p:cNvSpPr/>
-          <p:nvPr/>
-        </p:nvSpPr>
-        <p:spPr>
-          <a:xfrm>
-            <a:off x="564864" y="4453235"/>
-            <a:ext cx="7893336" cy="646331"/>
-          </a:xfrm>
-          <a:prstGeom prst="rect">
-            <a:avLst/>
-          </a:prstGeom>
-        </p:spPr>
-        <p:txBody>
-          <a:bodyPr wrap="square">
-            <a:spAutoFit/>
-          </a:bodyPr>
-          <a:lstStyle/>
-          <a:p>
-            <a:r>
-              <a:rPr lang="en-US">
-                <a:solidFill>
-                  <a:srgbClr val="3F7F5F"/>
-                </a:solidFill>
-                <a:highlight>
-                  <a:srgbClr val="E8F2FE"/>
-                </a:highlight>
-                <a:latin typeface="Monaco" charset="0"/>
-              </a:rPr>
-              <a:t>// </a:t>
-            </a:r>
-            <a:r>
-              <a:rPr lang="en-US" b="1">
-                <a:solidFill>
-                  <a:srgbClr val="7F9FBF"/>
-                </a:solidFill>
-                <a:highlight>
-                  <a:srgbClr val="E8F2FE"/>
-                </a:highlight>
-                <a:latin typeface="Monaco" charset="0"/>
-              </a:rPr>
-              <a:t>TODO</a:t>
-            </a:r>
-            <a:r>
-              <a:rPr lang="en-US" b="1">
-                <a:solidFill>
-                  <a:srgbClr val="3F7F5F"/>
-                </a:solidFill>
-                <a:highlight>
-                  <a:srgbClr val="E8F2FE"/>
-                </a:highlight>
-                <a:latin typeface="Monaco" charset="0"/>
-              </a:rPr>
-              <a:t> set a filter to perform a range query on the map values in the map</a:t>
-            </a:r>
-            <a:endParaRPr lang="en-US"/>
-          </a:p>
-        </p:txBody>
-      </p:sp>
-      <p:sp>
-        <p:nvSpPr>
-          <p:cNvPr id="14" name="Rectangle 13"/>
-          <p:cNvSpPr/>
-          <p:nvPr/>
-        </p:nvSpPr>
-        <p:spPr>
-          <a:xfrm>
-            <a:off x="635000" y="5370397"/>
-            <a:ext cx="5753100" cy="369332"/>
-          </a:xfrm>
-          <a:prstGeom prst="rect">
-            <a:avLst/>
-          </a:prstGeom>
-        </p:spPr>
-        <p:txBody>
-          <a:bodyPr wrap="square">
-            <a:spAutoFit/>
-          </a:bodyPr>
-          <a:lstStyle/>
-          <a:p>
-            <a:r>
-              <a:rPr lang="en-US">
-                <a:solidFill>
-                  <a:srgbClr val="3F7F5F"/>
-                </a:solidFill>
-                <a:highlight>
-                  <a:srgbClr val="E8F2FE"/>
-                </a:highlight>
-                <a:latin typeface="Monaco" charset="0"/>
-              </a:rPr>
-              <a:t>// </a:t>
-            </a:r>
-            <a:r>
-              <a:rPr lang="en-US" b="1">
-                <a:solidFill>
-                  <a:srgbClr val="7F9FBF"/>
-                </a:solidFill>
-                <a:highlight>
-                  <a:srgbClr val="E8F2FE"/>
-                </a:highlight>
-                <a:latin typeface="Monaco" charset="0"/>
-              </a:rPr>
-              <a:t>TODO</a:t>
-            </a:r>
-            <a:r>
-              <a:rPr lang="en-US" b="1">
-                <a:solidFill>
-                  <a:srgbClr val="3F7F5F"/>
-                </a:solidFill>
-                <a:highlight>
-                  <a:srgbClr val="E8F2FE"/>
-                </a:highlight>
-                <a:latin typeface="Monaco" charset="0"/>
-              </a:rPr>
-              <a:t> Query using the statement</a:t>
-            </a:r>
-            <a:endParaRPr lang="en-US"/>
+            <a:r>
+              <a:rPr lang="en-US" dirty="0" smtClean="0"/>
+              <a:t>Directory layout</a:t>
+            </a:r>
+          </a:p>
+          <a:p>
+            <a:pPr lvl="1"/>
+            <a:r>
+              <a:rPr lang="en-US" dirty="0" err="1" smtClean="0"/>
+              <a:t>csharp</a:t>
+            </a:r>
+            <a:endParaRPr lang="en-US" dirty="0" smtClean="0"/>
+          </a:p>
+          <a:p>
+            <a:pPr lvl="2"/>
+            <a:r>
+              <a:rPr lang="en-US" dirty="0"/>
+              <a:t>a</a:t>
+            </a:r>
+            <a:r>
+              <a:rPr lang="en-US" dirty="0" smtClean="0"/>
+              <a:t>nswers</a:t>
+            </a:r>
+          </a:p>
+          <a:p>
+            <a:pPr lvl="2"/>
+            <a:r>
+              <a:rPr lang="en-US" dirty="0" smtClean="0"/>
+              <a:t>exercises</a:t>
+            </a:r>
+          </a:p>
+          <a:p>
+            <a:pPr lvl="1"/>
+            <a:r>
+              <a:rPr lang="en-US" dirty="0" smtClean="0"/>
+              <a:t>Java</a:t>
+            </a:r>
+          </a:p>
+          <a:p>
+            <a:pPr lvl="2"/>
+            <a:r>
+              <a:rPr lang="en-US" dirty="0"/>
+              <a:t>a</a:t>
+            </a:r>
+            <a:r>
+              <a:rPr lang="en-US" dirty="0" smtClean="0"/>
+              <a:t>nswers</a:t>
+            </a:r>
+          </a:p>
+          <a:p>
+            <a:pPr lvl="2"/>
+            <a:r>
+              <a:rPr lang="en-US" dirty="0" smtClean="0"/>
+              <a:t>exercises</a:t>
+            </a:r>
+          </a:p>
+          <a:p>
+            <a:endParaRPr lang="en-US" dirty="0" smtClean="0"/>
+          </a:p>
+          <a:p>
+            <a:r>
+              <a:rPr lang="en-US" dirty="0" smtClean="0"/>
+              <a:t>Java: Maven project</a:t>
+            </a:r>
+          </a:p>
+          <a:p>
+            <a:r>
+              <a:rPr lang="en-US" dirty="0" smtClean="0"/>
+              <a:t>C#: Visual studio (and </a:t>
+            </a:r>
+            <a:r>
+              <a:rPr lang="en-US" dirty="0" err="1" smtClean="0"/>
+              <a:t>Xamarin</a:t>
+            </a:r>
+            <a:r>
+              <a:rPr lang="en-US" dirty="0" smtClean="0"/>
+              <a:t>) solution</a:t>
+            </a:r>
+            <a:endParaRPr lang="en-US" dirty="0"/>
           </a:p>
         </p:txBody>
       </p:sp>
     </p:spTree>
     <p:extLst>
       <p:ext uri="{BB962C8B-B14F-4D97-AF65-F5344CB8AC3E}">
-        <p14:creationId xmlns:p14="http://schemas.microsoft.com/office/powerpoint/2010/main" val="504166514"/>
+        <p14:creationId xmlns:p14="http://schemas.microsoft.com/office/powerpoint/2010/main" val="2053091029"/>
       </p:ext>
     </p:extLst>
   </p:cSld>
@@ -8515,7 +8220,250 @@
           <a:p>
             <a:r>
               <a:rPr lang="en-US" dirty="0" smtClean="0"/>
-              <a:t>C#: Maps</a:t>
+              <a:t>Java: </a:t>
+            </a:r>
+            <a:r>
+              <a:rPr lang="en-US" dirty="0" smtClean="0"/>
+              <a:t>Geospatial</a:t>
+            </a:r>
+            <a:endParaRPr lang="en-US" dirty="0"/>
+          </a:p>
+        </p:txBody>
+      </p:sp>
+      <p:sp>
+        <p:nvSpPr>
+          <p:cNvPr id="3" name="Text Placeholder 2"/>
+          <p:cNvSpPr>
+            <a:spLocks noGrp="1"/>
+          </p:cNvSpPr>
+          <p:nvPr>
+            <p:ph type="body" sz="quarter" idx="15"/>
+          </p:nvPr>
+        </p:nvSpPr>
+        <p:spPr>
+          <a:xfrm>
+            <a:off x="262374" y="939830"/>
+            <a:ext cx="8195826" cy="894079"/>
+          </a:xfrm>
+        </p:spPr>
+        <p:txBody>
+          <a:bodyPr>
+            <a:normAutofit fontScale="92500" lnSpcReduction="20000"/>
+          </a:bodyPr>
+          <a:lstStyle/>
+          <a:p>
+            <a:pPr marL="0" indent="0">
+              <a:buNone/>
+            </a:pPr>
+            <a:r>
+              <a:rPr lang="en-US" sz="2000" dirty="0" smtClean="0"/>
+              <a:t>Find the </a:t>
+            </a:r>
+            <a:r>
+              <a:rPr lang="en-US" sz="2000" dirty="0" err="1" smtClean="0"/>
+              <a:t>Program.java</a:t>
+            </a:r>
+            <a:r>
+              <a:rPr lang="en-US" sz="2000" dirty="0" smtClean="0"/>
+              <a:t> file in the exercises directory. Replace the TODOs with working code</a:t>
+            </a:r>
+          </a:p>
+          <a:p>
+            <a:pPr marL="0" indent="0">
+              <a:buNone/>
+            </a:pPr>
+            <a:r>
+              <a:rPr lang="en-US" sz="2000" dirty="0" smtClean="0"/>
+              <a:t/>
+            </a:r>
+            <a:br>
+              <a:rPr lang="en-US" sz="2000" dirty="0" smtClean="0"/>
+            </a:br>
+            <a:endParaRPr lang="en-US" sz="2000" dirty="0"/>
+          </a:p>
+        </p:txBody>
+      </p:sp>
+      <p:sp>
+        <p:nvSpPr>
+          <p:cNvPr id="5" name="Rectangle 4"/>
+          <p:cNvSpPr/>
+          <p:nvPr/>
+        </p:nvSpPr>
+        <p:spPr>
+          <a:xfrm>
+            <a:off x="1172816" y="2169441"/>
+            <a:ext cx="6510131" cy="523220"/>
+          </a:xfrm>
+          <a:prstGeom prst="rect">
+            <a:avLst/>
+          </a:prstGeom>
+        </p:spPr>
+        <p:txBody>
+          <a:bodyPr wrap="square">
+            <a:spAutoFit/>
+          </a:bodyPr>
+          <a:lstStyle/>
+          <a:p>
+            <a:r>
+              <a:rPr lang="en-US" sz="1400" dirty="0">
+                <a:solidFill>
+                  <a:srgbClr val="3F7F5F"/>
+                </a:solidFill>
+                <a:highlight>
+                  <a:srgbClr val="E8F2FE"/>
+                </a:highlight>
+                <a:latin typeface="Monaco" charset="0"/>
+              </a:rPr>
+              <a:t>// </a:t>
+            </a:r>
+            <a:r>
+              <a:rPr lang="en-US" sz="1400" b="1" dirty="0">
+                <a:solidFill>
+                  <a:srgbClr val="7F9FBF"/>
+                </a:solidFill>
+                <a:highlight>
+                  <a:srgbClr val="E8F2FE"/>
+                </a:highlight>
+                <a:latin typeface="Monaco" charset="0"/>
+              </a:rPr>
+              <a:t>TODO</a:t>
+            </a:r>
+            <a:r>
+              <a:rPr lang="en-US" sz="1400" b="1" dirty="0">
+                <a:solidFill>
+                  <a:srgbClr val="3F7F5F"/>
+                </a:solidFill>
+                <a:highlight>
+                  <a:srgbClr val="E8F2FE"/>
+                </a:highlight>
+                <a:latin typeface="Monaco" charset="0"/>
+              </a:rPr>
+              <a:t> create a Radius filter using Sydney's location with a radius of 150km</a:t>
+            </a:r>
+            <a:endParaRPr lang="en-US" sz="1400" dirty="0"/>
+          </a:p>
+        </p:txBody>
+      </p:sp>
+      <p:sp>
+        <p:nvSpPr>
+          <p:cNvPr id="8" name="Rectangle 7"/>
+          <p:cNvSpPr/>
+          <p:nvPr/>
+        </p:nvSpPr>
+        <p:spPr>
+          <a:xfrm>
+            <a:off x="1172816" y="3670394"/>
+            <a:ext cx="6510131" cy="523220"/>
+          </a:xfrm>
+          <a:prstGeom prst="rect">
+            <a:avLst/>
+          </a:prstGeom>
+        </p:spPr>
+        <p:txBody>
+          <a:bodyPr wrap="square">
+            <a:spAutoFit/>
+          </a:bodyPr>
+          <a:lstStyle/>
+          <a:p>
+            <a:r>
+              <a:rPr lang="en-US" sz="1400" dirty="0">
+                <a:solidFill>
+                  <a:srgbClr val="3F7F5F"/>
+                </a:solidFill>
+                <a:highlight>
+                  <a:srgbClr val="E8F2FE"/>
+                </a:highlight>
+                <a:latin typeface="Monaco" charset="0"/>
+              </a:rPr>
+              <a:t>// </a:t>
+            </a:r>
+            <a:r>
+              <a:rPr lang="en-US" sz="1400" b="1" dirty="0">
+                <a:solidFill>
+                  <a:srgbClr val="7F9FBF"/>
+                </a:solidFill>
+                <a:highlight>
+                  <a:srgbClr val="E8F2FE"/>
+                </a:highlight>
+                <a:latin typeface="Monaco" charset="0"/>
+              </a:rPr>
+              <a:t>TODO</a:t>
+            </a:r>
+            <a:r>
+              <a:rPr lang="en-US" sz="1400" b="1" dirty="0">
+                <a:solidFill>
+                  <a:srgbClr val="3F7F5F"/>
+                </a:solidFill>
+                <a:highlight>
+                  <a:srgbClr val="E8F2FE"/>
+                </a:highlight>
+                <a:latin typeface="Monaco" charset="0"/>
+              </a:rPr>
+              <a:t> create a filter to discover the regions containing this point </a:t>
+            </a:r>
+            <a:endParaRPr lang="en-US" sz="1400" dirty="0"/>
+          </a:p>
+        </p:txBody>
+      </p:sp>
+    </p:spTree>
+    <p:extLst>
+      <p:ext uri="{BB962C8B-B14F-4D97-AF65-F5344CB8AC3E}">
+        <p14:creationId xmlns:p14="http://schemas.microsoft.com/office/powerpoint/2010/main" val="504166514"/>
+      </p:ext>
+    </p:extLst>
+  </p:cSld>
+  <p:clrMapOvr>
+    <a:masterClrMapping/>
+  </p:clrMapOvr>
+  <p:timing>
+    <p:tnLst>
+      <p:par>
+        <p:cTn id="1" dur="indefinite" restart="never" nodeType="tmRoot"/>
+      </p:par>
+    </p:tnLst>
+  </p:timing>
+</p:sld>
+</file>
+
+<file path=ppt/slides/slide16.xml><?xml version="1.0" encoding="utf-8"?>
+<p:sld xmlns:a="http://schemas.openxmlformats.org/drawingml/2006/main" xmlns:r="http://schemas.openxmlformats.org/officeDocument/2006/relationships" xmlns:p="http://schemas.openxmlformats.org/presentationml/2006/main">
+  <p:cSld>
+    <p:spTree>
+      <p:nvGrpSpPr>
+        <p:cNvPr id="1" name=""/>
+        <p:cNvGrpSpPr/>
+        <p:nvPr/>
+      </p:nvGrpSpPr>
+      <p:grpSpPr>
+        <a:xfrm>
+          <a:off x="0" y="0"/>
+          <a:ext cx="0" cy="0"/>
+          <a:chOff x="0" y="0"/>
+          <a:chExt cx="0" cy="0"/>
+        </a:xfrm>
+      </p:grpSpPr>
+      <p:sp>
+        <p:nvSpPr>
+          <p:cNvPr id="2" name="Title 1"/>
+          <p:cNvSpPr>
+            <a:spLocks noGrp="1"/>
+          </p:cNvSpPr>
+          <p:nvPr>
+            <p:ph type="title"/>
+          </p:nvPr>
+        </p:nvSpPr>
+        <p:spPr/>
+        <p:txBody>
+          <a:bodyPr/>
+          <a:lstStyle/>
+          <a:p>
+            <a:r>
+              <a:rPr lang="en-US" dirty="0" smtClean="0"/>
+              <a:t>C#: </a:t>
+            </a:r>
+            <a:r>
+              <a:rPr lang="en-US" dirty="0"/>
+              <a:t>Geospatial</a:t>
             </a:r>
             <a:endParaRPr lang="en-US" dirty="0"/>
           </a:p>
@@ -8576,69 +8524,14 @@
       </p:sp>
       <p:sp>
         <p:nvSpPr>
-          <p:cNvPr id="3" name="Rectangle 2"/>
+          <p:cNvPr id="5" name="Rectangle 4"/>
           <p:cNvSpPr/>
           <p:nvPr/>
         </p:nvSpPr>
         <p:spPr>
           <a:xfrm>
-            <a:off x="848453" y="1984775"/>
-            <a:ext cx="4576894" cy="369332"/>
-          </a:xfrm>
-          <a:prstGeom prst="rect">
-            <a:avLst/>
-          </a:prstGeom>
-        </p:spPr>
-        <p:txBody>
-          <a:bodyPr wrap="none">
-            <a:spAutoFit/>
-          </a:bodyPr>
-          <a:lstStyle/>
-          <a:p>
-            <a:r>
-              <a:rPr lang="en-US">
-                <a:solidFill>
-                  <a:srgbClr val="888A85"/>
-                </a:solidFill>
-                <a:latin typeface="Menlo" charset="0"/>
-              </a:rPr>
-              <a:t>// </a:t>
-            </a:r>
-            <a:r>
-              <a:rPr lang="en-US">
-                <a:solidFill>
-                  <a:srgbClr val="FF00FE"/>
-                </a:solidFill>
-                <a:latin typeface="Menlo" charset="0"/>
-              </a:rPr>
-              <a:t>TODO</a:t>
-            </a:r>
-            <a:r>
-              <a:rPr lang="en-US">
-                <a:solidFill>
-                  <a:srgbClr val="888A85"/>
-                </a:solidFill>
-                <a:latin typeface="Menlo" charset="0"/>
-              </a:rPr>
-              <a:t> save a map to Aerospike</a:t>
-            </a:r>
-            <a:r>
-              <a:rPr lang="en-US"/>
-              <a:t> </a:t>
-            </a:r>
-          </a:p>
-        </p:txBody>
-      </p:sp>
-      <p:sp>
-        <p:nvSpPr>
-          <p:cNvPr id="4" name="Rectangle 3"/>
-          <p:cNvSpPr/>
-          <p:nvPr/>
-        </p:nvSpPr>
-        <p:spPr>
-          <a:xfrm>
-            <a:off x="853346" y="2504973"/>
-            <a:ext cx="5737953" cy="369332"/>
+            <a:off x="794531" y="2002874"/>
+            <a:ext cx="7445008" cy="523220"/>
           </a:xfrm>
           <a:prstGeom prst="rect">
             <a:avLst/>
@@ -8651,7 +8544,7 @@
           <a:lstStyle/>
           <a:p>
             <a:r>
-              <a:rPr lang="en-US">
+              <a:rPr lang="en-US" sz="1400">
                 <a:solidFill>
                   <a:srgbClr val="888A85"/>
                 </a:solidFill>
@@ -8660,7 +8553,7 @@
               <a:t>// </a:t>
             </a:r>
             <a:r>
-              <a:rPr lang="en-US">
+              <a:rPr lang="en-US" sz="1400">
                 <a:solidFill>
                   <a:srgbClr val="FF00FE"/>
                 </a:solidFill>
@@ -8669,16 +8562,16 @@
               <a:t>TODO</a:t>
             </a:r>
             <a:r>
-              <a:rPr lang="en-US">
+              <a:rPr lang="en-US" sz="1400">
                 <a:solidFill>
                   <a:srgbClr val="888A85"/>
                 </a:solidFill>
                 <a:latin typeface="Menlo" charset="0"/>
               </a:rPr>
-              <a:t> an element to a map 'cat = 7'</a:t>
-            </a:r>
-            <a:r>
-              <a:rPr lang="en-US"/>
+              <a:t> create a Radius filter using Sydney's location with a radius of 150km</a:t>
+            </a:r>
+            <a:r>
+              <a:rPr lang="en-US" sz="1400"/>
               <a:t> </a:t>
             </a:r>
           </a:p>
@@ -8686,14 +8579,14 @@
       </p:sp>
       <p:sp>
         <p:nvSpPr>
-          <p:cNvPr id="6" name="Rectangle 5"/>
+          <p:cNvPr id="8" name="Rectangle 7"/>
           <p:cNvSpPr/>
           <p:nvPr/>
         </p:nvSpPr>
         <p:spPr>
           <a:xfrm>
-            <a:off x="853346" y="3025171"/>
-            <a:ext cx="6919053" cy="369332"/>
+            <a:off x="794530" y="3156178"/>
+            <a:ext cx="8077736" cy="307777"/>
           </a:xfrm>
           <a:prstGeom prst="rect">
             <a:avLst/>
@@ -8706,7 +8599,7 @@
           <a:lstStyle/>
           <a:p>
             <a:r>
-              <a:rPr lang="en-US">
+              <a:rPr lang="en-US" sz="1400">
                 <a:solidFill>
                   <a:srgbClr val="888A85"/>
                 </a:solidFill>
@@ -8715,7 +8608,7 @@
               <a:t>// </a:t>
             </a:r>
             <a:r>
-              <a:rPr lang="en-US">
+              <a:rPr lang="en-US" sz="1400">
                 <a:solidFill>
                   <a:srgbClr val="FF00FE"/>
                 </a:solidFill>
@@ -8724,182 +8617,16 @@
               <a:t>TODO</a:t>
             </a:r>
             <a:r>
-              <a:rPr lang="en-US">
+              <a:rPr lang="en-US" sz="1400">
                 <a:solidFill>
                   <a:srgbClr val="888A85"/>
                 </a:solidFill>
                 <a:latin typeface="Menlo" charset="0"/>
               </a:rPr>
-              <a:t> add a map of values to the stored map</a:t>
-            </a:r>
-            <a:r>
-              <a:rPr lang="en-US"/>
-              <a:t> </a:t>
-            </a:r>
-          </a:p>
-        </p:txBody>
-      </p:sp>
-      <p:sp>
-        <p:nvSpPr>
-          <p:cNvPr id="11" name="Rectangle 10"/>
-          <p:cNvSpPr/>
-          <p:nvPr/>
-        </p:nvSpPr>
-        <p:spPr>
-          <a:xfrm>
-            <a:off x="853346" y="3545369"/>
-            <a:ext cx="5915753" cy="369332"/>
-          </a:xfrm>
-          <a:prstGeom prst="rect">
-            <a:avLst/>
-          </a:prstGeom>
-        </p:spPr>
-        <p:txBody>
-          <a:bodyPr wrap="square">
-            <a:spAutoFit/>
-          </a:bodyPr>
-          <a:lstStyle/>
-          <a:p>
-            <a:r>
-              <a:rPr lang="en-US">
-                <a:solidFill>
-                  <a:srgbClr val="888A85"/>
-                </a:solidFill>
-                <a:latin typeface="Menlo" charset="0"/>
-              </a:rPr>
-              <a:t>// </a:t>
-            </a:r>
-            <a:r>
-              <a:rPr lang="en-US">
-                <a:solidFill>
-                  <a:srgbClr val="FF00FE"/>
-                </a:solidFill>
-                <a:latin typeface="Menlo" charset="0"/>
-              </a:rPr>
-              <a:t>TODO</a:t>
-            </a:r>
-            <a:r>
-              <a:rPr lang="en-US">
-                <a:solidFill>
-                  <a:srgbClr val="888A85"/>
-                </a:solidFill>
-                <a:latin typeface="Menlo" charset="0"/>
-              </a:rPr>
-              <a:t> delete the 'dogs' element</a:t>
-            </a:r>
-            <a:r>
-              <a:rPr lang="en-US"/>
-              <a:t> </a:t>
-            </a:r>
-          </a:p>
-        </p:txBody>
-      </p:sp>
-      <p:sp>
-        <p:nvSpPr>
-          <p:cNvPr id="14" name="Rectangle 13"/>
-          <p:cNvSpPr/>
-          <p:nvPr/>
-        </p:nvSpPr>
-        <p:spPr>
-          <a:xfrm>
-            <a:off x="853346" y="4065567"/>
-            <a:ext cx="7604853" cy="646331"/>
-          </a:xfrm>
-          <a:prstGeom prst="rect">
-            <a:avLst/>
-          </a:prstGeom>
-        </p:spPr>
-        <p:txBody>
-          <a:bodyPr wrap="square">
-            <a:spAutoFit/>
-          </a:bodyPr>
-          <a:lstStyle/>
-          <a:p>
-            <a:r>
-              <a:rPr lang="en-US" dirty="0" smtClean="0">
-                <a:solidFill>
-                  <a:srgbClr val="888A85"/>
-                </a:solidFill>
-                <a:latin typeface="Menlo" charset="0"/>
-              </a:rPr>
-              <a:t>// </a:t>
-            </a:r>
-            <a:r>
-              <a:rPr lang="en-US" dirty="0" smtClean="0">
-                <a:solidFill>
-                  <a:srgbClr val="FF00FE"/>
-                </a:solidFill>
-                <a:latin typeface="Menlo" charset="0"/>
-              </a:rPr>
-              <a:t>TODO</a:t>
-            </a:r>
-            <a:r>
-              <a:rPr lang="en-US" dirty="0" smtClean="0">
-                <a:solidFill>
-                  <a:srgbClr val="888A85"/>
-                </a:solidFill>
-                <a:latin typeface="Menlo" charset="0"/>
-              </a:rPr>
-              <a:t> set a filter to perform a range query on the map values between 300 and 350</a:t>
-            </a:r>
-            <a:r>
-              <a:rPr lang="en-US" dirty="0" smtClean="0"/>
-              <a:t> </a:t>
-            </a:r>
-            <a:endParaRPr lang="en-US" dirty="0"/>
-          </a:p>
-        </p:txBody>
-      </p:sp>
-      <p:sp>
-        <p:nvSpPr>
-          <p:cNvPr id="15" name="Rectangle 14"/>
-          <p:cNvSpPr/>
-          <p:nvPr/>
-        </p:nvSpPr>
-        <p:spPr>
-          <a:xfrm>
-            <a:off x="850900" y="4862764"/>
-            <a:ext cx="6121400" cy="369332"/>
-          </a:xfrm>
-          <a:prstGeom prst="rect">
-            <a:avLst/>
-          </a:prstGeom>
-        </p:spPr>
-        <p:txBody>
-          <a:bodyPr wrap="square">
-            <a:spAutoFit/>
-          </a:bodyPr>
-          <a:lstStyle/>
-          <a:p>
-            <a:r>
-              <a:rPr lang="en-US">
-                <a:solidFill>
-                  <a:srgbClr val="888A85"/>
-                </a:solidFill>
-                <a:latin typeface="Menlo" charset="0"/>
-              </a:rPr>
-              <a:t>// </a:t>
-            </a:r>
-            <a:r>
-              <a:rPr lang="en-US">
-                <a:solidFill>
-                  <a:srgbClr val="FF00FE"/>
-                </a:solidFill>
-                <a:latin typeface="Menlo" charset="0"/>
-              </a:rPr>
-              <a:t>TODO</a:t>
-            </a:r>
-            <a:r>
-              <a:rPr lang="en-US">
-                <a:solidFill>
-                  <a:srgbClr val="888A85"/>
-                </a:solidFill>
-                <a:latin typeface="Menlo" charset="0"/>
-              </a:rPr>
-              <a:t> Query using the statement</a:t>
-            </a:r>
-            <a:r>
-              <a:rPr lang="en-US"/>
+              <a:t> create a filter to discover the regions containing this point </a:t>
+            </a:r>
+            <a:r>
+              <a:rPr lang="en-US" sz="1400"/>
               <a:t> </a:t>
             </a:r>
           </a:p>
@@ -8925,7 +8652,7 @@
 </p:sld>
 </file>
 
-<file path=ppt/slides/slide16.xml><?xml version="1.0" encoding="utf-8"?>
+<file path=ppt/slides/slide17.xml><?xml version="1.0" encoding="utf-8"?>
 <p:sld xmlns:a="http://schemas.openxmlformats.org/drawingml/2006/main" xmlns:r="http://schemas.openxmlformats.org/officeDocument/2006/relationships" xmlns:p="http://schemas.openxmlformats.org/presentationml/2006/main">
   <p:cSld>
     <p:spTree>
@@ -9067,16 +8794,31 @@
             <a:pPr marL="681037" lvl="0" indent="-342900"/>
             <a:r>
               <a:rPr lang="en-US" dirty="0" smtClean="0"/>
-              <a:t>Create Geographical Indices</a:t>
+              <a:t>Create </a:t>
+            </a:r>
+            <a:r>
+              <a:rPr lang="en-US" dirty="0" smtClean="0"/>
+              <a:t>Geospatial </a:t>
+            </a:r>
+            <a:r>
+              <a:rPr lang="en-US" dirty="0" smtClean="0"/>
+              <a:t>Indices</a:t>
             </a:r>
           </a:p>
           <a:p>
             <a:pPr marL="681037" lvl="0" indent="-342900"/>
             <a:r>
               <a:rPr lang="en-US" baseline="0" dirty="0" smtClean="0"/>
-              <a:t>Perform Geo Queries</a:t>
-            </a:r>
-            <a:endParaRPr lang="en-US" baseline="0" dirty="0" smtClean="0"/>
+              <a:t>Perform </a:t>
+            </a:r>
+            <a:r>
+              <a:rPr lang="en-US" baseline="0" dirty="0" smtClean="0"/>
+              <a:t>Geospatial </a:t>
+            </a:r>
+            <a:r>
+              <a:rPr lang="en-US" baseline="0" dirty="0" smtClean="0"/>
+              <a:t>Queries</a:t>
+            </a:r>
           </a:p>
           <a:p>
             <a:pPr marL="681037" lvl="0" indent="-342900"/>
@@ -9103,17 +8845,12 @@
               <a:rPr lang="en-US" dirty="0" smtClean="0"/>
               <a:t>Throughput limitations</a:t>
             </a:r>
-            <a:endParaRPr lang="en-US" dirty="0" smtClean="0"/>
           </a:p>
           <a:p>
             <a:pPr marL="681037" lvl="0" indent="-342900"/>
             <a:r>
               <a:rPr lang="en-US" dirty="0" smtClean="0"/>
-              <a:t>Code </a:t>
-            </a:r>
-            <a:r>
-              <a:rPr lang="en-US" dirty="0" smtClean="0"/>
-              <a:t>a solution in </a:t>
+              <a:t>Code a solution in </a:t>
             </a:r>
           </a:p>
           <a:p>
@@ -9165,1676 +8902,6 @@
 </file>
 
 <file path=ppt/slides/slide3.xml><?xml version="1.0" encoding="utf-8"?>
-<p:sld xmlns:a="http://schemas.openxmlformats.org/drawingml/2006/main" xmlns:r="http://schemas.openxmlformats.org/officeDocument/2006/relationships" xmlns:p="http://schemas.openxmlformats.org/presentationml/2006/main">
-  <p:cSld>
-    <p:spTree>
-      <p:nvGrpSpPr>
-        <p:cNvPr id="1" name=""/>
-        <p:cNvGrpSpPr/>
-        <p:nvPr/>
-      </p:nvGrpSpPr>
-      <p:grpSpPr>
-        <a:xfrm>
-          <a:off x="0" y="0"/>
-          <a:ext cx="0" cy="0"/>
-          <a:chOff x="0" y="0"/>
-          <a:chExt cx="0" cy="0"/>
-        </a:xfrm>
-      </p:grpSpPr>
-      <p:sp>
-        <p:nvSpPr>
-          <p:cNvPr id="2" name="Title 1"/>
-          <p:cNvSpPr>
-            <a:spLocks noGrp="1"/>
-          </p:cNvSpPr>
-          <p:nvPr>
-            <p:ph type="title"/>
-          </p:nvPr>
-        </p:nvSpPr>
-        <p:spPr/>
-        <p:txBody>
-          <a:bodyPr/>
-          <a:lstStyle/>
-          <a:p>
-            <a:r>
-              <a:rPr lang="en-US" dirty="0" smtClean="0"/>
-              <a:t>Geographic terms</a:t>
-            </a:r>
-            <a:endParaRPr lang="en-US" dirty="0"/>
-          </a:p>
-        </p:txBody>
-      </p:sp>
-      <p:sp>
-        <p:nvSpPr>
-          <p:cNvPr id="3" name="Text Placeholder 2"/>
-          <p:cNvSpPr>
-            <a:spLocks noGrp="1"/>
-          </p:cNvSpPr>
-          <p:nvPr>
-            <p:ph type="body" sz="quarter" idx="15"/>
-          </p:nvPr>
-        </p:nvSpPr>
-        <p:spPr>
-          <a:xfrm>
-            <a:off x="273084" y="1231330"/>
-            <a:ext cx="2762216" cy="5049397"/>
-          </a:xfrm>
-        </p:spPr>
-        <p:txBody>
-          <a:bodyPr/>
-          <a:lstStyle/>
-          <a:p>
-            <a:r>
-              <a:rPr lang="en-US" dirty="0" smtClean="0"/>
-              <a:t>Point</a:t>
-            </a:r>
-          </a:p>
-          <a:p>
-            <a:r>
-              <a:rPr lang="en-US" dirty="0" smtClean="0"/>
-              <a:t>Region</a:t>
-            </a:r>
-          </a:p>
-          <a:p>
-            <a:r>
-              <a:rPr lang="en-US" dirty="0" smtClean="0"/>
-              <a:t>Line</a:t>
-            </a:r>
-            <a:endParaRPr lang="en-US" dirty="0"/>
-          </a:p>
-        </p:txBody>
-      </p:sp>
-      <p:pic>
-        <p:nvPicPr>
-          <p:cNvPr id="4" name="Picture 3"/>
-          <p:cNvPicPr>
-            <a:picLocks noChangeAspect="1"/>
-          </p:cNvPicPr>
-          <p:nvPr/>
-        </p:nvPicPr>
-        <p:blipFill>
-          <a:blip r:embed="rId2"/>
-          <a:stretch>
-            <a:fillRect/>
-          </a:stretch>
-        </p:blipFill>
-        <p:spPr>
-          <a:xfrm>
-            <a:off x="4673600" y="917814"/>
-            <a:ext cx="3530600" cy="2713474"/>
-          </a:xfrm>
-          <a:prstGeom prst="rect">
-            <a:avLst/>
-          </a:prstGeom>
-        </p:spPr>
-      </p:pic>
-      <p:pic>
-        <p:nvPicPr>
-          <p:cNvPr id="5" name="Picture 4"/>
-          <p:cNvPicPr>
-            <a:picLocks noChangeAspect="1"/>
-          </p:cNvPicPr>
-          <p:nvPr/>
-        </p:nvPicPr>
-        <p:blipFill>
-          <a:blip r:embed="rId3"/>
-          <a:stretch>
-            <a:fillRect/>
-          </a:stretch>
-        </p:blipFill>
-        <p:spPr>
-          <a:xfrm>
-            <a:off x="5168900" y="3944804"/>
-            <a:ext cx="2540000" cy="2578100"/>
-          </a:xfrm>
-          <a:prstGeom prst="rect">
-            <a:avLst/>
-          </a:prstGeom>
-        </p:spPr>
-      </p:pic>
-    </p:spTree>
-    <p:extLst>
-      <p:ext uri="{BB962C8B-B14F-4D97-AF65-F5344CB8AC3E}">
-        <p14:creationId xmlns:p14="http://schemas.microsoft.com/office/powerpoint/2010/main" val="763283698"/>
-      </p:ext>
-    </p:extLst>
-  </p:cSld>
-  <p:clrMapOvr>
-    <a:masterClrMapping/>
-  </p:clrMapOvr>
-  <p:timing>
-    <p:tnLst>
-      <p:par>
-        <p:cTn id="1" dur="indefinite" restart="never" nodeType="tmRoot"/>
-      </p:par>
-    </p:tnLst>
-  </p:timing>
-</p:sld>
-</file>
-
-<file path=ppt/slides/slide4.xml><?xml version="1.0" encoding="utf-8"?>
-<p:sld xmlns:a="http://schemas.openxmlformats.org/drawingml/2006/main" xmlns:r="http://schemas.openxmlformats.org/officeDocument/2006/relationships" xmlns:p="http://schemas.openxmlformats.org/presentationml/2006/main">
-  <p:cSld>
-    <p:spTree>
-      <p:nvGrpSpPr>
-        <p:cNvPr id="1" name=""/>
-        <p:cNvGrpSpPr/>
-        <p:nvPr/>
-      </p:nvGrpSpPr>
-      <p:grpSpPr>
-        <a:xfrm>
-          <a:off x="0" y="0"/>
-          <a:ext cx="0" cy="0"/>
-          <a:chOff x="0" y="0"/>
-          <a:chExt cx="0" cy="0"/>
-        </a:xfrm>
-      </p:grpSpPr>
-      <p:sp>
-        <p:nvSpPr>
-          <p:cNvPr id="2" name="Title 1"/>
-          <p:cNvSpPr>
-            <a:spLocks noGrp="1"/>
-          </p:cNvSpPr>
-          <p:nvPr>
-            <p:ph type="title"/>
-          </p:nvPr>
-        </p:nvSpPr>
-        <p:spPr/>
-        <p:txBody>
-          <a:bodyPr/>
-          <a:lstStyle/>
-          <a:p>
-            <a:r>
-              <a:rPr lang="en-US" dirty="0" err="1" smtClean="0"/>
-              <a:t>GeoJSON</a:t>
-            </a:r>
-            <a:r>
-              <a:rPr lang="en-US" dirty="0" smtClean="0"/>
-              <a:t> – quick overview</a:t>
-            </a:r>
-            <a:endParaRPr lang="en-US" dirty="0"/>
-          </a:p>
-        </p:txBody>
-      </p:sp>
-      <p:sp>
-        <p:nvSpPr>
-          <p:cNvPr id="3" name="Text Placeholder 2"/>
-          <p:cNvSpPr>
-            <a:spLocks noGrp="1"/>
-          </p:cNvSpPr>
-          <p:nvPr>
-            <p:ph type="body" sz="quarter" idx="15"/>
-          </p:nvPr>
-        </p:nvSpPr>
-        <p:spPr>
-          <a:xfrm>
-            <a:off x="273084" y="1231330"/>
-            <a:ext cx="2711416" cy="5049397"/>
-          </a:xfrm>
-        </p:spPr>
-        <p:txBody>
-          <a:bodyPr>
-            <a:normAutofit/>
-          </a:bodyPr>
-          <a:lstStyle/>
-          <a:p>
-            <a:r>
-              <a:rPr lang="en-US" dirty="0" smtClean="0"/>
-              <a:t>Point</a:t>
-            </a:r>
-            <a:endParaRPr lang="en-US" dirty="0"/>
-          </a:p>
-          <a:p>
-            <a:r>
-              <a:rPr lang="en-US" dirty="0" err="1" smtClean="0"/>
-              <a:t>LineString</a:t>
-            </a:r>
-            <a:r>
-              <a:rPr lang="en-US" dirty="0" smtClean="0"/>
-              <a:t> (line)</a:t>
-            </a:r>
-            <a:endParaRPr lang="en-US" dirty="0"/>
-          </a:p>
-          <a:p>
-            <a:r>
-              <a:rPr lang="en-US" dirty="0" smtClean="0"/>
-              <a:t>Polygon</a:t>
-            </a:r>
-          </a:p>
-          <a:p>
-            <a:pPr lvl="1"/>
-            <a:r>
-              <a:rPr lang="en-US" dirty="0" smtClean="0"/>
-              <a:t>Hole</a:t>
-            </a:r>
-            <a:br>
-              <a:rPr lang="en-US" dirty="0" smtClean="0"/>
-            </a:br>
-            <a:r>
-              <a:rPr lang="en-US" dirty="0" smtClean="0"/>
-              <a:t/>
-            </a:r>
-            <a:br>
-              <a:rPr lang="en-US" dirty="0" smtClean="0"/>
-            </a:br>
-            <a:r>
-              <a:rPr lang="en-US" dirty="0" smtClean="0"/>
-              <a:t/>
-            </a:r>
-            <a:br>
-              <a:rPr lang="en-US" dirty="0" smtClean="0"/>
-            </a:br>
-            <a:r>
-              <a:rPr lang="en-US" dirty="0" smtClean="0"/>
-              <a:t/>
-            </a:r>
-            <a:br>
-              <a:rPr lang="en-US" dirty="0" smtClean="0"/>
-            </a:br>
-            <a:endParaRPr lang="en-US" dirty="0" smtClean="0"/>
-          </a:p>
-          <a:p>
-            <a:r>
-              <a:rPr lang="en-US" dirty="0" smtClean="0"/>
-              <a:t>Feature</a:t>
-            </a:r>
-          </a:p>
-          <a:p>
-            <a:pPr lvl="1"/>
-            <a:r>
-              <a:rPr lang="en-US" dirty="0" smtClean="0"/>
-              <a:t>Geometries</a:t>
-            </a:r>
-          </a:p>
-          <a:p>
-            <a:pPr lvl="1"/>
-            <a:r>
-              <a:rPr lang="en-US" dirty="0" smtClean="0"/>
-              <a:t>Properties</a:t>
-            </a:r>
-            <a:br>
-              <a:rPr lang="en-US" dirty="0" smtClean="0"/>
-            </a:br>
-            <a:endParaRPr lang="en-US" dirty="0" smtClean="0"/>
-          </a:p>
-        </p:txBody>
-      </p:sp>
-      <p:sp>
-        <p:nvSpPr>
-          <p:cNvPr id="5" name="Rectangle 4"/>
-          <p:cNvSpPr/>
-          <p:nvPr/>
-        </p:nvSpPr>
-        <p:spPr>
-          <a:xfrm>
-            <a:off x="3159659" y="1323907"/>
-            <a:ext cx="4572000" cy="276999"/>
-          </a:xfrm>
-          <a:prstGeom prst="rect">
-            <a:avLst/>
-          </a:prstGeom>
-          <a:ln>
-            <a:solidFill>
-              <a:schemeClr val="accent1"/>
-            </a:solidFill>
-          </a:ln>
-        </p:spPr>
-        <p:txBody>
-          <a:bodyPr wrap="square">
-            <a:spAutoFit/>
-          </a:bodyPr>
-          <a:lstStyle/>
-          <a:p>
-            <a:r>
-              <a:rPr lang="en-US" sz="1200"/>
-              <a:t>{</a:t>
-            </a:r>
-            <a:r>
-              <a:rPr lang="en-US" sz="1200">
-                <a:solidFill>
-                  <a:srgbClr val="BBBBBB"/>
-                </a:solidFill>
-              </a:rPr>
-              <a:t> </a:t>
-            </a:r>
-            <a:r>
-              <a:rPr lang="en-US" sz="1200">
-                <a:solidFill>
-                  <a:srgbClr val="007000"/>
-                </a:solidFill>
-              </a:rPr>
-              <a:t>"type"</a:t>
-            </a:r>
-            <a:r>
-              <a:rPr lang="en-US" sz="1200"/>
-              <a:t>:</a:t>
-            </a:r>
-            <a:r>
-              <a:rPr lang="en-US" sz="1200">
-                <a:solidFill>
-                  <a:srgbClr val="BBBBBB"/>
-                </a:solidFill>
-              </a:rPr>
-              <a:t> </a:t>
-            </a:r>
-            <a:r>
-              <a:rPr lang="en-US" sz="1200">
-                <a:solidFill>
-                  <a:srgbClr val="6000E0"/>
-                </a:solidFill>
-              </a:rPr>
-              <a:t>"Point"</a:t>
-            </a:r>
-            <a:r>
-              <a:rPr lang="en-US" sz="1200"/>
-              <a:t>,</a:t>
-            </a:r>
-            <a:r>
-              <a:rPr lang="en-US" sz="1200">
-                <a:solidFill>
-                  <a:srgbClr val="BBBBBB"/>
-                </a:solidFill>
-              </a:rPr>
-              <a:t> </a:t>
-            </a:r>
-            <a:r>
-              <a:rPr lang="en-US" sz="1200">
-                <a:solidFill>
-                  <a:srgbClr val="007000"/>
-                </a:solidFill>
-              </a:rPr>
-              <a:t>"coordinates"</a:t>
-            </a:r>
-            <a:r>
-              <a:rPr lang="en-US" sz="1200"/>
-              <a:t>:</a:t>
-            </a:r>
-            <a:r>
-              <a:rPr lang="en-US" sz="1200">
-                <a:solidFill>
-                  <a:srgbClr val="BBBBBB"/>
-                </a:solidFill>
-              </a:rPr>
-              <a:t> </a:t>
-            </a:r>
-            <a:r>
-              <a:rPr lang="en-US" sz="1200"/>
-              <a:t>[</a:t>
-            </a:r>
-            <a:r>
-              <a:rPr lang="en-US" sz="1200">
-                <a:solidFill>
-                  <a:srgbClr val="6000E0"/>
-                </a:solidFill>
-              </a:rPr>
-              <a:t>0</a:t>
-            </a:r>
-            <a:r>
-              <a:rPr lang="en-US" sz="1200"/>
-              <a:t>,</a:t>
-            </a:r>
-            <a:r>
-              <a:rPr lang="en-US" sz="1200">
-                <a:solidFill>
-                  <a:srgbClr val="BBBBBB"/>
-                </a:solidFill>
-              </a:rPr>
-              <a:t> </a:t>
-            </a:r>
-            <a:r>
-              <a:rPr lang="en-US" sz="1200">
-                <a:solidFill>
-                  <a:srgbClr val="6000E0"/>
-                </a:solidFill>
-              </a:rPr>
-              <a:t>0</a:t>
-            </a:r>
-            <a:r>
-              <a:rPr lang="en-US" sz="1200"/>
-              <a:t>]</a:t>
-            </a:r>
-            <a:r>
-              <a:rPr lang="en-US" sz="1200">
-                <a:solidFill>
-                  <a:srgbClr val="BBBBBB"/>
-                </a:solidFill>
-              </a:rPr>
-              <a:t> </a:t>
-            </a:r>
-            <a:r>
-              <a:rPr lang="en-US" sz="1200"/>
-              <a:t>}</a:t>
-            </a:r>
-          </a:p>
-        </p:txBody>
-      </p:sp>
-      <p:sp>
-        <p:nvSpPr>
-          <p:cNvPr id="6" name="Rectangle 5"/>
-          <p:cNvSpPr/>
-          <p:nvPr/>
-        </p:nvSpPr>
-        <p:spPr>
-          <a:xfrm>
-            <a:off x="3159660" y="1790422"/>
-            <a:ext cx="4572000" cy="276999"/>
-          </a:xfrm>
-          <a:prstGeom prst="rect">
-            <a:avLst/>
-          </a:prstGeom>
-          <a:ln>
-            <a:solidFill>
-              <a:schemeClr val="accent1"/>
-            </a:solidFill>
-          </a:ln>
-        </p:spPr>
-        <p:txBody>
-          <a:bodyPr wrap="square">
-            <a:spAutoFit/>
-          </a:bodyPr>
-          <a:lstStyle/>
-          <a:p>
-            <a:r>
-              <a:rPr lang="en-US" sz="1200" dirty="0"/>
-              <a:t>{</a:t>
-            </a:r>
-            <a:r>
-              <a:rPr lang="en-US" sz="1200" dirty="0">
-                <a:solidFill>
-                  <a:srgbClr val="BBBBBB"/>
-                </a:solidFill>
-              </a:rPr>
-              <a:t> </a:t>
-            </a:r>
-            <a:r>
-              <a:rPr lang="en-US" sz="1200" dirty="0">
-                <a:solidFill>
-                  <a:srgbClr val="007000"/>
-                </a:solidFill>
-              </a:rPr>
-              <a:t>"type"</a:t>
-            </a:r>
-            <a:r>
-              <a:rPr lang="en-US" sz="1200" dirty="0"/>
-              <a:t>:</a:t>
-            </a:r>
-            <a:r>
-              <a:rPr lang="en-US" sz="1200" dirty="0">
-                <a:solidFill>
-                  <a:srgbClr val="BBBBBB"/>
-                </a:solidFill>
-              </a:rPr>
-              <a:t> </a:t>
-            </a:r>
-            <a:r>
-              <a:rPr lang="en-US" sz="1200" dirty="0">
-                <a:solidFill>
-                  <a:srgbClr val="6000E0"/>
-                </a:solidFill>
-              </a:rPr>
-              <a:t>"</a:t>
-            </a:r>
-            <a:r>
-              <a:rPr lang="en-US" sz="1200" dirty="0" err="1">
-                <a:solidFill>
-                  <a:srgbClr val="6000E0"/>
-                </a:solidFill>
-              </a:rPr>
-              <a:t>LineString</a:t>
-            </a:r>
-            <a:r>
-              <a:rPr lang="en-US" sz="1200" dirty="0">
-                <a:solidFill>
-                  <a:srgbClr val="6000E0"/>
-                </a:solidFill>
-              </a:rPr>
-              <a:t>"</a:t>
-            </a:r>
-            <a:r>
-              <a:rPr lang="en-US" sz="1200" dirty="0"/>
-              <a:t>,</a:t>
-            </a:r>
-            <a:r>
-              <a:rPr lang="en-US" sz="1200" dirty="0">
-                <a:solidFill>
-                  <a:srgbClr val="BBBBBB"/>
-                </a:solidFill>
-              </a:rPr>
-              <a:t> </a:t>
-            </a:r>
-            <a:r>
-              <a:rPr lang="en-US" sz="1200" dirty="0">
-                <a:solidFill>
-                  <a:srgbClr val="007000"/>
-                </a:solidFill>
-              </a:rPr>
-              <a:t>"coordinates"</a:t>
-            </a:r>
-            <a:r>
-              <a:rPr lang="en-US" sz="1200" dirty="0"/>
-              <a:t>:</a:t>
-            </a:r>
-            <a:r>
-              <a:rPr lang="en-US" sz="1200" dirty="0">
-                <a:solidFill>
-                  <a:srgbClr val="BBBBBB"/>
-                </a:solidFill>
-              </a:rPr>
-              <a:t> </a:t>
-            </a:r>
-            <a:r>
-              <a:rPr lang="en-US" sz="1200" dirty="0"/>
-              <a:t>[[</a:t>
-            </a:r>
-            <a:r>
-              <a:rPr lang="en-US" sz="1200" dirty="0">
-                <a:solidFill>
-                  <a:srgbClr val="6000E0"/>
-                </a:solidFill>
-              </a:rPr>
-              <a:t>0</a:t>
-            </a:r>
-            <a:r>
-              <a:rPr lang="en-US" sz="1200" dirty="0"/>
-              <a:t>,</a:t>
-            </a:r>
-            <a:r>
-              <a:rPr lang="en-US" sz="1200" dirty="0">
-                <a:solidFill>
-                  <a:srgbClr val="BBBBBB"/>
-                </a:solidFill>
-              </a:rPr>
-              <a:t> </a:t>
-            </a:r>
-            <a:r>
-              <a:rPr lang="en-US" sz="1200" dirty="0">
-                <a:solidFill>
-                  <a:srgbClr val="6000E0"/>
-                </a:solidFill>
-              </a:rPr>
-              <a:t>0</a:t>
-            </a:r>
-            <a:r>
-              <a:rPr lang="en-US" sz="1200" dirty="0"/>
-              <a:t>],</a:t>
-            </a:r>
-            <a:r>
-              <a:rPr lang="en-US" sz="1200" dirty="0">
-                <a:solidFill>
-                  <a:srgbClr val="BBBBBB"/>
-                </a:solidFill>
-              </a:rPr>
-              <a:t> </a:t>
-            </a:r>
-            <a:r>
-              <a:rPr lang="en-US" sz="1200" dirty="0"/>
-              <a:t>[</a:t>
-            </a:r>
-            <a:r>
-              <a:rPr lang="en-US" sz="1200" dirty="0">
-                <a:solidFill>
-                  <a:srgbClr val="6000E0"/>
-                </a:solidFill>
-              </a:rPr>
-              <a:t>10</a:t>
-            </a:r>
-            <a:r>
-              <a:rPr lang="en-US" sz="1200" dirty="0"/>
-              <a:t>,</a:t>
-            </a:r>
-            <a:r>
-              <a:rPr lang="en-US" sz="1200" dirty="0">
-                <a:solidFill>
-                  <a:srgbClr val="BBBBBB"/>
-                </a:solidFill>
-              </a:rPr>
-              <a:t> </a:t>
-            </a:r>
-            <a:r>
-              <a:rPr lang="en-US" sz="1200" dirty="0">
-                <a:solidFill>
-                  <a:srgbClr val="6000E0"/>
-                </a:solidFill>
-              </a:rPr>
-              <a:t>10</a:t>
-            </a:r>
-            <a:r>
-              <a:rPr lang="en-US" sz="1200" dirty="0"/>
-              <a:t>]]</a:t>
-            </a:r>
-            <a:r>
-              <a:rPr lang="en-US" sz="1200" dirty="0">
-                <a:solidFill>
-                  <a:srgbClr val="BBBBBB"/>
-                </a:solidFill>
-              </a:rPr>
-              <a:t> </a:t>
-            </a:r>
-            <a:r>
-              <a:rPr lang="en-US" sz="1200" dirty="0"/>
-              <a:t>}</a:t>
-            </a:r>
-          </a:p>
-        </p:txBody>
-      </p:sp>
-      <p:sp>
-        <p:nvSpPr>
-          <p:cNvPr id="7" name="Rectangle 6"/>
-          <p:cNvSpPr/>
-          <p:nvPr/>
-        </p:nvSpPr>
-        <p:spPr>
-          <a:xfrm>
-            <a:off x="3159659" y="2320515"/>
-            <a:ext cx="4572000" cy="1569660"/>
-          </a:xfrm>
-          <a:prstGeom prst="rect">
-            <a:avLst/>
-          </a:prstGeom>
-          <a:ln>
-            <a:solidFill>
-              <a:schemeClr val="accent1"/>
-            </a:solidFill>
-          </a:ln>
-        </p:spPr>
-        <p:txBody>
-          <a:bodyPr>
-            <a:spAutoFit/>
-          </a:bodyPr>
-          <a:lstStyle/>
-          <a:p>
-            <a:r>
-              <a:rPr lang="en-US" sz="1200" dirty="0"/>
-              <a:t>{</a:t>
-            </a:r>
-            <a:r>
-              <a:rPr lang="en-US" sz="1200" dirty="0">
-                <a:solidFill>
-                  <a:srgbClr val="BBBBBB"/>
-                </a:solidFill>
-              </a:rPr>
-              <a:t> </a:t>
-            </a:r>
-            <a:endParaRPr lang="en-US" sz="1200" dirty="0" smtClean="0">
-              <a:solidFill>
-                <a:srgbClr val="BBBBBB"/>
-              </a:solidFill>
-            </a:endParaRPr>
-          </a:p>
-          <a:p>
-            <a:r>
-              <a:rPr lang="en-US" sz="1200" dirty="0">
-                <a:solidFill>
-                  <a:srgbClr val="BBBBBB"/>
-                </a:solidFill>
-              </a:rPr>
-              <a:t>	</a:t>
-            </a:r>
-            <a:r>
-              <a:rPr lang="en-US" sz="1200" dirty="0" smtClean="0">
-                <a:solidFill>
-                  <a:srgbClr val="007000"/>
-                </a:solidFill>
-              </a:rPr>
-              <a:t>"</a:t>
-            </a:r>
-            <a:r>
-              <a:rPr lang="en-US" sz="1200" dirty="0">
-                <a:solidFill>
-                  <a:srgbClr val="007000"/>
-                </a:solidFill>
-              </a:rPr>
-              <a:t>type"</a:t>
-            </a:r>
-            <a:r>
-              <a:rPr lang="en-US" sz="1200" dirty="0"/>
-              <a:t>:</a:t>
-            </a:r>
-            <a:r>
-              <a:rPr lang="en-US" sz="1200" dirty="0">
-                <a:solidFill>
-                  <a:srgbClr val="BBBBBB"/>
-                </a:solidFill>
-              </a:rPr>
-              <a:t> </a:t>
-            </a:r>
-            <a:r>
-              <a:rPr lang="en-US" sz="1200" dirty="0">
-                <a:solidFill>
-                  <a:srgbClr val="6000E0"/>
-                </a:solidFill>
-              </a:rPr>
-              <a:t>"Polygon"</a:t>
-            </a:r>
-            <a:r>
-              <a:rPr lang="en-US" sz="1200" dirty="0"/>
-              <a:t>,</a:t>
-            </a:r>
-            <a:r>
-              <a:rPr lang="en-US" sz="1200" dirty="0">
-                <a:solidFill>
-                  <a:srgbClr val="BBBBBB"/>
-                </a:solidFill>
-              </a:rPr>
-              <a:t> </a:t>
-            </a:r>
-            <a:endParaRPr lang="en-US" sz="1200" dirty="0" smtClean="0">
-              <a:solidFill>
-                <a:srgbClr val="BBBBBB"/>
-              </a:solidFill>
-            </a:endParaRPr>
-          </a:p>
-          <a:p>
-            <a:r>
-              <a:rPr lang="en-US" sz="1200" dirty="0" smtClean="0">
-                <a:solidFill>
-                  <a:srgbClr val="007000"/>
-                </a:solidFill>
-              </a:rPr>
-              <a:t>	"</a:t>
-            </a:r>
-            <a:r>
-              <a:rPr lang="en-US" sz="1200" dirty="0">
-                <a:solidFill>
-                  <a:srgbClr val="007000"/>
-                </a:solidFill>
-              </a:rPr>
-              <a:t>coordinates"</a:t>
-            </a:r>
-            <a:r>
-              <a:rPr lang="en-US" sz="1200" dirty="0"/>
-              <a:t>:</a:t>
-            </a:r>
-            <a:r>
-              <a:rPr lang="en-US" sz="1200" dirty="0">
-                <a:solidFill>
-                  <a:srgbClr val="BBBBBB"/>
-                </a:solidFill>
-              </a:rPr>
-              <a:t> </a:t>
-            </a:r>
-            <a:r>
-              <a:rPr lang="en-US" sz="1200" dirty="0"/>
-              <a:t>[</a:t>
-            </a:r>
-            <a:r>
-              <a:rPr lang="en-US" sz="1200" dirty="0">
-                <a:solidFill>
-                  <a:srgbClr val="BBBBBB"/>
-                </a:solidFill>
-              </a:rPr>
-              <a:t> </a:t>
-            </a:r>
-            <a:endParaRPr lang="en-US" sz="1200" dirty="0" smtClean="0">
-              <a:solidFill>
-                <a:srgbClr val="BBBBBB"/>
-              </a:solidFill>
-            </a:endParaRPr>
-          </a:p>
-          <a:p>
-            <a:r>
-              <a:rPr lang="en-US" sz="1200" dirty="0">
-                <a:solidFill>
-                  <a:srgbClr val="BBBBBB"/>
-                </a:solidFill>
-              </a:rPr>
-              <a:t>	</a:t>
-            </a:r>
-            <a:r>
-              <a:rPr lang="en-US" sz="1200" dirty="0" smtClean="0">
-                <a:solidFill>
-                  <a:srgbClr val="BBBBBB"/>
-                </a:solidFill>
-              </a:rPr>
-              <a:t>	</a:t>
-            </a:r>
-            <a:r>
-              <a:rPr lang="en-US" sz="1200" dirty="0" smtClean="0"/>
-              <a:t>[</a:t>
-            </a:r>
-          </a:p>
-          <a:p>
-            <a:r>
-              <a:rPr lang="en-US" sz="1200" dirty="0">
-                <a:solidFill>
-                  <a:srgbClr val="BBBBBB"/>
-                </a:solidFill>
-              </a:rPr>
-              <a:t>	</a:t>
-            </a:r>
-            <a:r>
-              <a:rPr lang="en-US" sz="1200" dirty="0" smtClean="0">
-                <a:solidFill>
-                  <a:srgbClr val="BBBBBB"/>
-                </a:solidFill>
-              </a:rPr>
-              <a:t>		</a:t>
-            </a:r>
-            <a:r>
-              <a:rPr lang="en-US" sz="1200" dirty="0" smtClean="0"/>
-              <a:t>[</a:t>
-            </a:r>
-            <a:r>
-              <a:rPr lang="en-US" sz="1200" dirty="0">
-                <a:solidFill>
-                  <a:srgbClr val="6000E0"/>
-                </a:solidFill>
-              </a:rPr>
-              <a:t>0</a:t>
-            </a:r>
-            <a:r>
-              <a:rPr lang="en-US" sz="1200" dirty="0"/>
-              <a:t>,</a:t>
-            </a:r>
-            <a:r>
-              <a:rPr lang="en-US" sz="1200" dirty="0">
-                <a:solidFill>
-                  <a:srgbClr val="BBBBBB"/>
-                </a:solidFill>
-              </a:rPr>
-              <a:t> </a:t>
-            </a:r>
-            <a:r>
-              <a:rPr lang="en-US" sz="1200" dirty="0">
-                <a:solidFill>
-                  <a:srgbClr val="6000E0"/>
-                </a:solidFill>
-              </a:rPr>
-              <a:t>0</a:t>
-            </a:r>
-            <a:r>
-              <a:rPr lang="en-US" sz="1200" dirty="0"/>
-              <a:t>],</a:t>
-            </a:r>
-            <a:r>
-              <a:rPr lang="en-US" sz="1200" dirty="0">
-                <a:solidFill>
-                  <a:srgbClr val="BBBBBB"/>
-                </a:solidFill>
-              </a:rPr>
-              <a:t> </a:t>
-            </a:r>
-            <a:r>
-              <a:rPr lang="en-US" sz="1200" dirty="0" smtClean="0"/>
-              <a:t>[</a:t>
-            </a:r>
-            <a:r>
-              <a:rPr lang="en-US" sz="1200" dirty="0">
-                <a:solidFill>
-                  <a:srgbClr val="6000E0"/>
-                </a:solidFill>
-              </a:rPr>
-              <a:t>10</a:t>
-            </a:r>
-            <a:r>
-              <a:rPr lang="en-US" sz="1200" dirty="0"/>
-              <a:t>,</a:t>
-            </a:r>
-            <a:r>
-              <a:rPr lang="en-US" sz="1200" dirty="0">
-                <a:solidFill>
-                  <a:srgbClr val="BBBBBB"/>
-                </a:solidFill>
-              </a:rPr>
-              <a:t> </a:t>
-            </a:r>
-            <a:r>
-              <a:rPr lang="en-US" sz="1200" dirty="0">
-                <a:solidFill>
-                  <a:srgbClr val="6000E0"/>
-                </a:solidFill>
-              </a:rPr>
-              <a:t>10</a:t>
-            </a:r>
-            <a:r>
-              <a:rPr lang="en-US" sz="1200" dirty="0"/>
-              <a:t>],</a:t>
-            </a:r>
-            <a:r>
-              <a:rPr lang="en-US" sz="1200" dirty="0">
-                <a:solidFill>
-                  <a:srgbClr val="BBBBBB"/>
-                </a:solidFill>
-              </a:rPr>
-              <a:t> </a:t>
-            </a:r>
-            <a:r>
-              <a:rPr lang="en-US" sz="1200" dirty="0" smtClean="0"/>
-              <a:t>[</a:t>
-            </a:r>
-            <a:r>
-              <a:rPr lang="en-US" sz="1200" dirty="0">
-                <a:solidFill>
-                  <a:srgbClr val="6000E0"/>
-                </a:solidFill>
-              </a:rPr>
-              <a:t>10</a:t>
-            </a:r>
-            <a:r>
-              <a:rPr lang="en-US" sz="1200" dirty="0"/>
-              <a:t>,</a:t>
-            </a:r>
-            <a:r>
-              <a:rPr lang="en-US" sz="1200" dirty="0">
-                <a:solidFill>
-                  <a:srgbClr val="BBBBBB"/>
-                </a:solidFill>
-              </a:rPr>
-              <a:t> </a:t>
-            </a:r>
-            <a:r>
-              <a:rPr lang="en-US" sz="1200" dirty="0">
-                <a:solidFill>
-                  <a:srgbClr val="6000E0"/>
-                </a:solidFill>
-              </a:rPr>
-              <a:t>0</a:t>
-            </a:r>
-            <a:r>
-              <a:rPr lang="en-US" sz="1200" dirty="0"/>
-              <a:t>],</a:t>
-            </a:r>
-            <a:r>
-              <a:rPr lang="en-US" sz="1200" dirty="0">
-                <a:solidFill>
-                  <a:srgbClr val="BBBBBB"/>
-                </a:solidFill>
-              </a:rPr>
-              <a:t> </a:t>
-            </a:r>
-            <a:r>
-              <a:rPr lang="en-US" sz="1200" dirty="0" smtClean="0"/>
-              <a:t>[</a:t>
-            </a:r>
-            <a:r>
-              <a:rPr lang="en-US" sz="1200" dirty="0">
-                <a:solidFill>
-                  <a:srgbClr val="6000E0"/>
-                </a:solidFill>
-              </a:rPr>
-              <a:t>0</a:t>
-            </a:r>
-            <a:r>
-              <a:rPr lang="en-US" sz="1200" dirty="0"/>
-              <a:t>,</a:t>
-            </a:r>
-            <a:r>
-              <a:rPr lang="en-US" sz="1200" dirty="0">
-                <a:solidFill>
-                  <a:srgbClr val="BBBBBB"/>
-                </a:solidFill>
-              </a:rPr>
-              <a:t> </a:t>
-            </a:r>
-            <a:r>
-              <a:rPr lang="en-US" sz="1200" dirty="0">
-                <a:solidFill>
-                  <a:srgbClr val="6000E0"/>
-                </a:solidFill>
-              </a:rPr>
-              <a:t>0</a:t>
-            </a:r>
-            <a:r>
-              <a:rPr lang="en-US" sz="1200" dirty="0"/>
-              <a:t>]</a:t>
-            </a:r>
-            <a:r>
-              <a:rPr lang="en-US" sz="1200" dirty="0">
-                <a:solidFill>
-                  <a:srgbClr val="BBBBBB"/>
-                </a:solidFill>
-              </a:rPr>
-              <a:t> </a:t>
-            </a:r>
-            <a:endParaRPr lang="en-US" sz="1200" dirty="0" smtClean="0">
-              <a:solidFill>
-                <a:srgbClr val="BBBBBB"/>
-              </a:solidFill>
-            </a:endParaRPr>
-          </a:p>
-          <a:p>
-            <a:r>
-              <a:rPr lang="en-US" sz="1200" dirty="0">
-                <a:solidFill>
-                  <a:srgbClr val="BBBBBB"/>
-                </a:solidFill>
-              </a:rPr>
-              <a:t>	</a:t>
-            </a:r>
-            <a:r>
-              <a:rPr lang="en-US" sz="1200" dirty="0" smtClean="0">
-                <a:solidFill>
-                  <a:srgbClr val="BBBBBB"/>
-                </a:solidFill>
-              </a:rPr>
-              <a:t>	</a:t>
-            </a:r>
-            <a:r>
-              <a:rPr lang="en-US" sz="1200" dirty="0" smtClean="0"/>
-              <a:t>]</a:t>
-            </a:r>
-            <a:r>
-              <a:rPr lang="en-US" sz="1200" dirty="0" smtClean="0">
-                <a:solidFill>
-                  <a:srgbClr val="BBBBBB"/>
-                </a:solidFill>
-              </a:rPr>
-              <a:t> </a:t>
-            </a:r>
-          </a:p>
-          <a:p>
-            <a:r>
-              <a:rPr lang="en-US" sz="1200" dirty="0" smtClean="0"/>
-              <a:t>	]</a:t>
-            </a:r>
-            <a:r>
-              <a:rPr lang="en-US" sz="1200" dirty="0" smtClean="0">
-                <a:solidFill>
-                  <a:srgbClr val="BBBBBB"/>
-                </a:solidFill>
-              </a:rPr>
-              <a:t> </a:t>
-            </a:r>
-          </a:p>
-          <a:p>
-            <a:r>
-              <a:rPr lang="en-US" sz="1200" dirty="0" smtClean="0"/>
-              <a:t>}</a:t>
-            </a:r>
-            <a:endParaRPr lang="en-US" sz="1200" dirty="0"/>
-          </a:p>
-        </p:txBody>
-      </p:sp>
-      <p:pic>
-        <p:nvPicPr>
-          <p:cNvPr id="9" name="Picture 8"/>
-          <p:cNvPicPr>
-            <a:picLocks noChangeAspect="1"/>
-          </p:cNvPicPr>
-          <p:nvPr/>
-        </p:nvPicPr>
-        <p:blipFill>
-          <a:blip r:embed="rId3">
-            <a:extLst>
-              <a:ext uri="{28A0092B-C50C-407E-A947-70E740481C1C}">
-                <a14:useLocalDpi xmlns:a14="http://schemas.microsoft.com/office/drawing/2010/main" val="0"/>
-              </a:ext>
-            </a:extLst>
-          </a:blip>
-          <a:stretch>
-            <a:fillRect/>
-          </a:stretch>
-        </p:blipFill>
-        <p:spPr>
-          <a:xfrm>
-            <a:off x="805131" y="2919628"/>
-            <a:ext cx="1511299" cy="755650"/>
-          </a:xfrm>
-          <a:prstGeom prst="rect">
-            <a:avLst/>
-          </a:prstGeom>
-        </p:spPr>
-      </p:pic>
-      <p:sp>
-        <p:nvSpPr>
-          <p:cNvPr id="10" name="Rectangle 9"/>
-          <p:cNvSpPr/>
-          <p:nvPr/>
-        </p:nvSpPr>
-        <p:spPr>
-          <a:xfrm>
-            <a:off x="3159659" y="4143269"/>
-            <a:ext cx="4572000" cy="1938992"/>
-          </a:xfrm>
-          <a:prstGeom prst="rect">
-            <a:avLst/>
-          </a:prstGeom>
-          <a:ln>
-            <a:solidFill>
-              <a:schemeClr val="accent1"/>
-            </a:solidFill>
-          </a:ln>
-        </p:spPr>
-        <p:txBody>
-          <a:bodyPr>
-            <a:spAutoFit/>
-          </a:bodyPr>
-          <a:lstStyle/>
-          <a:p>
-            <a:r>
-              <a:rPr lang="en-US" sz="1200" dirty="0"/>
-              <a:t>{</a:t>
-            </a:r>
-            <a:r>
-              <a:rPr lang="en-US" sz="1200" dirty="0">
-                <a:solidFill>
-                  <a:srgbClr val="BBBBBB"/>
-                </a:solidFill>
-              </a:rPr>
-              <a:t> </a:t>
-            </a:r>
-            <a:endParaRPr lang="en-US" sz="1200" dirty="0" smtClean="0">
-              <a:solidFill>
-                <a:srgbClr val="BBBBBB"/>
-              </a:solidFill>
-            </a:endParaRPr>
-          </a:p>
-          <a:p>
-            <a:r>
-              <a:rPr lang="en-US" sz="1200" dirty="0">
-                <a:solidFill>
-                  <a:srgbClr val="BBBBBB"/>
-                </a:solidFill>
-              </a:rPr>
-              <a:t>	</a:t>
-            </a:r>
-            <a:r>
-              <a:rPr lang="en-US" sz="1200" dirty="0" smtClean="0">
-                <a:solidFill>
-                  <a:srgbClr val="007000"/>
-                </a:solidFill>
-              </a:rPr>
-              <a:t>"</a:t>
-            </a:r>
-            <a:r>
-              <a:rPr lang="en-US" sz="1200" dirty="0">
-                <a:solidFill>
-                  <a:srgbClr val="007000"/>
-                </a:solidFill>
-              </a:rPr>
-              <a:t>type"</a:t>
-            </a:r>
-            <a:r>
-              <a:rPr lang="en-US" sz="1200" dirty="0"/>
-              <a:t>:</a:t>
-            </a:r>
-            <a:r>
-              <a:rPr lang="en-US" sz="1200" dirty="0">
-                <a:solidFill>
-                  <a:srgbClr val="BBBBBB"/>
-                </a:solidFill>
-              </a:rPr>
-              <a:t> </a:t>
-            </a:r>
-            <a:r>
-              <a:rPr lang="en-US" sz="1200" dirty="0">
-                <a:solidFill>
-                  <a:srgbClr val="6000E0"/>
-                </a:solidFill>
-              </a:rPr>
-              <a:t>"Feature"</a:t>
-            </a:r>
-            <a:r>
-              <a:rPr lang="en-US" sz="1200" dirty="0"/>
-              <a:t>,</a:t>
-            </a:r>
-            <a:r>
-              <a:rPr lang="en-US" sz="1200" dirty="0">
-                <a:solidFill>
-                  <a:srgbClr val="BBBBBB"/>
-                </a:solidFill>
-              </a:rPr>
-              <a:t> </a:t>
-            </a:r>
-            <a:endParaRPr lang="en-US" sz="1200" dirty="0" smtClean="0">
-              <a:solidFill>
-                <a:srgbClr val="BBBBBB"/>
-              </a:solidFill>
-            </a:endParaRPr>
-          </a:p>
-          <a:p>
-            <a:r>
-              <a:rPr lang="en-US" sz="1200" dirty="0">
-                <a:solidFill>
-                  <a:srgbClr val="BBBBBB"/>
-                </a:solidFill>
-              </a:rPr>
-              <a:t>	</a:t>
-            </a:r>
-            <a:r>
-              <a:rPr lang="en-US" sz="1200" dirty="0" smtClean="0">
-                <a:solidFill>
-                  <a:srgbClr val="007000"/>
-                </a:solidFill>
-              </a:rPr>
-              <a:t>"</a:t>
-            </a:r>
-            <a:r>
-              <a:rPr lang="en-US" sz="1200" dirty="0">
-                <a:solidFill>
-                  <a:srgbClr val="007000"/>
-                </a:solidFill>
-              </a:rPr>
-              <a:t>geometry"</a:t>
-            </a:r>
-            <a:r>
-              <a:rPr lang="en-US" sz="1200" dirty="0"/>
-              <a:t>:</a:t>
-            </a:r>
-            <a:r>
-              <a:rPr lang="en-US" sz="1200" dirty="0">
-                <a:solidFill>
-                  <a:srgbClr val="BBBBBB"/>
-                </a:solidFill>
-              </a:rPr>
-              <a:t> </a:t>
-            </a:r>
-            <a:r>
-              <a:rPr lang="en-US" sz="1200" dirty="0"/>
-              <a:t>{</a:t>
-            </a:r>
-            <a:r>
-              <a:rPr lang="en-US" sz="1200" dirty="0">
-                <a:solidFill>
-                  <a:srgbClr val="BBBBBB"/>
-                </a:solidFill>
-              </a:rPr>
-              <a:t> </a:t>
-            </a:r>
-            <a:endParaRPr lang="en-US" sz="1200" dirty="0" smtClean="0">
-              <a:solidFill>
-                <a:srgbClr val="BBBBBB"/>
-              </a:solidFill>
-            </a:endParaRPr>
-          </a:p>
-          <a:p>
-            <a:r>
-              <a:rPr lang="en-US" sz="1200" dirty="0">
-                <a:solidFill>
-                  <a:srgbClr val="BBBBBB"/>
-                </a:solidFill>
-              </a:rPr>
-              <a:t>	</a:t>
-            </a:r>
-            <a:r>
-              <a:rPr lang="en-US" sz="1200" dirty="0" smtClean="0">
-                <a:solidFill>
-                  <a:srgbClr val="BBBBBB"/>
-                </a:solidFill>
-              </a:rPr>
-              <a:t>	</a:t>
-            </a:r>
-            <a:r>
-              <a:rPr lang="en-US" sz="1200" dirty="0" smtClean="0">
-                <a:solidFill>
-                  <a:srgbClr val="007000"/>
-                </a:solidFill>
-              </a:rPr>
-              <a:t>"</a:t>
-            </a:r>
-            <a:r>
-              <a:rPr lang="en-US" sz="1200" dirty="0">
-                <a:solidFill>
-                  <a:srgbClr val="007000"/>
-                </a:solidFill>
-              </a:rPr>
-              <a:t>type"</a:t>
-            </a:r>
-            <a:r>
-              <a:rPr lang="en-US" sz="1200" dirty="0"/>
-              <a:t>:</a:t>
-            </a:r>
-            <a:r>
-              <a:rPr lang="en-US" sz="1200" dirty="0">
-                <a:solidFill>
-                  <a:srgbClr val="BBBBBB"/>
-                </a:solidFill>
-              </a:rPr>
-              <a:t> </a:t>
-            </a:r>
-            <a:r>
-              <a:rPr lang="en-US" sz="1200" dirty="0">
-                <a:solidFill>
-                  <a:srgbClr val="6000E0"/>
-                </a:solidFill>
-              </a:rPr>
-              <a:t>"Point"</a:t>
-            </a:r>
-            <a:r>
-              <a:rPr lang="en-US" sz="1200" dirty="0"/>
-              <a:t>,</a:t>
-            </a:r>
-            <a:r>
-              <a:rPr lang="en-US" sz="1200" dirty="0">
-                <a:solidFill>
-                  <a:srgbClr val="BBBBBB"/>
-                </a:solidFill>
-              </a:rPr>
-              <a:t> </a:t>
-            </a:r>
-            <a:endParaRPr lang="en-US" sz="1200" dirty="0" smtClean="0">
-              <a:solidFill>
-                <a:srgbClr val="BBBBBB"/>
-              </a:solidFill>
-            </a:endParaRPr>
-          </a:p>
-          <a:p>
-            <a:r>
-              <a:rPr lang="en-US" sz="1200" dirty="0">
-                <a:solidFill>
-                  <a:srgbClr val="BBBBBB"/>
-                </a:solidFill>
-              </a:rPr>
-              <a:t>	</a:t>
-            </a:r>
-            <a:r>
-              <a:rPr lang="en-US" sz="1200" dirty="0" smtClean="0">
-                <a:solidFill>
-                  <a:srgbClr val="BBBBBB"/>
-                </a:solidFill>
-              </a:rPr>
-              <a:t>	</a:t>
-            </a:r>
-            <a:r>
-              <a:rPr lang="en-US" sz="1200" dirty="0" smtClean="0">
-                <a:solidFill>
-                  <a:srgbClr val="007000"/>
-                </a:solidFill>
-              </a:rPr>
-              <a:t>"</a:t>
-            </a:r>
-            <a:r>
-              <a:rPr lang="en-US" sz="1200" dirty="0">
-                <a:solidFill>
-                  <a:srgbClr val="007000"/>
-                </a:solidFill>
-              </a:rPr>
-              <a:t>coordinates"</a:t>
-            </a:r>
-            <a:r>
-              <a:rPr lang="en-US" sz="1200" dirty="0"/>
-              <a:t>:</a:t>
-            </a:r>
-            <a:r>
-              <a:rPr lang="en-US" sz="1200" dirty="0">
-                <a:solidFill>
-                  <a:srgbClr val="BBBBBB"/>
-                </a:solidFill>
-              </a:rPr>
-              <a:t> </a:t>
-            </a:r>
-            <a:r>
-              <a:rPr lang="en-US" sz="1200" dirty="0"/>
-              <a:t>[</a:t>
-            </a:r>
-            <a:r>
-              <a:rPr lang="en-US" sz="1200" dirty="0">
-                <a:solidFill>
-                  <a:srgbClr val="6000E0"/>
-                </a:solidFill>
-              </a:rPr>
-              <a:t>0</a:t>
-            </a:r>
-            <a:r>
-              <a:rPr lang="en-US" sz="1200" dirty="0"/>
-              <a:t>,</a:t>
-            </a:r>
-            <a:r>
-              <a:rPr lang="en-US" sz="1200" dirty="0">
-                <a:solidFill>
-                  <a:srgbClr val="BBBBBB"/>
-                </a:solidFill>
-              </a:rPr>
-              <a:t> </a:t>
-            </a:r>
-            <a:r>
-              <a:rPr lang="en-US" sz="1200" dirty="0">
-                <a:solidFill>
-                  <a:srgbClr val="6000E0"/>
-                </a:solidFill>
-              </a:rPr>
-              <a:t>0</a:t>
-            </a:r>
-            <a:r>
-              <a:rPr lang="en-US" sz="1200" dirty="0"/>
-              <a:t>]</a:t>
-            </a:r>
-            <a:r>
-              <a:rPr lang="en-US" sz="1200" dirty="0">
-                <a:solidFill>
-                  <a:srgbClr val="BBBBBB"/>
-                </a:solidFill>
-              </a:rPr>
-              <a:t> </a:t>
-            </a:r>
-            <a:endParaRPr lang="en-US" sz="1200" dirty="0" smtClean="0">
-              <a:solidFill>
-                <a:srgbClr val="BBBBBB"/>
-              </a:solidFill>
-            </a:endParaRPr>
-          </a:p>
-          <a:p>
-            <a:r>
-              <a:rPr lang="en-US" sz="1200" dirty="0">
-                <a:solidFill>
-                  <a:srgbClr val="BBBBBB"/>
-                </a:solidFill>
-              </a:rPr>
-              <a:t>	</a:t>
-            </a:r>
-            <a:r>
-              <a:rPr lang="en-US" sz="1200" dirty="0" smtClean="0"/>
-              <a:t>},</a:t>
-            </a:r>
-            <a:r>
-              <a:rPr lang="en-US" sz="1200" dirty="0" smtClean="0">
-                <a:solidFill>
-                  <a:srgbClr val="BBBBBB"/>
-                </a:solidFill>
-              </a:rPr>
-              <a:t> </a:t>
-            </a:r>
-          </a:p>
-          <a:p>
-            <a:r>
-              <a:rPr lang="en-US" sz="1200" dirty="0">
-                <a:solidFill>
-                  <a:srgbClr val="BBBBBB"/>
-                </a:solidFill>
-              </a:rPr>
-              <a:t>	</a:t>
-            </a:r>
-            <a:r>
-              <a:rPr lang="en-US" sz="1200" dirty="0" smtClean="0">
-                <a:solidFill>
-                  <a:srgbClr val="007000"/>
-                </a:solidFill>
-              </a:rPr>
-              <a:t>"</a:t>
-            </a:r>
-            <a:r>
-              <a:rPr lang="en-US" sz="1200" dirty="0">
-                <a:solidFill>
-                  <a:srgbClr val="007000"/>
-                </a:solidFill>
-              </a:rPr>
-              <a:t>properties"</a:t>
-            </a:r>
-            <a:r>
-              <a:rPr lang="en-US" sz="1200" dirty="0"/>
-              <a:t>:</a:t>
-            </a:r>
-            <a:r>
-              <a:rPr lang="en-US" sz="1200" dirty="0">
-                <a:solidFill>
-                  <a:srgbClr val="BBBBBB"/>
-                </a:solidFill>
-              </a:rPr>
-              <a:t> </a:t>
-            </a:r>
-            <a:r>
-              <a:rPr lang="en-US" sz="1200" dirty="0"/>
-              <a:t>{</a:t>
-            </a:r>
-            <a:r>
-              <a:rPr lang="en-US" sz="1200" dirty="0">
-                <a:solidFill>
-                  <a:srgbClr val="BBBBBB"/>
-                </a:solidFill>
-              </a:rPr>
-              <a:t> </a:t>
-            </a:r>
-            <a:endParaRPr lang="en-US" sz="1200" dirty="0" smtClean="0">
-              <a:solidFill>
-                <a:srgbClr val="BBBBBB"/>
-              </a:solidFill>
-            </a:endParaRPr>
-          </a:p>
-          <a:p>
-            <a:r>
-              <a:rPr lang="en-US" sz="1200" dirty="0">
-                <a:solidFill>
-                  <a:srgbClr val="BBBBBB"/>
-                </a:solidFill>
-              </a:rPr>
-              <a:t>	</a:t>
-            </a:r>
-            <a:r>
-              <a:rPr lang="en-US" sz="1200" dirty="0" smtClean="0">
-                <a:solidFill>
-                  <a:srgbClr val="BBBBBB"/>
-                </a:solidFill>
-              </a:rPr>
-              <a:t>	</a:t>
-            </a:r>
-            <a:r>
-              <a:rPr lang="en-US" sz="1200" dirty="0" smtClean="0">
-                <a:solidFill>
-                  <a:srgbClr val="007000"/>
-                </a:solidFill>
-              </a:rPr>
-              <a:t>"</a:t>
-            </a:r>
-            <a:r>
-              <a:rPr lang="en-US" sz="1200" dirty="0">
-                <a:solidFill>
-                  <a:srgbClr val="007000"/>
-                </a:solidFill>
-              </a:rPr>
-              <a:t>name"</a:t>
-            </a:r>
-            <a:r>
-              <a:rPr lang="en-US" sz="1200" dirty="0"/>
-              <a:t>:</a:t>
-            </a:r>
-            <a:r>
-              <a:rPr lang="en-US" sz="1200" dirty="0">
-                <a:solidFill>
-                  <a:srgbClr val="BBBBBB"/>
-                </a:solidFill>
-              </a:rPr>
-              <a:t> </a:t>
-            </a:r>
-            <a:r>
-              <a:rPr lang="en-US" sz="1200" dirty="0">
-                <a:solidFill>
-                  <a:srgbClr val="6000E0"/>
-                </a:solidFill>
-              </a:rPr>
-              <a:t>"null island"</a:t>
-            </a:r>
-            <a:r>
-              <a:rPr lang="en-US" sz="1200" dirty="0">
-                <a:solidFill>
-                  <a:srgbClr val="BBBBBB"/>
-                </a:solidFill>
-              </a:rPr>
-              <a:t> </a:t>
-            </a:r>
-            <a:endParaRPr lang="en-US" sz="1200" dirty="0" smtClean="0">
-              <a:solidFill>
-                <a:srgbClr val="BBBBBB"/>
-              </a:solidFill>
-            </a:endParaRPr>
-          </a:p>
-          <a:p>
-            <a:r>
-              <a:rPr lang="en-US" sz="1200" dirty="0">
-                <a:solidFill>
-                  <a:srgbClr val="BBBBBB"/>
-                </a:solidFill>
-              </a:rPr>
-              <a:t>	</a:t>
-            </a:r>
-            <a:r>
-              <a:rPr lang="en-US" sz="1200" dirty="0" smtClean="0"/>
-              <a:t>}</a:t>
-            </a:r>
-            <a:r>
-              <a:rPr lang="en-US" sz="1200" dirty="0" smtClean="0">
-                <a:solidFill>
-                  <a:srgbClr val="BBBBBB"/>
-                </a:solidFill>
-              </a:rPr>
-              <a:t> </a:t>
-            </a:r>
-          </a:p>
-          <a:p>
-            <a:r>
-              <a:rPr lang="en-US" sz="1200" dirty="0" smtClean="0"/>
-              <a:t>}</a:t>
-            </a:r>
-            <a:endParaRPr lang="en-US" sz="1200" dirty="0"/>
-          </a:p>
-        </p:txBody>
-      </p:sp>
-      <p:sp>
-        <p:nvSpPr>
-          <p:cNvPr id="13" name="TextBox 12"/>
-          <p:cNvSpPr txBox="1"/>
-          <p:nvPr/>
-        </p:nvSpPr>
-        <p:spPr>
-          <a:xfrm>
-            <a:off x="805131" y="6285577"/>
-            <a:ext cx="7657674" cy="369332"/>
-          </a:xfrm>
-          <a:prstGeom prst="rect">
-            <a:avLst/>
-          </a:prstGeom>
-          <a:noFill/>
-        </p:spPr>
-        <p:txBody>
-          <a:bodyPr wrap="none" rtlCol="0">
-            <a:spAutoFit/>
-          </a:bodyPr>
-          <a:lstStyle/>
-          <a:p>
-            <a:r>
-              <a:rPr lang="en-US" dirty="0" smtClean="0"/>
-              <a:t>See: </a:t>
-            </a:r>
-            <a:r>
-              <a:rPr lang="en-US" dirty="0" smtClean="0">
-                <a:hlinkClick r:id="rId4"/>
-              </a:rPr>
-              <a:t>http://www.macwright.org/2015/03/23/geojson-second-bite.html</a:t>
-            </a:r>
-            <a:endParaRPr lang="en-US" dirty="0"/>
-          </a:p>
-        </p:txBody>
-      </p:sp>
-    </p:spTree>
-    <p:extLst>
-      <p:ext uri="{BB962C8B-B14F-4D97-AF65-F5344CB8AC3E}">
-        <p14:creationId xmlns:p14="http://schemas.microsoft.com/office/powerpoint/2010/main" val="115063501"/>
-      </p:ext>
-    </p:extLst>
-  </p:cSld>
-  <p:clrMapOvr>
-    <a:masterClrMapping/>
-  </p:clrMapOvr>
-  <p:timing>
-    <p:tnLst>
-      <p:par>
-        <p:cTn id="1" dur="indefinite" restart="never" nodeType="tmRoot"/>
-      </p:par>
-    </p:tnLst>
-  </p:timing>
-</p:sld>
-</file>
-
-<file path=ppt/slides/slide5.xml><?xml version="1.0" encoding="utf-8"?>
 <p:sld xmlns:a="http://schemas.openxmlformats.org/drawingml/2006/main" xmlns:r="http://schemas.openxmlformats.org/officeDocument/2006/relationships" xmlns:p="http://schemas.openxmlformats.org/presentationml/2006/main">
   <p:cSld>
     <p:spTree>
@@ -11020,7 +9087,7 @@
         <p:spPr>
           <a:xfrm>
             <a:off x="616225" y="5049078"/>
-            <a:ext cx="5121965" cy="1503706"/>
+            <a:ext cx="5121965" cy="1371600"/>
           </a:xfrm>
           <a:prstGeom prst="rect">
             <a:avLst/>
@@ -11226,11 +9293,35 @@
                   <a:srgbClr val="0000FF"/>
                 </a:solidFill>
               </a:rPr>
-              <a:t>Location-targeted bidding transactions </a:t>
-            </a:r>
-            <a:r>
-              <a:rPr lang="en-US" dirty="0" smtClean="0"/>
-              <a:t>to discover persons or devices within the location with an active ad campaign.</a:t>
+              <a:t>Location-targeted bidding </a:t>
+            </a:r>
+            <a:r>
+              <a:rPr lang="en-US" dirty="0" smtClean="0"/>
+              <a:t>by discovering </a:t>
+            </a:r>
+            <a:r>
+              <a:rPr lang="en-US" dirty="0" smtClean="0"/>
+              <a:t>persons or devices within the </a:t>
+            </a:r>
+            <a:r>
+              <a:rPr lang="en-US" smtClean="0"/>
+              <a:t>location </a:t>
+            </a:r>
+            <a:r>
+              <a:rPr lang="en-US" smtClean="0"/>
+              <a:t>of an </a:t>
+            </a:r>
+            <a:r>
+              <a:rPr lang="en-US" smtClean="0"/>
+              <a:t>active </a:t>
+            </a:r>
+            <a:r>
+              <a:rPr lang="en-US" smtClean="0"/>
+              <a:t>Ad </a:t>
+            </a:r>
+            <a:r>
+              <a:rPr lang="en-US" dirty="0" smtClean="0"/>
+              <a:t>campaign.</a:t>
             </a:r>
           </a:p>
           <a:p>
@@ -11257,7 +9348,7 @@
         </p:spPr>
         <p:txBody>
           <a:bodyPr vert="horz">
-            <a:normAutofit fontScale="92500" lnSpcReduction="20000"/>
+            <a:normAutofit fontScale="92500"/>
           </a:bodyPr>
           <a:lstStyle>
             <a:lvl1pPr marL="290513" marR="0" indent="-290513" algn="l" defTabSz="457200" rtl="0" eaLnBrk="1" fontAlgn="auto" latinLnBrk="0" hangingPunct="1">
@@ -11450,12 +9541,8 @@
               <a:buNone/>
             </a:pPr>
             <a:r>
-              <a:rPr lang="en-US" smtClean="0"/>
-              <a:t>Find </a:t>
-            </a:r>
-            <a:r>
-              <a:rPr lang="en-US" dirty="0" smtClean="0"/>
-              <a:t>specific</a:t>
+              <a:rPr lang="en-US" dirty="0" smtClean="0"/>
+              <a:t>Find specific</a:t>
             </a:r>
             <a:r>
               <a:rPr lang="en-US" dirty="0"/>
@@ -11471,7 +9558,15 @@
                   <a:srgbClr val="0000FF"/>
                 </a:solidFill>
               </a:rPr>
-              <a:t>amenities within 500m </a:t>
+              <a:t>within </a:t>
+            </a:r>
+            <a:r>
+              <a:rPr lang="en-US" b="1" dirty="0" smtClean="0">
+                <a:solidFill>
+                  <a:srgbClr val="0000FF"/>
+                </a:solidFill>
+              </a:rPr>
+              <a:t>500m </a:t>
             </a:r>
             <a:r>
               <a:rPr lang="en-US" dirty="0" smtClean="0"/>
@@ -11480,6 +9575,36 @@
           </a:p>
         </p:txBody>
       </p:sp>
+      <p:pic>
+        <p:nvPicPr>
+          <p:cNvPr id="7" name="Picture 6"/>
+          <p:cNvPicPr>
+            <a:picLocks noChangeAspect="1"/>
+          </p:cNvPicPr>
+          <p:nvPr/>
+        </p:nvPicPr>
+        <p:blipFill>
+          <a:blip r:embed="rId5">
+            <a:extLst>
+              <a:ext uri="{28A0092B-C50C-407E-A947-70E740481C1C}">
+                <a14:useLocalDpi xmlns:a14="http://schemas.microsoft.com/office/drawing/2010/main" val="0"/>
+              </a:ext>
+            </a:extLst>
+          </a:blip>
+          <a:stretch>
+            <a:fillRect/>
+          </a:stretch>
+        </p:blipFill>
+        <p:spPr>
+          <a:xfrm>
+            <a:off x="5943599" y="4422285"/>
+            <a:ext cx="2927719" cy="2197183"/>
+          </a:xfrm>
+          <a:prstGeom prst="rect">
+            <a:avLst/>
+          </a:prstGeom>
+        </p:spPr>
+      </p:pic>
     </p:spTree>
     <p:extLst>
       <p:ext uri="{BB962C8B-B14F-4D97-AF65-F5344CB8AC3E}">
@@ -11490,6 +9615,665 @@
   <p:clrMapOvr>
     <a:masterClrMapping/>
   </p:clrMapOvr>
+  <p:timing>
+    <p:tnLst>
+      <p:par>
+        <p:cTn id="1" dur="indefinite" restart="never" nodeType="tmRoot"/>
+      </p:par>
+    </p:tnLst>
+  </p:timing>
+</p:sld>
+</file>
+
+<file path=ppt/slides/slide4.xml><?xml version="1.0" encoding="utf-8"?>
+<p:sld xmlns:a="http://schemas.openxmlformats.org/drawingml/2006/main" xmlns:r="http://schemas.openxmlformats.org/officeDocument/2006/relationships" xmlns:p="http://schemas.openxmlformats.org/presentationml/2006/main">
+  <p:cSld>
+    <p:spTree>
+      <p:nvGrpSpPr>
+        <p:cNvPr id="1" name=""/>
+        <p:cNvGrpSpPr/>
+        <p:nvPr/>
+      </p:nvGrpSpPr>
+      <p:grpSpPr>
+        <a:xfrm>
+          <a:off x="0" y="0"/>
+          <a:ext cx="0" cy="0"/>
+          <a:chOff x="0" y="0"/>
+          <a:chExt cx="0" cy="0"/>
+        </a:xfrm>
+      </p:grpSpPr>
+      <p:sp>
+        <p:nvSpPr>
+          <p:cNvPr id="2" name="Title 1"/>
+          <p:cNvSpPr>
+            <a:spLocks noGrp="1"/>
+          </p:cNvSpPr>
+          <p:nvPr>
+            <p:ph type="title"/>
+          </p:nvPr>
+        </p:nvSpPr>
+        <p:spPr/>
+        <p:txBody>
+          <a:bodyPr/>
+          <a:lstStyle/>
+          <a:p>
+            <a:r>
+              <a:rPr lang="en-US" dirty="0" smtClean="0"/>
+              <a:t>Geospatial </a:t>
+            </a:r>
+            <a:r>
+              <a:rPr lang="en-US" dirty="0" smtClean="0"/>
+              <a:t>terms</a:t>
+            </a:r>
+            <a:endParaRPr lang="en-US" dirty="0"/>
+          </a:p>
+        </p:txBody>
+      </p:sp>
+      <p:sp>
+        <p:nvSpPr>
+          <p:cNvPr id="3" name="Text Placeholder 2"/>
+          <p:cNvSpPr>
+            <a:spLocks noGrp="1"/>
+          </p:cNvSpPr>
+          <p:nvPr>
+            <p:ph type="body" sz="quarter" idx="15"/>
+          </p:nvPr>
+        </p:nvSpPr>
+        <p:spPr>
+          <a:xfrm>
+            <a:off x="1565170" y="1700886"/>
+            <a:ext cx="2788169" cy="617348"/>
+          </a:xfrm>
+        </p:spPr>
+        <p:txBody>
+          <a:bodyPr/>
+          <a:lstStyle/>
+          <a:p>
+            <a:pPr marL="0" indent="0">
+              <a:buNone/>
+            </a:pPr>
+            <a:r>
+              <a:rPr lang="en-US" dirty="0" smtClean="0"/>
+              <a:t>Line or </a:t>
+            </a:r>
+            <a:r>
+              <a:rPr lang="en-US" dirty="0" err="1" smtClean="0"/>
+              <a:t>LineString</a:t>
+            </a:r>
+            <a:endParaRPr lang="en-US" dirty="0"/>
+          </a:p>
+        </p:txBody>
+      </p:sp>
+      <p:pic>
+        <p:nvPicPr>
+          <p:cNvPr id="4" name="Picture 3"/>
+          <p:cNvPicPr>
+            <a:picLocks noChangeAspect="1"/>
+          </p:cNvPicPr>
+          <p:nvPr/>
+        </p:nvPicPr>
+        <p:blipFill>
+          <a:blip r:embed="rId2"/>
+          <a:stretch>
+            <a:fillRect/>
+          </a:stretch>
+        </p:blipFill>
+        <p:spPr>
+          <a:xfrm>
+            <a:off x="951349" y="3756028"/>
+            <a:ext cx="3530600" cy="2713474"/>
+          </a:xfrm>
+          <a:prstGeom prst="rect">
+            <a:avLst/>
+          </a:prstGeom>
+        </p:spPr>
+      </p:pic>
+      <p:pic>
+        <p:nvPicPr>
+          <p:cNvPr id="5" name="Picture 4"/>
+          <p:cNvPicPr>
+            <a:picLocks noChangeAspect="1"/>
+          </p:cNvPicPr>
+          <p:nvPr/>
+        </p:nvPicPr>
+        <p:blipFill>
+          <a:blip r:embed="rId3"/>
+          <a:stretch>
+            <a:fillRect/>
+          </a:stretch>
+        </p:blipFill>
+        <p:spPr>
+          <a:xfrm>
+            <a:off x="5458912" y="930870"/>
+            <a:ext cx="2540000" cy="2578100"/>
+          </a:xfrm>
+          <a:prstGeom prst="rect">
+            <a:avLst/>
+          </a:prstGeom>
+        </p:spPr>
+      </p:pic>
+      <p:sp>
+        <p:nvSpPr>
+          <p:cNvPr id="6" name="Text Placeholder 2"/>
+          <p:cNvSpPr txBox="1">
+            <a:spLocks/>
+          </p:cNvSpPr>
+          <p:nvPr/>
+        </p:nvSpPr>
+        <p:spPr>
+          <a:xfrm>
+            <a:off x="5069508" y="4520310"/>
+            <a:ext cx="2762216" cy="1819983"/>
+          </a:xfrm>
+          <a:prstGeom prst="rect">
+            <a:avLst/>
+          </a:prstGeom>
+        </p:spPr>
+        <p:txBody>
+          <a:bodyPr vert="horz">
+            <a:normAutofit/>
+          </a:bodyPr>
+          <a:lstStyle>
+            <a:lvl1pPr marL="290513" marR="0" indent="-290513" algn="l" defTabSz="457200" rtl="0" eaLnBrk="1" fontAlgn="auto" latinLnBrk="0" hangingPunct="1">
+              <a:lnSpc>
+                <a:spcPct val="100000"/>
+              </a:lnSpc>
+              <a:spcBef>
+                <a:spcPct val="20000"/>
+              </a:spcBef>
+              <a:spcAft>
+                <a:spcPts val="0"/>
+              </a:spcAft>
+              <a:buClr>
+                <a:schemeClr val="bg1">
+                  <a:lumMod val="75000"/>
+                </a:schemeClr>
+              </a:buClr>
+              <a:buSzPct val="100000"/>
+              <a:buFont typeface="Lucida Grande"/>
+              <a:buChar char="■"/>
+              <a:tabLst/>
+              <a:defRPr sz="2400" b="0" i="0" kern="1200" baseline="0">
+                <a:solidFill>
+                  <a:schemeClr val="accent3"/>
+                </a:solidFill>
+                <a:latin typeface="Arial Narrow"/>
+                <a:ea typeface="MS PGothic" pitchFamily="34" charset="-128"/>
+                <a:cs typeface="Arial Narrow"/>
+              </a:defRPr>
+            </a:lvl1pPr>
+            <a:lvl2pPr marL="628650" indent="-171450" algn="l" defTabSz="457200" rtl="0" eaLnBrk="0" fontAlgn="base" hangingPunct="0">
+              <a:spcBef>
+                <a:spcPct val="20000"/>
+              </a:spcBef>
+              <a:spcAft>
+                <a:spcPct val="0"/>
+              </a:spcAft>
+              <a:buClr>
+                <a:schemeClr val="bg1">
+                  <a:lumMod val="65000"/>
+                </a:schemeClr>
+              </a:buClr>
+              <a:buSzPct val="100000"/>
+              <a:buFont typeface="Lucida Grande"/>
+              <a:buChar char="■"/>
+              <a:defRPr sz="2000" b="0" i="0" kern="1200" baseline="0">
+                <a:solidFill>
+                  <a:schemeClr val="accent3"/>
+                </a:solidFill>
+                <a:latin typeface="Arial Narrow"/>
+                <a:ea typeface="MS PGothic" pitchFamily="34" charset="-128"/>
+                <a:cs typeface="Arial Narrow"/>
+              </a:defRPr>
+            </a:lvl2pPr>
+            <a:lvl3pPr marL="1092200" indent="-177800" algn="l" defTabSz="457200" rtl="0" eaLnBrk="0" fontAlgn="base" hangingPunct="0">
+              <a:spcBef>
+                <a:spcPct val="20000"/>
+              </a:spcBef>
+              <a:spcAft>
+                <a:spcPct val="0"/>
+              </a:spcAft>
+              <a:buClr>
+                <a:schemeClr val="bg1">
+                  <a:lumMod val="65000"/>
+                </a:schemeClr>
+              </a:buClr>
+              <a:buSzPct val="100000"/>
+              <a:buFont typeface="Lucida Grande"/>
+              <a:buChar char="■"/>
+              <a:defRPr sz="1800" b="0" i="0" kern="1200" baseline="0">
+                <a:solidFill>
+                  <a:schemeClr val="accent3"/>
+                </a:solidFill>
+                <a:latin typeface="Arial Narrow"/>
+                <a:ea typeface="MS PGothic" pitchFamily="34" charset="-128"/>
+                <a:cs typeface="Arial Narrow"/>
+              </a:defRPr>
+            </a:lvl3pPr>
+            <a:lvl4pPr marL="1487488" indent="-115888" algn="l" defTabSz="457200" rtl="0" eaLnBrk="0" fontAlgn="base" hangingPunct="0">
+              <a:spcBef>
+                <a:spcPct val="20000"/>
+              </a:spcBef>
+              <a:spcAft>
+                <a:spcPct val="0"/>
+              </a:spcAft>
+              <a:buClr>
+                <a:schemeClr val="bg1">
+                  <a:lumMod val="65000"/>
+                </a:schemeClr>
+              </a:buClr>
+              <a:buSzPct val="100000"/>
+              <a:buFont typeface="Lucida Grande"/>
+              <a:buChar char="■"/>
+              <a:defRPr sz="1400" b="0" i="0" kern="1200">
+                <a:solidFill>
+                  <a:schemeClr val="accent3"/>
+                </a:solidFill>
+                <a:latin typeface="Arial Narrow"/>
+                <a:ea typeface="MS PGothic" pitchFamily="34" charset="-128"/>
+                <a:cs typeface="Arial Narrow"/>
+              </a:defRPr>
+            </a:lvl4pPr>
+            <a:lvl5pPr marL="1947863" indent="-119063" algn="l" defTabSz="457200" rtl="0" eaLnBrk="0" fontAlgn="base" hangingPunct="0">
+              <a:spcBef>
+                <a:spcPct val="20000"/>
+              </a:spcBef>
+              <a:spcAft>
+                <a:spcPct val="0"/>
+              </a:spcAft>
+              <a:buClr>
+                <a:schemeClr val="bg1">
+                  <a:lumMod val="65000"/>
+                </a:schemeClr>
+              </a:buClr>
+              <a:buSzPct val="100000"/>
+              <a:buFont typeface="Lucida Grande"/>
+              <a:buChar char="■"/>
+              <a:defRPr sz="1200" b="0" i="0" kern="1200" baseline="0">
+                <a:solidFill>
+                  <a:schemeClr val="accent3"/>
+                </a:solidFill>
+                <a:latin typeface="Arial Narrow"/>
+                <a:ea typeface="MS PGothic" pitchFamily="34" charset="-128"/>
+                <a:cs typeface="Arial Narrow"/>
+              </a:defRPr>
+            </a:lvl5pPr>
+            <a:lvl6pPr marL="2514600" indent="-228600" algn="l" defTabSz="457200" rtl="0" eaLnBrk="1" latinLnBrk="0" hangingPunct="1">
+              <a:spcBef>
+                <a:spcPct val="20000"/>
+              </a:spcBef>
+              <a:buFont typeface="Arial"/>
+              <a:buChar char="•"/>
+              <a:defRPr sz="2000" kern="1200">
+                <a:solidFill>
+                  <a:schemeClr val="tx1"/>
+                </a:solidFill>
+                <a:latin typeface="+mn-lt"/>
+                <a:ea typeface="+mn-ea"/>
+                <a:cs typeface="+mn-cs"/>
+              </a:defRPr>
+            </a:lvl6pPr>
+            <a:lvl7pPr marL="2971800" indent="-228600" algn="l" defTabSz="457200" rtl="0" eaLnBrk="1" latinLnBrk="0" hangingPunct="1">
+              <a:spcBef>
+                <a:spcPct val="20000"/>
+              </a:spcBef>
+              <a:buFont typeface="Arial"/>
+              <a:buChar char="•"/>
+              <a:defRPr sz="2000" kern="1200">
+                <a:solidFill>
+                  <a:schemeClr val="tx1"/>
+                </a:solidFill>
+                <a:latin typeface="+mn-lt"/>
+                <a:ea typeface="+mn-ea"/>
+                <a:cs typeface="+mn-cs"/>
+              </a:defRPr>
+            </a:lvl7pPr>
+            <a:lvl8pPr marL="3429000" indent="-228600" algn="l" defTabSz="457200" rtl="0" eaLnBrk="1" latinLnBrk="0" hangingPunct="1">
+              <a:spcBef>
+                <a:spcPct val="20000"/>
+              </a:spcBef>
+              <a:buFont typeface="Arial"/>
+              <a:buChar char="•"/>
+              <a:defRPr sz="2000" kern="1200">
+                <a:solidFill>
+                  <a:schemeClr val="tx1"/>
+                </a:solidFill>
+                <a:latin typeface="+mn-lt"/>
+                <a:ea typeface="+mn-ea"/>
+                <a:cs typeface="+mn-cs"/>
+              </a:defRPr>
+            </a:lvl8pPr>
+            <a:lvl9pPr marL="3886200" indent="-228600" algn="l" defTabSz="457200" rtl="0" eaLnBrk="1" latinLnBrk="0" hangingPunct="1">
+              <a:spcBef>
+                <a:spcPct val="20000"/>
+              </a:spcBef>
+              <a:buFont typeface="Arial"/>
+              <a:buChar char="•"/>
+              <a:defRPr sz="2000" kern="1200">
+                <a:solidFill>
+                  <a:schemeClr val="tx1"/>
+                </a:solidFill>
+                <a:latin typeface="+mn-lt"/>
+                <a:ea typeface="+mn-ea"/>
+                <a:cs typeface="+mn-cs"/>
+              </a:defRPr>
+            </a:lvl9pPr>
+          </a:lstStyle>
+          <a:p>
+            <a:pPr marL="0" indent="0">
+              <a:buNone/>
+            </a:pPr>
+            <a:r>
+              <a:rPr lang="en-US" dirty="0" smtClean="0"/>
+              <a:t>Point</a:t>
+            </a:r>
+          </a:p>
+          <a:p>
+            <a:pPr marL="0" indent="0">
+              <a:buNone/>
+            </a:pPr>
+            <a:r>
+              <a:rPr lang="en-US" dirty="0" smtClean="0"/>
+              <a:t>Region</a:t>
+            </a:r>
+          </a:p>
+        </p:txBody>
+      </p:sp>
+    </p:spTree>
+    <p:extLst>
+      <p:ext uri="{BB962C8B-B14F-4D97-AF65-F5344CB8AC3E}">
+        <p14:creationId xmlns:p14="http://schemas.microsoft.com/office/powerpoint/2010/main" val="763283698"/>
+      </p:ext>
+    </p:extLst>
+  </p:cSld>
+  <p:clrMapOvr>
+    <a:masterClrMapping/>
+  </p:clrMapOvr>
+  <p:timing>
+    <p:tnLst>
+      <p:par>
+        <p:cTn id="1" dur="indefinite" restart="never" nodeType="tmRoot"/>
+      </p:par>
+    </p:tnLst>
+  </p:timing>
+</p:sld>
+</file>
+
+<file path=ppt/slides/slide5.xml><?xml version="1.0" encoding="utf-8"?>
+<p:sld xmlns:a="http://schemas.openxmlformats.org/drawingml/2006/main" xmlns:r="http://schemas.openxmlformats.org/officeDocument/2006/relationships" xmlns:p="http://schemas.openxmlformats.org/presentationml/2006/main">
+  <p:cSld>
+    <p:spTree>
+      <p:nvGrpSpPr>
+        <p:cNvPr id="1" name=""/>
+        <p:cNvGrpSpPr/>
+        <p:nvPr/>
+      </p:nvGrpSpPr>
+      <p:grpSpPr>
+        <a:xfrm>
+          <a:off x="0" y="0"/>
+          <a:ext cx="0" cy="0"/>
+          <a:chOff x="0" y="0"/>
+          <a:chExt cx="0" cy="0"/>
+        </a:xfrm>
+      </p:grpSpPr>
+      <p:sp>
+        <p:nvSpPr>
+          <p:cNvPr id="2" name="Title 1"/>
+          <p:cNvSpPr>
+            <a:spLocks noGrp="1"/>
+          </p:cNvSpPr>
+          <p:nvPr>
+            <p:ph type="title"/>
+          </p:nvPr>
+        </p:nvSpPr>
+        <p:spPr/>
+        <p:txBody>
+          <a:bodyPr/>
+          <a:lstStyle/>
+          <a:p>
+            <a:r>
+              <a:rPr lang="en-US" b="0" dirty="0"/>
+              <a:t>Aerospike Geospatial</a:t>
+            </a:r>
+          </a:p>
+        </p:txBody>
+      </p:sp>
+      <p:sp>
+        <p:nvSpPr>
+          <p:cNvPr id="3" name="Text Placeholder 2"/>
+          <p:cNvSpPr>
+            <a:spLocks noGrp="1"/>
+          </p:cNvSpPr>
+          <p:nvPr>
+            <p:ph type="body" sz="quarter" idx="15"/>
+          </p:nvPr>
+        </p:nvSpPr>
+        <p:spPr/>
+        <p:txBody>
+          <a:bodyPr>
+            <a:normAutofit/>
+          </a:bodyPr>
+          <a:lstStyle/>
+          <a:p>
+            <a:pPr marL="0" indent="0">
+              <a:buNone/>
+            </a:pPr>
+            <a:r>
+              <a:rPr lang="en-US" dirty="0"/>
+              <a:t>Aerospike </a:t>
+            </a:r>
+            <a:r>
+              <a:rPr lang="en-US" dirty="0" smtClean="0"/>
+              <a:t>provides geospatial storage and indexing to </a:t>
+            </a:r>
+            <a:r>
+              <a:rPr lang="en-US" dirty="0"/>
+              <a:t>enable fast queries </a:t>
+            </a:r>
+            <a:r>
+              <a:rPr lang="en-US" dirty="0" smtClean="0"/>
+              <a:t>on: </a:t>
+            </a:r>
+          </a:p>
+          <a:p>
+            <a:r>
+              <a:rPr lang="en-US" dirty="0" smtClean="0"/>
+              <a:t>points </a:t>
+            </a:r>
+            <a:r>
+              <a:rPr lang="en-US" b="1" dirty="0">
+                <a:solidFill>
+                  <a:srgbClr val="0000FF"/>
+                </a:solidFill>
+              </a:rPr>
+              <a:t>within a </a:t>
+            </a:r>
+            <a:r>
+              <a:rPr lang="en-US" b="1" dirty="0" smtClean="0">
+                <a:solidFill>
+                  <a:srgbClr val="0000FF"/>
+                </a:solidFill>
+              </a:rPr>
+              <a:t>region</a:t>
+            </a:r>
+          </a:p>
+          <a:p>
+            <a:r>
+              <a:rPr lang="en-US" dirty="0" smtClean="0"/>
+              <a:t>a </a:t>
+            </a:r>
+            <a:r>
+              <a:rPr lang="en-US" b="1" dirty="0">
+                <a:solidFill>
+                  <a:srgbClr val="0000FF"/>
+                </a:solidFill>
+              </a:rPr>
+              <a:t>region containing </a:t>
+            </a:r>
+            <a:r>
+              <a:rPr lang="en-US" dirty="0" smtClean="0"/>
+              <a:t>points</a:t>
+            </a:r>
+          </a:p>
+          <a:p>
+            <a:r>
+              <a:rPr lang="en-US" dirty="0" smtClean="0"/>
+              <a:t>points </a:t>
+            </a:r>
+            <a:r>
+              <a:rPr lang="en-US" b="1" dirty="0">
+                <a:solidFill>
+                  <a:srgbClr val="0000FF"/>
+                </a:solidFill>
+              </a:rPr>
+              <a:t>within a radius</a:t>
+            </a:r>
+            <a:r>
+              <a:rPr lang="en-US" dirty="0" smtClean="0"/>
+              <a:t>.</a:t>
+            </a:r>
+          </a:p>
+          <a:p>
+            <a:pPr marL="0" indent="0">
+              <a:buNone/>
+            </a:pPr>
+            <a:r>
+              <a:rPr lang="en-US" dirty="0" smtClean="0"/>
+              <a:t/>
+            </a:r>
+            <a:br>
+              <a:rPr lang="en-US" dirty="0" smtClean="0"/>
+            </a:br>
+            <a:r>
+              <a:rPr lang="en-US" dirty="0" smtClean="0"/>
+              <a:t>Storage format is </a:t>
+            </a:r>
+            <a:r>
+              <a:rPr lang="en-US" b="1" dirty="0" err="1" smtClean="0">
+                <a:solidFill>
+                  <a:srgbClr val="0000FF"/>
+                </a:solidFill>
+              </a:rPr>
+              <a:t>GeoJSON</a:t>
+            </a:r>
+            <a:r>
+              <a:rPr lang="en-US" b="1" dirty="0" smtClean="0">
+                <a:solidFill>
+                  <a:srgbClr val="0000FF"/>
+                </a:solidFill>
+              </a:rPr>
+              <a:t> </a:t>
+            </a:r>
+            <a:r>
+              <a:rPr lang="en-US" b="1" dirty="0" err="1" smtClean="0">
+                <a:solidFill>
+                  <a:srgbClr val="0000FF"/>
+                </a:solidFill>
+              </a:rPr>
+              <a:t>geometary</a:t>
+            </a:r>
+            <a:r>
+              <a:rPr lang="en-US" b="1" dirty="0" smtClean="0">
+                <a:solidFill>
+                  <a:srgbClr val="0000FF"/>
+                </a:solidFill>
+              </a:rPr>
+              <a:t> </a:t>
+            </a:r>
+            <a:r>
+              <a:rPr lang="en-US" dirty="0" smtClean="0"/>
+              <a:t>objects</a:t>
+            </a:r>
+          </a:p>
+          <a:p>
+            <a:pPr marL="0" indent="0">
+              <a:buNone/>
+            </a:pPr>
+            <a:r>
+              <a:rPr lang="en-US" dirty="0" smtClean="0"/>
+              <a:t/>
+            </a:r>
+            <a:br>
+              <a:rPr lang="en-US" dirty="0" smtClean="0"/>
+            </a:br>
+            <a:r>
+              <a:rPr lang="en-US" dirty="0" err="1" smtClean="0"/>
+              <a:t>AeroCircle</a:t>
+            </a:r>
+            <a:r>
+              <a:rPr lang="en-US" dirty="0" smtClean="0"/>
+              <a:t> </a:t>
+            </a:r>
+            <a:r>
+              <a:rPr lang="en-US" dirty="0"/>
+              <a:t>data type extends the </a:t>
+            </a:r>
+            <a:r>
+              <a:rPr lang="en-US" dirty="0" err="1"/>
+              <a:t>GeoJSON</a:t>
+            </a:r>
+            <a:r>
+              <a:rPr lang="en-US" dirty="0"/>
+              <a:t> format to store </a:t>
+            </a:r>
+            <a:r>
+              <a:rPr lang="en-US" dirty="0" smtClean="0"/>
+              <a:t>circles</a:t>
+            </a:r>
+          </a:p>
+          <a:p>
+            <a:pPr marL="0" indent="0">
+              <a:buNone/>
+            </a:pPr>
+            <a:r>
+              <a:rPr lang="en-US" dirty="0" smtClean="0"/>
+              <a:t/>
+            </a:r>
+            <a:br>
+              <a:rPr lang="en-US" dirty="0" smtClean="0"/>
+            </a:br>
+            <a:r>
+              <a:rPr lang="en-US" dirty="0" err="1" smtClean="0"/>
+              <a:t>GeoJSON</a:t>
+            </a:r>
+            <a:r>
+              <a:rPr lang="en-US" dirty="0" smtClean="0"/>
+              <a:t> </a:t>
+            </a:r>
+            <a:r>
+              <a:rPr lang="en-US" dirty="0"/>
+              <a:t>geospatial data </a:t>
+            </a:r>
+            <a:r>
+              <a:rPr lang="en-US" dirty="0" smtClean="0"/>
+              <a:t>type </a:t>
+            </a:r>
+          </a:p>
+          <a:p>
+            <a:pPr marL="0" indent="0">
+              <a:buNone/>
+            </a:pPr>
+            <a:endParaRPr lang="en-US" dirty="0"/>
+          </a:p>
+        </p:txBody>
+      </p:sp>
+    </p:spTree>
+    <p:extLst>
+      <p:ext uri="{BB962C8B-B14F-4D97-AF65-F5344CB8AC3E}">
+        <p14:creationId xmlns:p14="http://schemas.microsoft.com/office/powerpoint/2010/main" val="28285944"/>
+      </p:ext>
+    </p:extLst>
+  </p:cSld>
+  <p:clrMapOvr>
+    <a:masterClrMapping/>
+  </p:clrMapOvr>
+  <p:timing>
+    <p:tnLst>
+      <p:par>
+        <p:cTn id="1" dur="indefinite" restart="never" nodeType="tmRoot"/>
+      </p:par>
+    </p:tnLst>
+  </p:timing>
 </p:sld>
 </file>
 
@@ -11526,9 +10310,14 @@
           <a:lstStyle/>
           <a:p>
             <a:r>
-              <a:rPr lang="en-US" b="0" dirty="0"/>
-              <a:t>Aerospike Geospatial</a:t>
-            </a:r>
+              <a:rPr lang="en-US" dirty="0" err="1" smtClean="0"/>
+              <a:t>GeoJSON</a:t>
+            </a:r>
+            <a:r>
+              <a:rPr lang="en-US" dirty="0" smtClean="0"/>
+              <a:t> – quick overview</a:t>
+            </a:r>
+            <a:endParaRPr lang="en-US" dirty="0"/>
           </a:p>
         </p:txBody>
       </p:sp>
@@ -11542,211 +10331,1475 @@
             <p:ph type="body" sz="quarter" idx="15"/>
           </p:nvPr>
         </p:nvSpPr>
-        <p:spPr/>
+        <p:spPr>
+          <a:xfrm>
+            <a:off x="273084" y="1231330"/>
+            <a:ext cx="2711416" cy="5049397"/>
+          </a:xfrm>
+        </p:spPr>
         <p:txBody>
           <a:bodyPr>
-            <a:normAutofit/>
+            <a:normAutofit lnSpcReduction="10000"/>
           </a:bodyPr>
           <a:lstStyle/>
           <a:p>
-            <a:pPr marL="0" indent="0">
-              <a:buNone/>
-            </a:pPr>
-            <a:r>
-              <a:rPr lang="en-US" dirty="0"/>
-              <a:t>Aerospike </a:t>
-            </a:r>
-            <a:r>
-              <a:rPr lang="en-US" dirty="0" smtClean="0"/>
-              <a:t>provides geospatial storage and indexing to </a:t>
-            </a:r>
-            <a:r>
-              <a:rPr lang="en-US" dirty="0"/>
-              <a:t>enable fast queries </a:t>
-            </a:r>
-            <a:r>
-              <a:rPr lang="en-US" dirty="0" smtClean="0"/>
-              <a:t>on: </a:t>
-            </a:r>
-          </a:p>
-          <a:p>
-            <a:r>
-              <a:rPr lang="en-US" dirty="0" smtClean="0"/>
-              <a:t>points </a:t>
-            </a:r>
-            <a:r>
-              <a:rPr lang="en-US" b="1" dirty="0">
-                <a:solidFill>
-                  <a:srgbClr val="0000FF"/>
-                </a:solidFill>
-              </a:rPr>
-              <a:t>within a </a:t>
-            </a:r>
-            <a:r>
-              <a:rPr lang="en-US" b="1" dirty="0" smtClean="0">
-                <a:solidFill>
-                  <a:srgbClr val="0000FF"/>
-                </a:solidFill>
-              </a:rPr>
-              <a:t>region</a:t>
-            </a:r>
-          </a:p>
-          <a:p>
-            <a:r>
-              <a:rPr lang="en-US" dirty="0" smtClean="0"/>
-              <a:t>a </a:t>
-            </a:r>
-            <a:r>
-              <a:rPr lang="en-US" b="1" dirty="0">
-                <a:solidFill>
-                  <a:srgbClr val="0000FF"/>
-                </a:solidFill>
-              </a:rPr>
-              <a:t>region containing </a:t>
-            </a:r>
-            <a:r>
-              <a:rPr lang="en-US" dirty="0" smtClean="0"/>
-              <a:t>points</a:t>
-            </a:r>
-          </a:p>
-          <a:p>
-            <a:r>
-              <a:rPr lang="en-US" dirty="0" smtClean="0"/>
-              <a:t>points </a:t>
-            </a:r>
-            <a:r>
-              <a:rPr lang="en-US" b="1" dirty="0">
-                <a:solidFill>
-                  <a:srgbClr val="0000FF"/>
-                </a:solidFill>
-              </a:rPr>
-              <a:t>within a radius</a:t>
-            </a:r>
-            <a:r>
-              <a:rPr lang="en-US" dirty="0" smtClean="0"/>
-              <a:t>.</a:t>
-            </a:r>
-          </a:p>
-          <a:p>
-            <a:pPr marL="0" indent="0">
-              <a:buNone/>
-            </a:pPr>
-            <a:r>
-              <a:rPr lang="en-US" dirty="0" smtClean="0"/>
+            <a:r>
+              <a:rPr lang="en-US" dirty="0" smtClean="0"/>
+              <a:t>Point</a:t>
+            </a:r>
+            <a:endParaRPr lang="en-US" dirty="0"/>
+          </a:p>
+          <a:p>
+            <a:r>
+              <a:rPr lang="en-US" dirty="0" err="1" smtClean="0"/>
+              <a:t>LineString</a:t>
+            </a:r>
+            <a:r>
+              <a:rPr lang="en-US" dirty="0" smtClean="0"/>
+              <a:t> (line)</a:t>
+            </a:r>
+            <a:endParaRPr lang="en-US" dirty="0"/>
+          </a:p>
+          <a:p>
+            <a:r>
+              <a:rPr lang="en-US" dirty="0" smtClean="0"/>
+              <a:t>Polygon</a:t>
+            </a:r>
+          </a:p>
+          <a:p>
+            <a:pPr lvl="1"/>
+            <a:r>
+              <a:rPr lang="en-US" dirty="0" smtClean="0"/>
+              <a:t>Holes – </a:t>
+            </a:r>
+            <a:r>
+              <a:rPr lang="en-US" sz="1400" dirty="0" smtClean="0"/>
+              <a:t>(not supported by Aerospike)</a:t>
+            </a:r>
+            <a:r>
+              <a:rPr lang="en-US" sz="1400" dirty="0" smtClean="0"/>
               <a:t/>
             </a:r>
             <a:br>
-              <a:rPr lang="en-US" dirty="0" smtClean="0"/>
+              <a:rPr lang="en-US" sz="1400" dirty="0" smtClean="0"/>
             </a:br>
             <a:r>
               <a:rPr lang="en-US" dirty="0" smtClean="0"/>
-              <a:t>Storage format is </a:t>
-            </a:r>
-            <a:r>
-              <a:rPr lang="en-US" b="1" dirty="0" err="1" smtClean="0">
-                <a:solidFill>
-                  <a:srgbClr val="0000FF"/>
-                </a:solidFill>
-              </a:rPr>
-              <a:t>GeoJSON</a:t>
-            </a:r>
-            <a:r>
-              <a:rPr lang="en-US" b="1" dirty="0" smtClean="0">
-                <a:solidFill>
-                  <a:srgbClr val="0000FF"/>
+              <a:t/>
+            </a:r>
+            <a:br>
+              <a:rPr lang="en-US" dirty="0" smtClean="0"/>
+            </a:br>
+            <a:r>
+              <a:rPr lang="en-US" dirty="0" smtClean="0"/>
+              <a:t/>
+            </a:r>
+            <a:br>
+              <a:rPr lang="en-US" dirty="0" smtClean="0"/>
+            </a:br>
+            <a:r>
+              <a:rPr lang="en-US" dirty="0" smtClean="0"/>
+              <a:t/>
+            </a:r>
+            <a:br>
+              <a:rPr lang="en-US" dirty="0" smtClean="0"/>
+            </a:br>
+            <a:endParaRPr lang="en-US" dirty="0" smtClean="0"/>
+          </a:p>
+          <a:p>
+            <a:r>
+              <a:rPr lang="en-US" dirty="0" smtClean="0"/>
+              <a:t>Feature</a:t>
+            </a:r>
+          </a:p>
+          <a:p>
+            <a:pPr lvl="1"/>
+            <a:r>
+              <a:rPr lang="en-US" dirty="0" smtClean="0"/>
+              <a:t>Geometries - </a:t>
+            </a:r>
+            <a:r>
+              <a:rPr lang="en-US" dirty="0" smtClean="0"/>
+              <a:t>Points, </a:t>
+            </a:r>
+            <a:r>
+              <a:rPr lang="en-US" dirty="0" err="1" smtClean="0"/>
+              <a:t>LineStrings</a:t>
+            </a:r>
+            <a:r>
+              <a:rPr lang="en-US" dirty="0" smtClean="0"/>
+              <a:t>, Polygons</a:t>
+            </a:r>
+            <a:endParaRPr lang="en-US" dirty="0" smtClean="0"/>
+          </a:p>
+          <a:p>
+            <a:pPr lvl="1"/>
+            <a:r>
+              <a:rPr lang="en-US" dirty="0" smtClean="0"/>
+              <a:t>Properties – data about the feature</a:t>
+            </a:r>
+            <a:r>
+              <a:rPr lang="en-US" dirty="0" smtClean="0"/>
+              <a:t/>
+            </a:r>
+            <a:br>
+              <a:rPr lang="en-US" dirty="0" smtClean="0"/>
+            </a:br>
+            <a:endParaRPr lang="en-US" dirty="0" smtClean="0"/>
+          </a:p>
+        </p:txBody>
+      </p:sp>
+      <p:sp>
+        <p:nvSpPr>
+          <p:cNvPr id="5" name="Rectangle 4"/>
+          <p:cNvSpPr/>
+          <p:nvPr/>
+        </p:nvSpPr>
+        <p:spPr>
+          <a:xfrm>
+            <a:off x="3159659" y="1323907"/>
+            <a:ext cx="4572000" cy="276999"/>
+          </a:xfrm>
+          <a:prstGeom prst="rect">
+            <a:avLst/>
+          </a:prstGeom>
+          <a:ln>
+            <a:solidFill>
+              <a:schemeClr val="accent1"/>
+            </a:solidFill>
+          </a:ln>
+        </p:spPr>
+        <p:txBody>
+          <a:bodyPr wrap="square">
+            <a:spAutoFit/>
+          </a:bodyPr>
+          <a:lstStyle/>
+          <a:p>
+            <a:r>
+              <a:rPr lang="en-US" sz="1200"/>
+              <a:t>{</a:t>
+            </a:r>
+            <a:r>
+              <a:rPr lang="en-US" sz="1200">
+                <a:solidFill>
+                  <a:srgbClr val="BBBBBB"/>
                 </a:solidFill>
               </a:rPr>
               <a:t> </a:t>
             </a:r>
             <a:r>
-              <a:rPr lang="en-US" b="1" dirty="0" err="1" smtClean="0">
-                <a:solidFill>
-                  <a:srgbClr val="0000FF"/>
-                </a:solidFill>
-              </a:rPr>
-              <a:t>geometary</a:t>
-            </a:r>
-            <a:r>
-              <a:rPr lang="en-US" b="1" dirty="0" smtClean="0">
-                <a:solidFill>
-                  <a:srgbClr val="0000FF"/>
+              <a:rPr lang="en-US" sz="1200">
+                <a:solidFill>
+                  <a:srgbClr val="007000"/>
+                </a:solidFill>
+              </a:rPr>
+              <a:t>"type"</a:t>
+            </a:r>
+            <a:r>
+              <a:rPr lang="en-US" sz="1200"/>
+              <a:t>:</a:t>
+            </a:r>
+            <a:r>
+              <a:rPr lang="en-US" sz="1200">
+                <a:solidFill>
+                  <a:srgbClr val="BBBBBB"/>
                 </a:solidFill>
               </a:rPr>
               <a:t> </a:t>
             </a:r>
             <a:r>
-              <a:rPr lang="en-US" dirty="0" smtClean="0"/>
-              <a:t>objects</a:t>
-            </a:r>
-          </a:p>
-          <a:p>
-            <a:pPr marL="0" indent="0">
-              <a:buNone/>
-            </a:pPr>
-            <a:r>
-              <a:rPr lang="en-US" dirty="0" smtClean="0"/>
-              <a:t/>
-            </a:r>
-            <a:br>
-              <a:rPr lang="en-US" dirty="0" smtClean="0"/>
-            </a:br>
-            <a:r>
-              <a:rPr lang="en-US" dirty="0" err="1" smtClean="0"/>
-              <a:t>AeroCircle</a:t>
-            </a:r>
-            <a:r>
-              <a:rPr lang="en-US" dirty="0" smtClean="0"/>
+              <a:rPr lang="en-US" sz="1200">
+                <a:solidFill>
+                  <a:srgbClr val="6000E0"/>
+                </a:solidFill>
+              </a:rPr>
+              <a:t>"Point"</a:t>
+            </a:r>
+            <a:r>
+              <a:rPr lang="en-US" sz="1200"/>
+              <a:t>,</a:t>
+            </a:r>
+            <a:r>
+              <a:rPr lang="en-US" sz="1200">
+                <a:solidFill>
+                  <a:srgbClr val="BBBBBB"/>
+                </a:solidFill>
+              </a:rPr>
               <a:t> </a:t>
             </a:r>
             <a:r>
-              <a:rPr lang="en-US" dirty="0"/>
-              <a:t>data type extends the </a:t>
-            </a:r>
-            <a:r>
-              <a:rPr lang="en-US" dirty="0" err="1"/>
-              <a:t>GeoJSON</a:t>
-            </a:r>
-            <a:r>
-              <a:rPr lang="en-US" dirty="0"/>
-              <a:t> format to store </a:t>
-            </a:r>
-            <a:r>
-              <a:rPr lang="en-US" dirty="0" smtClean="0"/>
-              <a:t>circles</a:t>
-            </a:r>
-          </a:p>
-          <a:p>
-            <a:pPr marL="0" indent="0">
-              <a:buNone/>
-            </a:pPr>
-            <a:r>
-              <a:rPr lang="en-US" dirty="0" smtClean="0"/>
-              <a:t/>
-            </a:r>
-            <a:br>
-              <a:rPr lang="en-US" dirty="0" smtClean="0"/>
-            </a:br>
-            <a:r>
-              <a:rPr lang="en-US" dirty="0" err="1" smtClean="0"/>
-              <a:t>GeoJSON</a:t>
-            </a:r>
-            <a:r>
-              <a:rPr lang="en-US" dirty="0" smtClean="0"/>
+              <a:rPr lang="en-US" sz="1200">
+                <a:solidFill>
+                  <a:srgbClr val="007000"/>
+                </a:solidFill>
+              </a:rPr>
+              <a:t>"coordinates"</a:t>
+            </a:r>
+            <a:r>
+              <a:rPr lang="en-US" sz="1200"/>
+              <a:t>:</a:t>
+            </a:r>
+            <a:r>
+              <a:rPr lang="en-US" sz="1200">
+                <a:solidFill>
+                  <a:srgbClr val="BBBBBB"/>
+                </a:solidFill>
+              </a:rPr>
               <a:t> </a:t>
             </a:r>
             <a:r>
-              <a:rPr lang="en-US" dirty="0"/>
-              <a:t>geospatial data </a:t>
-            </a:r>
-            <a:r>
-              <a:rPr lang="en-US" dirty="0" smtClean="0"/>
-              <a:t>type </a:t>
-            </a:r>
-          </a:p>
-          <a:p>
-            <a:pPr marL="0" indent="0">
-              <a:buNone/>
-            </a:pPr>
+              <a:rPr lang="en-US" sz="1200"/>
+              <a:t>[</a:t>
+            </a:r>
+            <a:r>
+              <a:rPr lang="en-US" sz="1200">
+                <a:solidFill>
+                  <a:srgbClr val="6000E0"/>
+                </a:solidFill>
+              </a:rPr>
+              <a:t>0</a:t>
+            </a:r>
+            <a:r>
+              <a:rPr lang="en-US" sz="1200"/>
+              <a:t>,</a:t>
+            </a:r>
+            <a:r>
+              <a:rPr lang="en-US" sz="1200">
+                <a:solidFill>
+                  <a:srgbClr val="BBBBBB"/>
+                </a:solidFill>
+              </a:rPr>
+              <a:t> </a:t>
+            </a:r>
+            <a:r>
+              <a:rPr lang="en-US" sz="1200">
+                <a:solidFill>
+                  <a:srgbClr val="6000E0"/>
+                </a:solidFill>
+              </a:rPr>
+              <a:t>0</a:t>
+            </a:r>
+            <a:r>
+              <a:rPr lang="en-US" sz="1200"/>
+              <a:t>]</a:t>
+            </a:r>
+            <a:r>
+              <a:rPr lang="en-US" sz="1200">
+                <a:solidFill>
+                  <a:srgbClr val="BBBBBB"/>
+                </a:solidFill>
+              </a:rPr>
+              <a:t> </a:t>
+            </a:r>
+            <a:r>
+              <a:rPr lang="en-US" sz="1200"/>
+              <a:t>}</a:t>
+            </a:r>
+          </a:p>
+        </p:txBody>
+      </p:sp>
+      <p:sp>
+        <p:nvSpPr>
+          <p:cNvPr id="6" name="Rectangle 5"/>
+          <p:cNvSpPr/>
+          <p:nvPr/>
+        </p:nvSpPr>
+        <p:spPr>
+          <a:xfrm>
+            <a:off x="3159660" y="1790422"/>
+            <a:ext cx="4572000" cy="276999"/>
+          </a:xfrm>
+          <a:prstGeom prst="rect">
+            <a:avLst/>
+          </a:prstGeom>
+          <a:ln>
+            <a:solidFill>
+              <a:schemeClr val="accent1"/>
+            </a:solidFill>
+          </a:ln>
+        </p:spPr>
+        <p:txBody>
+          <a:bodyPr wrap="square">
+            <a:spAutoFit/>
+          </a:bodyPr>
+          <a:lstStyle/>
+          <a:p>
+            <a:r>
+              <a:rPr lang="en-US" sz="1200" dirty="0"/>
+              <a:t>{</a:t>
+            </a:r>
+            <a:r>
+              <a:rPr lang="en-US" sz="1200" dirty="0">
+                <a:solidFill>
+                  <a:srgbClr val="BBBBBB"/>
+                </a:solidFill>
+              </a:rPr>
+              <a:t> </a:t>
+            </a:r>
+            <a:r>
+              <a:rPr lang="en-US" sz="1200" dirty="0">
+                <a:solidFill>
+                  <a:srgbClr val="007000"/>
+                </a:solidFill>
+              </a:rPr>
+              <a:t>"type"</a:t>
+            </a:r>
+            <a:r>
+              <a:rPr lang="en-US" sz="1200" dirty="0"/>
+              <a:t>:</a:t>
+            </a:r>
+            <a:r>
+              <a:rPr lang="en-US" sz="1200" dirty="0">
+                <a:solidFill>
+                  <a:srgbClr val="BBBBBB"/>
+                </a:solidFill>
+              </a:rPr>
+              <a:t> </a:t>
+            </a:r>
+            <a:r>
+              <a:rPr lang="en-US" sz="1200" dirty="0">
+                <a:solidFill>
+                  <a:srgbClr val="6000E0"/>
+                </a:solidFill>
+              </a:rPr>
+              <a:t>"</a:t>
+            </a:r>
+            <a:r>
+              <a:rPr lang="en-US" sz="1200" dirty="0" err="1">
+                <a:solidFill>
+                  <a:srgbClr val="6000E0"/>
+                </a:solidFill>
+              </a:rPr>
+              <a:t>LineString</a:t>
+            </a:r>
+            <a:r>
+              <a:rPr lang="en-US" sz="1200" dirty="0">
+                <a:solidFill>
+                  <a:srgbClr val="6000E0"/>
+                </a:solidFill>
+              </a:rPr>
+              <a:t>"</a:t>
+            </a:r>
+            <a:r>
+              <a:rPr lang="en-US" sz="1200" dirty="0"/>
+              <a:t>,</a:t>
+            </a:r>
+            <a:r>
+              <a:rPr lang="en-US" sz="1200" dirty="0">
+                <a:solidFill>
+                  <a:srgbClr val="BBBBBB"/>
+                </a:solidFill>
+              </a:rPr>
+              <a:t> </a:t>
+            </a:r>
+            <a:r>
+              <a:rPr lang="en-US" sz="1200" dirty="0">
+                <a:solidFill>
+                  <a:srgbClr val="007000"/>
+                </a:solidFill>
+              </a:rPr>
+              <a:t>"coordinates"</a:t>
+            </a:r>
+            <a:r>
+              <a:rPr lang="en-US" sz="1200" dirty="0"/>
+              <a:t>:</a:t>
+            </a:r>
+            <a:r>
+              <a:rPr lang="en-US" sz="1200" dirty="0">
+                <a:solidFill>
+                  <a:srgbClr val="BBBBBB"/>
+                </a:solidFill>
+              </a:rPr>
+              <a:t> </a:t>
+            </a:r>
+            <a:r>
+              <a:rPr lang="en-US" sz="1200" dirty="0"/>
+              <a:t>[[</a:t>
+            </a:r>
+            <a:r>
+              <a:rPr lang="en-US" sz="1200" dirty="0">
+                <a:solidFill>
+                  <a:srgbClr val="6000E0"/>
+                </a:solidFill>
+              </a:rPr>
+              <a:t>0</a:t>
+            </a:r>
+            <a:r>
+              <a:rPr lang="en-US" sz="1200" dirty="0"/>
+              <a:t>,</a:t>
+            </a:r>
+            <a:r>
+              <a:rPr lang="en-US" sz="1200" dirty="0">
+                <a:solidFill>
+                  <a:srgbClr val="BBBBBB"/>
+                </a:solidFill>
+              </a:rPr>
+              <a:t> </a:t>
+            </a:r>
+            <a:r>
+              <a:rPr lang="en-US" sz="1200" dirty="0">
+                <a:solidFill>
+                  <a:srgbClr val="6000E0"/>
+                </a:solidFill>
+              </a:rPr>
+              <a:t>0</a:t>
+            </a:r>
+            <a:r>
+              <a:rPr lang="en-US" sz="1200" dirty="0"/>
+              <a:t>],</a:t>
+            </a:r>
+            <a:r>
+              <a:rPr lang="en-US" sz="1200" dirty="0">
+                <a:solidFill>
+                  <a:srgbClr val="BBBBBB"/>
+                </a:solidFill>
+              </a:rPr>
+              <a:t> </a:t>
+            </a:r>
+            <a:r>
+              <a:rPr lang="en-US" sz="1200" dirty="0"/>
+              <a:t>[</a:t>
+            </a:r>
+            <a:r>
+              <a:rPr lang="en-US" sz="1200" dirty="0">
+                <a:solidFill>
+                  <a:srgbClr val="6000E0"/>
+                </a:solidFill>
+              </a:rPr>
+              <a:t>10</a:t>
+            </a:r>
+            <a:r>
+              <a:rPr lang="en-US" sz="1200" dirty="0"/>
+              <a:t>,</a:t>
+            </a:r>
+            <a:r>
+              <a:rPr lang="en-US" sz="1200" dirty="0">
+                <a:solidFill>
+                  <a:srgbClr val="BBBBBB"/>
+                </a:solidFill>
+              </a:rPr>
+              <a:t> </a:t>
+            </a:r>
+            <a:r>
+              <a:rPr lang="en-US" sz="1200" dirty="0">
+                <a:solidFill>
+                  <a:srgbClr val="6000E0"/>
+                </a:solidFill>
+              </a:rPr>
+              <a:t>10</a:t>
+            </a:r>
+            <a:r>
+              <a:rPr lang="en-US" sz="1200" dirty="0"/>
+              <a:t>]]</a:t>
+            </a:r>
+            <a:r>
+              <a:rPr lang="en-US" sz="1200" dirty="0">
+                <a:solidFill>
+                  <a:srgbClr val="BBBBBB"/>
+                </a:solidFill>
+              </a:rPr>
+              <a:t> </a:t>
+            </a:r>
+            <a:r>
+              <a:rPr lang="en-US" sz="1200" dirty="0"/>
+              <a:t>}</a:t>
+            </a:r>
+          </a:p>
+        </p:txBody>
+      </p:sp>
+      <p:sp>
+        <p:nvSpPr>
+          <p:cNvPr id="7" name="Rectangle 6"/>
+          <p:cNvSpPr/>
+          <p:nvPr/>
+        </p:nvSpPr>
+        <p:spPr>
+          <a:xfrm>
+            <a:off x="3159659" y="2320515"/>
+            <a:ext cx="4572000" cy="1569660"/>
+          </a:xfrm>
+          <a:prstGeom prst="rect">
+            <a:avLst/>
+          </a:prstGeom>
+          <a:ln>
+            <a:solidFill>
+              <a:schemeClr val="accent1"/>
+            </a:solidFill>
+          </a:ln>
+        </p:spPr>
+        <p:txBody>
+          <a:bodyPr>
+            <a:spAutoFit/>
+          </a:bodyPr>
+          <a:lstStyle/>
+          <a:p>
+            <a:r>
+              <a:rPr lang="en-US" sz="1200" dirty="0"/>
+              <a:t>{</a:t>
+            </a:r>
+            <a:r>
+              <a:rPr lang="en-US" sz="1200" dirty="0">
+                <a:solidFill>
+                  <a:srgbClr val="BBBBBB"/>
+                </a:solidFill>
+              </a:rPr>
+              <a:t> </a:t>
+            </a:r>
+            <a:endParaRPr lang="en-US" sz="1200" dirty="0" smtClean="0">
+              <a:solidFill>
+                <a:srgbClr val="BBBBBB"/>
+              </a:solidFill>
+            </a:endParaRPr>
+          </a:p>
+          <a:p>
+            <a:r>
+              <a:rPr lang="en-US" sz="1200" dirty="0">
+                <a:solidFill>
+                  <a:srgbClr val="BBBBBB"/>
+                </a:solidFill>
+              </a:rPr>
+              <a:t>	</a:t>
+            </a:r>
+            <a:r>
+              <a:rPr lang="en-US" sz="1200" dirty="0" smtClean="0">
+                <a:solidFill>
+                  <a:srgbClr val="007000"/>
+                </a:solidFill>
+              </a:rPr>
+              <a:t>"</a:t>
+            </a:r>
+            <a:r>
+              <a:rPr lang="en-US" sz="1200" dirty="0">
+                <a:solidFill>
+                  <a:srgbClr val="007000"/>
+                </a:solidFill>
+              </a:rPr>
+              <a:t>type"</a:t>
+            </a:r>
+            <a:r>
+              <a:rPr lang="en-US" sz="1200" dirty="0"/>
+              <a:t>:</a:t>
+            </a:r>
+            <a:r>
+              <a:rPr lang="en-US" sz="1200" dirty="0">
+                <a:solidFill>
+                  <a:srgbClr val="BBBBBB"/>
+                </a:solidFill>
+              </a:rPr>
+              <a:t> </a:t>
+            </a:r>
+            <a:r>
+              <a:rPr lang="en-US" sz="1200" dirty="0">
+                <a:solidFill>
+                  <a:srgbClr val="6000E0"/>
+                </a:solidFill>
+              </a:rPr>
+              <a:t>"Polygon"</a:t>
+            </a:r>
+            <a:r>
+              <a:rPr lang="en-US" sz="1200" dirty="0"/>
+              <a:t>,</a:t>
+            </a:r>
+            <a:r>
+              <a:rPr lang="en-US" sz="1200" dirty="0">
+                <a:solidFill>
+                  <a:srgbClr val="BBBBBB"/>
+                </a:solidFill>
+              </a:rPr>
+              <a:t> </a:t>
+            </a:r>
+            <a:endParaRPr lang="en-US" sz="1200" dirty="0" smtClean="0">
+              <a:solidFill>
+                <a:srgbClr val="BBBBBB"/>
+              </a:solidFill>
+            </a:endParaRPr>
+          </a:p>
+          <a:p>
+            <a:r>
+              <a:rPr lang="en-US" sz="1200" dirty="0" smtClean="0">
+                <a:solidFill>
+                  <a:srgbClr val="007000"/>
+                </a:solidFill>
+              </a:rPr>
+              <a:t>	"</a:t>
+            </a:r>
+            <a:r>
+              <a:rPr lang="en-US" sz="1200" dirty="0">
+                <a:solidFill>
+                  <a:srgbClr val="007000"/>
+                </a:solidFill>
+              </a:rPr>
+              <a:t>coordinates"</a:t>
+            </a:r>
+            <a:r>
+              <a:rPr lang="en-US" sz="1200" dirty="0"/>
+              <a:t>:</a:t>
+            </a:r>
+            <a:r>
+              <a:rPr lang="en-US" sz="1200" dirty="0">
+                <a:solidFill>
+                  <a:srgbClr val="BBBBBB"/>
+                </a:solidFill>
+              </a:rPr>
+              <a:t> </a:t>
+            </a:r>
+            <a:r>
+              <a:rPr lang="en-US" sz="1200" dirty="0"/>
+              <a:t>[</a:t>
+            </a:r>
+            <a:r>
+              <a:rPr lang="en-US" sz="1200" dirty="0">
+                <a:solidFill>
+                  <a:srgbClr val="BBBBBB"/>
+                </a:solidFill>
+              </a:rPr>
+              <a:t> </a:t>
+            </a:r>
+            <a:endParaRPr lang="en-US" sz="1200" dirty="0" smtClean="0">
+              <a:solidFill>
+                <a:srgbClr val="BBBBBB"/>
+              </a:solidFill>
+            </a:endParaRPr>
+          </a:p>
+          <a:p>
+            <a:r>
+              <a:rPr lang="en-US" sz="1200" dirty="0">
+                <a:solidFill>
+                  <a:srgbClr val="BBBBBB"/>
+                </a:solidFill>
+              </a:rPr>
+              <a:t>	</a:t>
+            </a:r>
+            <a:r>
+              <a:rPr lang="en-US" sz="1200" dirty="0" smtClean="0">
+                <a:solidFill>
+                  <a:srgbClr val="BBBBBB"/>
+                </a:solidFill>
+              </a:rPr>
+              <a:t>	</a:t>
+            </a:r>
+            <a:r>
+              <a:rPr lang="en-US" sz="1200" dirty="0" smtClean="0"/>
+              <a:t>[</a:t>
+            </a:r>
+          </a:p>
+          <a:p>
+            <a:r>
+              <a:rPr lang="en-US" sz="1200" dirty="0">
+                <a:solidFill>
+                  <a:srgbClr val="BBBBBB"/>
+                </a:solidFill>
+              </a:rPr>
+              <a:t>	</a:t>
+            </a:r>
+            <a:r>
+              <a:rPr lang="en-US" sz="1200" dirty="0" smtClean="0">
+                <a:solidFill>
+                  <a:srgbClr val="BBBBBB"/>
+                </a:solidFill>
+              </a:rPr>
+              <a:t>		</a:t>
+            </a:r>
+            <a:r>
+              <a:rPr lang="en-US" sz="1200" dirty="0" smtClean="0"/>
+              <a:t>[</a:t>
+            </a:r>
+            <a:r>
+              <a:rPr lang="en-US" sz="1200" dirty="0">
+                <a:solidFill>
+                  <a:srgbClr val="6000E0"/>
+                </a:solidFill>
+              </a:rPr>
+              <a:t>0</a:t>
+            </a:r>
+            <a:r>
+              <a:rPr lang="en-US" sz="1200" dirty="0"/>
+              <a:t>,</a:t>
+            </a:r>
+            <a:r>
+              <a:rPr lang="en-US" sz="1200" dirty="0">
+                <a:solidFill>
+                  <a:srgbClr val="BBBBBB"/>
+                </a:solidFill>
+              </a:rPr>
+              <a:t> </a:t>
+            </a:r>
+            <a:r>
+              <a:rPr lang="en-US" sz="1200" dirty="0">
+                <a:solidFill>
+                  <a:srgbClr val="6000E0"/>
+                </a:solidFill>
+              </a:rPr>
+              <a:t>0</a:t>
+            </a:r>
+            <a:r>
+              <a:rPr lang="en-US" sz="1200" dirty="0"/>
+              <a:t>],</a:t>
+            </a:r>
+            <a:r>
+              <a:rPr lang="en-US" sz="1200" dirty="0">
+                <a:solidFill>
+                  <a:srgbClr val="BBBBBB"/>
+                </a:solidFill>
+              </a:rPr>
+              <a:t> </a:t>
+            </a:r>
+            <a:r>
+              <a:rPr lang="en-US" sz="1200" dirty="0" smtClean="0"/>
+              <a:t>[</a:t>
+            </a:r>
+            <a:r>
+              <a:rPr lang="en-US" sz="1200" dirty="0">
+                <a:solidFill>
+                  <a:srgbClr val="6000E0"/>
+                </a:solidFill>
+              </a:rPr>
+              <a:t>10</a:t>
+            </a:r>
+            <a:r>
+              <a:rPr lang="en-US" sz="1200" dirty="0"/>
+              <a:t>,</a:t>
+            </a:r>
+            <a:r>
+              <a:rPr lang="en-US" sz="1200" dirty="0">
+                <a:solidFill>
+                  <a:srgbClr val="BBBBBB"/>
+                </a:solidFill>
+              </a:rPr>
+              <a:t> </a:t>
+            </a:r>
+            <a:r>
+              <a:rPr lang="en-US" sz="1200" dirty="0">
+                <a:solidFill>
+                  <a:srgbClr val="6000E0"/>
+                </a:solidFill>
+              </a:rPr>
+              <a:t>10</a:t>
+            </a:r>
+            <a:r>
+              <a:rPr lang="en-US" sz="1200" dirty="0"/>
+              <a:t>],</a:t>
+            </a:r>
+            <a:r>
+              <a:rPr lang="en-US" sz="1200" dirty="0">
+                <a:solidFill>
+                  <a:srgbClr val="BBBBBB"/>
+                </a:solidFill>
+              </a:rPr>
+              <a:t> </a:t>
+            </a:r>
+            <a:r>
+              <a:rPr lang="en-US" sz="1200" dirty="0" smtClean="0"/>
+              <a:t>[</a:t>
+            </a:r>
+            <a:r>
+              <a:rPr lang="en-US" sz="1200" dirty="0">
+                <a:solidFill>
+                  <a:srgbClr val="6000E0"/>
+                </a:solidFill>
+              </a:rPr>
+              <a:t>10</a:t>
+            </a:r>
+            <a:r>
+              <a:rPr lang="en-US" sz="1200" dirty="0"/>
+              <a:t>,</a:t>
+            </a:r>
+            <a:r>
+              <a:rPr lang="en-US" sz="1200" dirty="0">
+                <a:solidFill>
+                  <a:srgbClr val="BBBBBB"/>
+                </a:solidFill>
+              </a:rPr>
+              <a:t> </a:t>
+            </a:r>
+            <a:r>
+              <a:rPr lang="en-US" sz="1200" dirty="0">
+                <a:solidFill>
+                  <a:srgbClr val="6000E0"/>
+                </a:solidFill>
+              </a:rPr>
+              <a:t>0</a:t>
+            </a:r>
+            <a:r>
+              <a:rPr lang="en-US" sz="1200" dirty="0"/>
+              <a:t>],</a:t>
+            </a:r>
+            <a:r>
+              <a:rPr lang="en-US" sz="1200" dirty="0">
+                <a:solidFill>
+                  <a:srgbClr val="BBBBBB"/>
+                </a:solidFill>
+              </a:rPr>
+              <a:t> </a:t>
+            </a:r>
+            <a:r>
+              <a:rPr lang="en-US" sz="1200" dirty="0" smtClean="0"/>
+              <a:t>[</a:t>
+            </a:r>
+            <a:r>
+              <a:rPr lang="en-US" sz="1200" dirty="0">
+                <a:solidFill>
+                  <a:srgbClr val="6000E0"/>
+                </a:solidFill>
+              </a:rPr>
+              <a:t>0</a:t>
+            </a:r>
+            <a:r>
+              <a:rPr lang="en-US" sz="1200" dirty="0"/>
+              <a:t>,</a:t>
+            </a:r>
+            <a:r>
+              <a:rPr lang="en-US" sz="1200" dirty="0">
+                <a:solidFill>
+                  <a:srgbClr val="BBBBBB"/>
+                </a:solidFill>
+              </a:rPr>
+              <a:t> </a:t>
+            </a:r>
+            <a:r>
+              <a:rPr lang="en-US" sz="1200" dirty="0">
+                <a:solidFill>
+                  <a:srgbClr val="6000E0"/>
+                </a:solidFill>
+              </a:rPr>
+              <a:t>0</a:t>
+            </a:r>
+            <a:r>
+              <a:rPr lang="en-US" sz="1200" dirty="0"/>
+              <a:t>]</a:t>
+            </a:r>
+            <a:r>
+              <a:rPr lang="en-US" sz="1200" dirty="0">
+                <a:solidFill>
+                  <a:srgbClr val="BBBBBB"/>
+                </a:solidFill>
+              </a:rPr>
+              <a:t> </a:t>
+            </a:r>
+            <a:endParaRPr lang="en-US" sz="1200" dirty="0" smtClean="0">
+              <a:solidFill>
+                <a:srgbClr val="BBBBBB"/>
+              </a:solidFill>
+            </a:endParaRPr>
+          </a:p>
+          <a:p>
+            <a:r>
+              <a:rPr lang="en-US" sz="1200" dirty="0">
+                <a:solidFill>
+                  <a:srgbClr val="BBBBBB"/>
+                </a:solidFill>
+              </a:rPr>
+              <a:t>	</a:t>
+            </a:r>
+            <a:r>
+              <a:rPr lang="en-US" sz="1200" dirty="0" smtClean="0">
+                <a:solidFill>
+                  <a:srgbClr val="BBBBBB"/>
+                </a:solidFill>
+              </a:rPr>
+              <a:t>	</a:t>
+            </a:r>
+            <a:r>
+              <a:rPr lang="en-US" sz="1200" dirty="0" smtClean="0"/>
+              <a:t>]</a:t>
+            </a:r>
+            <a:r>
+              <a:rPr lang="en-US" sz="1200" dirty="0" smtClean="0">
+                <a:solidFill>
+                  <a:srgbClr val="BBBBBB"/>
+                </a:solidFill>
+              </a:rPr>
+              <a:t> </a:t>
+            </a:r>
+          </a:p>
+          <a:p>
+            <a:r>
+              <a:rPr lang="en-US" sz="1200" dirty="0" smtClean="0"/>
+              <a:t>	]</a:t>
+            </a:r>
+            <a:r>
+              <a:rPr lang="en-US" sz="1200" dirty="0" smtClean="0">
+                <a:solidFill>
+                  <a:srgbClr val="BBBBBB"/>
+                </a:solidFill>
+              </a:rPr>
+              <a:t> </a:t>
+            </a:r>
+          </a:p>
+          <a:p>
+            <a:r>
+              <a:rPr lang="en-US" sz="1200" dirty="0" smtClean="0"/>
+              <a:t>}</a:t>
+            </a:r>
+            <a:endParaRPr lang="en-US" sz="1200" dirty="0"/>
+          </a:p>
+        </p:txBody>
+      </p:sp>
+      <p:pic>
+        <p:nvPicPr>
+          <p:cNvPr id="9" name="Picture 8"/>
+          <p:cNvPicPr>
+            <a:picLocks noChangeAspect="1"/>
+          </p:cNvPicPr>
+          <p:nvPr/>
+        </p:nvPicPr>
+        <p:blipFill>
+          <a:blip r:embed="rId3">
+            <a:extLst>
+              <a:ext uri="{28A0092B-C50C-407E-A947-70E740481C1C}">
+                <a14:useLocalDpi xmlns:a14="http://schemas.microsoft.com/office/drawing/2010/main" val="0"/>
+              </a:ext>
+            </a:extLst>
+          </a:blip>
+          <a:stretch>
+            <a:fillRect/>
+          </a:stretch>
+        </p:blipFill>
+        <p:spPr>
+          <a:xfrm>
+            <a:off x="805131" y="3187592"/>
+            <a:ext cx="1511299" cy="755650"/>
+          </a:xfrm>
+          <a:prstGeom prst="rect">
+            <a:avLst/>
+          </a:prstGeom>
+        </p:spPr>
+      </p:pic>
+      <p:sp>
+        <p:nvSpPr>
+          <p:cNvPr id="10" name="Rectangle 9"/>
+          <p:cNvSpPr/>
+          <p:nvPr/>
+        </p:nvSpPr>
+        <p:spPr>
+          <a:xfrm>
+            <a:off x="3159659" y="4143269"/>
+            <a:ext cx="4572000" cy="1938992"/>
+          </a:xfrm>
+          <a:prstGeom prst="rect">
+            <a:avLst/>
+          </a:prstGeom>
+          <a:ln>
+            <a:solidFill>
+              <a:schemeClr val="accent1"/>
+            </a:solidFill>
+          </a:ln>
+        </p:spPr>
+        <p:txBody>
+          <a:bodyPr>
+            <a:spAutoFit/>
+          </a:bodyPr>
+          <a:lstStyle/>
+          <a:p>
+            <a:r>
+              <a:rPr lang="en-US" sz="1200" dirty="0"/>
+              <a:t>{</a:t>
+            </a:r>
+            <a:r>
+              <a:rPr lang="en-US" sz="1200" dirty="0">
+                <a:solidFill>
+                  <a:srgbClr val="BBBBBB"/>
+                </a:solidFill>
+              </a:rPr>
+              <a:t> </a:t>
+            </a:r>
+            <a:endParaRPr lang="en-US" sz="1200" dirty="0" smtClean="0">
+              <a:solidFill>
+                <a:srgbClr val="BBBBBB"/>
+              </a:solidFill>
+            </a:endParaRPr>
+          </a:p>
+          <a:p>
+            <a:r>
+              <a:rPr lang="en-US" sz="1200" dirty="0">
+                <a:solidFill>
+                  <a:srgbClr val="BBBBBB"/>
+                </a:solidFill>
+              </a:rPr>
+              <a:t>	</a:t>
+            </a:r>
+            <a:r>
+              <a:rPr lang="en-US" sz="1200" dirty="0" smtClean="0">
+                <a:solidFill>
+                  <a:srgbClr val="007000"/>
+                </a:solidFill>
+              </a:rPr>
+              <a:t>"</a:t>
+            </a:r>
+            <a:r>
+              <a:rPr lang="en-US" sz="1200" dirty="0">
+                <a:solidFill>
+                  <a:srgbClr val="007000"/>
+                </a:solidFill>
+              </a:rPr>
+              <a:t>type"</a:t>
+            </a:r>
+            <a:r>
+              <a:rPr lang="en-US" sz="1200" dirty="0"/>
+              <a:t>:</a:t>
+            </a:r>
+            <a:r>
+              <a:rPr lang="en-US" sz="1200" dirty="0">
+                <a:solidFill>
+                  <a:srgbClr val="BBBBBB"/>
+                </a:solidFill>
+              </a:rPr>
+              <a:t> </a:t>
+            </a:r>
+            <a:r>
+              <a:rPr lang="en-US" sz="1200" dirty="0">
+                <a:solidFill>
+                  <a:srgbClr val="6000E0"/>
+                </a:solidFill>
+              </a:rPr>
+              <a:t>"Feature"</a:t>
+            </a:r>
+            <a:r>
+              <a:rPr lang="en-US" sz="1200" dirty="0"/>
+              <a:t>,</a:t>
+            </a:r>
+            <a:r>
+              <a:rPr lang="en-US" sz="1200" dirty="0">
+                <a:solidFill>
+                  <a:srgbClr val="BBBBBB"/>
+                </a:solidFill>
+              </a:rPr>
+              <a:t> </a:t>
+            </a:r>
+            <a:endParaRPr lang="en-US" sz="1200" dirty="0" smtClean="0">
+              <a:solidFill>
+                <a:srgbClr val="BBBBBB"/>
+              </a:solidFill>
+            </a:endParaRPr>
+          </a:p>
+          <a:p>
+            <a:r>
+              <a:rPr lang="en-US" sz="1200" dirty="0">
+                <a:solidFill>
+                  <a:srgbClr val="BBBBBB"/>
+                </a:solidFill>
+              </a:rPr>
+              <a:t>	</a:t>
+            </a:r>
+            <a:r>
+              <a:rPr lang="en-US" sz="1200" dirty="0" smtClean="0">
+                <a:solidFill>
+                  <a:srgbClr val="007000"/>
+                </a:solidFill>
+              </a:rPr>
+              <a:t>"</a:t>
+            </a:r>
+            <a:r>
+              <a:rPr lang="en-US" sz="1200" dirty="0">
+                <a:solidFill>
+                  <a:srgbClr val="007000"/>
+                </a:solidFill>
+              </a:rPr>
+              <a:t>geometry"</a:t>
+            </a:r>
+            <a:r>
+              <a:rPr lang="en-US" sz="1200" dirty="0"/>
+              <a:t>:</a:t>
+            </a:r>
+            <a:r>
+              <a:rPr lang="en-US" sz="1200" dirty="0">
+                <a:solidFill>
+                  <a:srgbClr val="BBBBBB"/>
+                </a:solidFill>
+              </a:rPr>
+              <a:t> </a:t>
+            </a:r>
+            <a:r>
+              <a:rPr lang="en-US" sz="1200" dirty="0"/>
+              <a:t>{</a:t>
+            </a:r>
+            <a:r>
+              <a:rPr lang="en-US" sz="1200" dirty="0">
+                <a:solidFill>
+                  <a:srgbClr val="BBBBBB"/>
+                </a:solidFill>
+              </a:rPr>
+              <a:t> </a:t>
+            </a:r>
+            <a:endParaRPr lang="en-US" sz="1200" dirty="0" smtClean="0">
+              <a:solidFill>
+                <a:srgbClr val="BBBBBB"/>
+              </a:solidFill>
+            </a:endParaRPr>
+          </a:p>
+          <a:p>
+            <a:r>
+              <a:rPr lang="en-US" sz="1200" dirty="0">
+                <a:solidFill>
+                  <a:srgbClr val="BBBBBB"/>
+                </a:solidFill>
+              </a:rPr>
+              <a:t>	</a:t>
+            </a:r>
+            <a:r>
+              <a:rPr lang="en-US" sz="1200" dirty="0" smtClean="0">
+                <a:solidFill>
+                  <a:srgbClr val="BBBBBB"/>
+                </a:solidFill>
+              </a:rPr>
+              <a:t>	</a:t>
+            </a:r>
+            <a:r>
+              <a:rPr lang="en-US" sz="1200" dirty="0" smtClean="0">
+                <a:solidFill>
+                  <a:srgbClr val="007000"/>
+                </a:solidFill>
+              </a:rPr>
+              <a:t>"</a:t>
+            </a:r>
+            <a:r>
+              <a:rPr lang="en-US" sz="1200" dirty="0">
+                <a:solidFill>
+                  <a:srgbClr val="007000"/>
+                </a:solidFill>
+              </a:rPr>
+              <a:t>type"</a:t>
+            </a:r>
+            <a:r>
+              <a:rPr lang="en-US" sz="1200" dirty="0"/>
+              <a:t>:</a:t>
+            </a:r>
+            <a:r>
+              <a:rPr lang="en-US" sz="1200" dirty="0">
+                <a:solidFill>
+                  <a:srgbClr val="BBBBBB"/>
+                </a:solidFill>
+              </a:rPr>
+              <a:t> </a:t>
+            </a:r>
+            <a:r>
+              <a:rPr lang="en-US" sz="1200" dirty="0">
+                <a:solidFill>
+                  <a:srgbClr val="6000E0"/>
+                </a:solidFill>
+              </a:rPr>
+              <a:t>"Point"</a:t>
+            </a:r>
+            <a:r>
+              <a:rPr lang="en-US" sz="1200" dirty="0"/>
+              <a:t>,</a:t>
+            </a:r>
+            <a:r>
+              <a:rPr lang="en-US" sz="1200" dirty="0">
+                <a:solidFill>
+                  <a:srgbClr val="BBBBBB"/>
+                </a:solidFill>
+              </a:rPr>
+              <a:t> </a:t>
+            </a:r>
+            <a:endParaRPr lang="en-US" sz="1200" dirty="0" smtClean="0">
+              <a:solidFill>
+                <a:srgbClr val="BBBBBB"/>
+              </a:solidFill>
+            </a:endParaRPr>
+          </a:p>
+          <a:p>
+            <a:r>
+              <a:rPr lang="en-US" sz="1200" dirty="0">
+                <a:solidFill>
+                  <a:srgbClr val="BBBBBB"/>
+                </a:solidFill>
+              </a:rPr>
+              <a:t>	</a:t>
+            </a:r>
+            <a:r>
+              <a:rPr lang="en-US" sz="1200" dirty="0" smtClean="0">
+                <a:solidFill>
+                  <a:srgbClr val="BBBBBB"/>
+                </a:solidFill>
+              </a:rPr>
+              <a:t>	</a:t>
+            </a:r>
+            <a:r>
+              <a:rPr lang="en-US" sz="1200" dirty="0" smtClean="0">
+                <a:solidFill>
+                  <a:srgbClr val="007000"/>
+                </a:solidFill>
+              </a:rPr>
+              <a:t>"</a:t>
+            </a:r>
+            <a:r>
+              <a:rPr lang="en-US" sz="1200" dirty="0">
+                <a:solidFill>
+                  <a:srgbClr val="007000"/>
+                </a:solidFill>
+              </a:rPr>
+              <a:t>coordinates"</a:t>
+            </a:r>
+            <a:r>
+              <a:rPr lang="en-US" sz="1200" dirty="0"/>
+              <a:t>:</a:t>
+            </a:r>
+            <a:r>
+              <a:rPr lang="en-US" sz="1200" dirty="0">
+                <a:solidFill>
+                  <a:srgbClr val="BBBBBB"/>
+                </a:solidFill>
+              </a:rPr>
+              <a:t> </a:t>
+            </a:r>
+            <a:r>
+              <a:rPr lang="en-US" sz="1200" dirty="0"/>
+              <a:t>[</a:t>
+            </a:r>
+            <a:r>
+              <a:rPr lang="en-US" sz="1200" dirty="0">
+                <a:solidFill>
+                  <a:srgbClr val="6000E0"/>
+                </a:solidFill>
+              </a:rPr>
+              <a:t>0</a:t>
+            </a:r>
+            <a:r>
+              <a:rPr lang="en-US" sz="1200" dirty="0"/>
+              <a:t>,</a:t>
+            </a:r>
+            <a:r>
+              <a:rPr lang="en-US" sz="1200" dirty="0">
+                <a:solidFill>
+                  <a:srgbClr val="BBBBBB"/>
+                </a:solidFill>
+              </a:rPr>
+              <a:t> </a:t>
+            </a:r>
+            <a:r>
+              <a:rPr lang="en-US" sz="1200" dirty="0">
+                <a:solidFill>
+                  <a:srgbClr val="6000E0"/>
+                </a:solidFill>
+              </a:rPr>
+              <a:t>0</a:t>
+            </a:r>
+            <a:r>
+              <a:rPr lang="en-US" sz="1200" dirty="0"/>
+              <a:t>]</a:t>
+            </a:r>
+            <a:r>
+              <a:rPr lang="en-US" sz="1200" dirty="0">
+                <a:solidFill>
+                  <a:srgbClr val="BBBBBB"/>
+                </a:solidFill>
+              </a:rPr>
+              <a:t> </a:t>
+            </a:r>
+            <a:endParaRPr lang="en-US" sz="1200" dirty="0" smtClean="0">
+              <a:solidFill>
+                <a:srgbClr val="BBBBBB"/>
+              </a:solidFill>
+            </a:endParaRPr>
+          </a:p>
+          <a:p>
+            <a:r>
+              <a:rPr lang="en-US" sz="1200" dirty="0">
+                <a:solidFill>
+                  <a:srgbClr val="BBBBBB"/>
+                </a:solidFill>
+              </a:rPr>
+              <a:t>	</a:t>
+            </a:r>
+            <a:r>
+              <a:rPr lang="en-US" sz="1200" dirty="0" smtClean="0"/>
+              <a:t>},</a:t>
+            </a:r>
+            <a:r>
+              <a:rPr lang="en-US" sz="1200" dirty="0" smtClean="0">
+                <a:solidFill>
+                  <a:srgbClr val="BBBBBB"/>
+                </a:solidFill>
+              </a:rPr>
+              <a:t> </a:t>
+            </a:r>
+          </a:p>
+          <a:p>
+            <a:r>
+              <a:rPr lang="en-US" sz="1200" dirty="0">
+                <a:solidFill>
+                  <a:srgbClr val="BBBBBB"/>
+                </a:solidFill>
+              </a:rPr>
+              <a:t>	</a:t>
+            </a:r>
+            <a:r>
+              <a:rPr lang="en-US" sz="1200" dirty="0" smtClean="0">
+                <a:solidFill>
+                  <a:srgbClr val="007000"/>
+                </a:solidFill>
+              </a:rPr>
+              <a:t>"</a:t>
+            </a:r>
+            <a:r>
+              <a:rPr lang="en-US" sz="1200" dirty="0">
+                <a:solidFill>
+                  <a:srgbClr val="007000"/>
+                </a:solidFill>
+              </a:rPr>
+              <a:t>properties"</a:t>
+            </a:r>
+            <a:r>
+              <a:rPr lang="en-US" sz="1200" dirty="0"/>
+              <a:t>:</a:t>
+            </a:r>
+            <a:r>
+              <a:rPr lang="en-US" sz="1200" dirty="0">
+                <a:solidFill>
+                  <a:srgbClr val="BBBBBB"/>
+                </a:solidFill>
+              </a:rPr>
+              <a:t> </a:t>
+            </a:r>
+            <a:r>
+              <a:rPr lang="en-US" sz="1200" dirty="0"/>
+              <a:t>{</a:t>
+            </a:r>
+            <a:r>
+              <a:rPr lang="en-US" sz="1200" dirty="0">
+                <a:solidFill>
+                  <a:srgbClr val="BBBBBB"/>
+                </a:solidFill>
+              </a:rPr>
+              <a:t> </a:t>
+            </a:r>
+            <a:endParaRPr lang="en-US" sz="1200" dirty="0" smtClean="0">
+              <a:solidFill>
+                <a:srgbClr val="BBBBBB"/>
+              </a:solidFill>
+            </a:endParaRPr>
+          </a:p>
+          <a:p>
+            <a:r>
+              <a:rPr lang="en-US" sz="1200" dirty="0">
+                <a:solidFill>
+                  <a:srgbClr val="BBBBBB"/>
+                </a:solidFill>
+              </a:rPr>
+              <a:t>	</a:t>
+            </a:r>
+            <a:r>
+              <a:rPr lang="en-US" sz="1200" dirty="0" smtClean="0">
+                <a:solidFill>
+                  <a:srgbClr val="BBBBBB"/>
+                </a:solidFill>
+              </a:rPr>
+              <a:t>	</a:t>
+            </a:r>
+            <a:r>
+              <a:rPr lang="en-US" sz="1200" dirty="0" smtClean="0">
+                <a:solidFill>
+                  <a:srgbClr val="007000"/>
+                </a:solidFill>
+              </a:rPr>
+              <a:t>"</a:t>
+            </a:r>
+            <a:r>
+              <a:rPr lang="en-US" sz="1200" dirty="0">
+                <a:solidFill>
+                  <a:srgbClr val="007000"/>
+                </a:solidFill>
+              </a:rPr>
+              <a:t>name"</a:t>
+            </a:r>
+            <a:r>
+              <a:rPr lang="en-US" sz="1200" dirty="0"/>
+              <a:t>:</a:t>
+            </a:r>
+            <a:r>
+              <a:rPr lang="en-US" sz="1200" dirty="0">
+                <a:solidFill>
+                  <a:srgbClr val="BBBBBB"/>
+                </a:solidFill>
+              </a:rPr>
+              <a:t> </a:t>
+            </a:r>
+            <a:r>
+              <a:rPr lang="en-US" sz="1200" dirty="0">
+                <a:solidFill>
+                  <a:srgbClr val="6000E0"/>
+                </a:solidFill>
+              </a:rPr>
+              <a:t>"null island"</a:t>
+            </a:r>
+            <a:r>
+              <a:rPr lang="en-US" sz="1200" dirty="0">
+                <a:solidFill>
+                  <a:srgbClr val="BBBBBB"/>
+                </a:solidFill>
+              </a:rPr>
+              <a:t> </a:t>
+            </a:r>
+            <a:endParaRPr lang="en-US" sz="1200" dirty="0" smtClean="0">
+              <a:solidFill>
+                <a:srgbClr val="BBBBBB"/>
+              </a:solidFill>
+            </a:endParaRPr>
+          </a:p>
+          <a:p>
+            <a:r>
+              <a:rPr lang="en-US" sz="1200" dirty="0">
+                <a:solidFill>
+                  <a:srgbClr val="BBBBBB"/>
+                </a:solidFill>
+              </a:rPr>
+              <a:t>	</a:t>
+            </a:r>
+            <a:r>
+              <a:rPr lang="en-US" sz="1200" dirty="0" smtClean="0"/>
+              <a:t>}</a:t>
+            </a:r>
+            <a:r>
+              <a:rPr lang="en-US" sz="1200" dirty="0" smtClean="0">
+                <a:solidFill>
+                  <a:srgbClr val="BBBBBB"/>
+                </a:solidFill>
+              </a:rPr>
+              <a:t> </a:t>
+            </a:r>
+          </a:p>
+          <a:p>
+            <a:r>
+              <a:rPr lang="en-US" sz="1200" dirty="0" smtClean="0"/>
+              <a:t>}</a:t>
+            </a:r>
+            <a:endParaRPr lang="en-US" sz="1200" dirty="0"/>
+          </a:p>
+        </p:txBody>
+      </p:sp>
+      <p:sp>
+        <p:nvSpPr>
+          <p:cNvPr id="13" name="TextBox 12"/>
+          <p:cNvSpPr txBox="1"/>
+          <p:nvPr/>
+        </p:nvSpPr>
+        <p:spPr>
+          <a:xfrm>
+            <a:off x="805131" y="6285577"/>
+            <a:ext cx="7657674" cy="369332"/>
+          </a:xfrm>
+          <a:prstGeom prst="rect">
+            <a:avLst/>
+          </a:prstGeom>
+          <a:noFill/>
+        </p:spPr>
+        <p:txBody>
+          <a:bodyPr wrap="none" rtlCol="0">
+            <a:spAutoFit/>
+          </a:bodyPr>
+          <a:lstStyle/>
+          <a:p>
+            <a:r>
+              <a:rPr lang="en-US" dirty="0" smtClean="0"/>
+              <a:t>See: </a:t>
+            </a:r>
+            <a:r>
+              <a:rPr lang="en-US" dirty="0" smtClean="0">
+                <a:hlinkClick r:id="rId4"/>
+              </a:rPr>
+              <a:t>http://www.macwright.org/2015/03/23/geojson-second-bite.html</a:t>
+            </a:r>
             <a:endParaRPr lang="en-US" dirty="0"/>
           </a:p>
         </p:txBody>
@@ -11754,13 +11807,20 @@
     </p:spTree>
     <p:extLst>
       <p:ext uri="{BB962C8B-B14F-4D97-AF65-F5344CB8AC3E}">
-        <p14:creationId xmlns:p14="http://schemas.microsoft.com/office/powerpoint/2010/main" val="28285944"/>
+        <p14:creationId xmlns:p14="http://schemas.microsoft.com/office/powerpoint/2010/main" val="115063501"/>
       </p:ext>
     </p:extLst>
   </p:cSld>
   <p:clrMapOvr>
     <a:masterClrMapping/>
   </p:clrMapOvr>
+  <p:timing>
+    <p:tnLst>
+      <p:par>
+        <p:cTn id="1" dur="indefinite" restart="never" nodeType="tmRoot"/>
+      </p:par>
+    </p:tnLst>
+  </p:timing>
 </p:sld>
 </file>
 
@@ -11796,7 +11856,23 @@
           <a:bodyPr/>
           <a:lstStyle/>
           <a:p>
-            <a:endParaRPr lang="en-US"/>
+            <a:r>
+              <a:rPr lang="en-US" b="0" dirty="0" err="1" smtClean="0"/>
+              <a:t>AeroCircle</a:t>
+            </a:r>
+            <a:r>
+              <a:rPr lang="en-US" b="0" dirty="0" smtClean="0"/>
+              <a:t> – a </a:t>
+            </a:r>
+            <a:r>
+              <a:rPr lang="en-US" b="0" dirty="0" err="1" smtClean="0"/>
+              <a:t>GeoJSON</a:t>
+            </a:r>
+            <a:r>
+              <a:rPr lang="en-US" b="0" dirty="0" smtClean="0"/>
+              <a:t> Extension</a:t>
+            </a:r>
+            <a:endParaRPr lang="en-US" dirty="0"/>
           </a:p>
         </p:txBody>
       </p:sp>
@@ -11810,12 +11886,316 @@
             <p:ph type="body" sz="quarter" idx="15"/>
           </p:nvPr>
         </p:nvSpPr>
-        <p:spPr/>
+        <p:spPr>
+          <a:xfrm>
+            <a:off x="273084" y="1231330"/>
+            <a:ext cx="3593238" cy="5049397"/>
+          </a:xfrm>
+        </p:spPr>
         <p:txBody>
           <a:bodyPr/>
           <a:lstStyle/>
           <a:p>
-            <a:endParaRPr lang="en-US"/>
+            <a:pPr marL="0" indent="0">
+              <a:buNone/>
+            </a:pPr>
+            <a:r>
+              <a:rPr lang="en-US" dirty="0" smtClean="0"/>
+              <a:t>Aerospike</a:t>
+            </a:r>
+            <a:r>
+              <a:rPr lang="en-US" dirty="0"/>
+              <a:t> </a:t>
+            </a:r>
+            <a:r>
+              <a:rPr lang="en-US" dirty="0" smtClean="0"/>
+              <a:t>provides an extension type: </a:t>
+            </a:r>
+            <a:r>
+              <a:rPr lang="en-US" b="1" dirty="0" err="1" smtClean="0">
+                <a:solidFill>
+                  <a:srgbClr val="0000FF"/>
+                </a:solidFill>
+              </a:rPr>
+              <a:t>AeroCircle</a:t>
+            </a:r>
+            <a:r>
+              <a:rPr lang="en-US" dirty="0" smtClean="0"/>
+              <a:t>. </a:t>
+            </a:r>
+            <a:r>
+              <a:rPr lang="en-US" dirty="0"/>
+              <a:t> </a:t>
+            </a:r>
+            <a:r>
+              <a:rPr lang="en-US" dirty="0" smtClean="0"/>
+              <a:t>This type allows circles to be stored in addition to </a:t>
+            </a:r>
+            <a:r>
+              <a:rPr lang="en-US" dirty="0"/>
+              <a:t>regular polygons</a:t>
+            </a:r>
+            <a:r>
+              <a:rPr lang="en-US" dirty="0" smtClean="0"/>
+              <a:t>.</a:t>
+            </a:r>
+          </a:p>
+          <a:p>
+            <a:pPr marL="0" indent="0">
+              <a:buNone/>
+            </a:pPr>
+            <a:endParaRPr lang="en-US" dirty="0"/>
+          </a:p>
+          <a:p>
+            <a:pPr marL="0" indent="0">
+              <a:buNone/>
+            </a:pPr>
+            <a:r>
+              <a:rPr lang="en-US" dirty="0" smtClean="0"/>
+              <a:t>Features:</a:t>
+            </a:r>
+          </a:p>
+          <a:p>
+            <a:r>
+              <a:rPr lang="en-US" dirty="0" smtClean="0"/>
+              <a:t>Longitude</a:t>
+            </a:r>
+          </a:p>
+          <a:p>
+            <a:r>
+              <a:rPr lang="en-US" dirty="0" smtClean="0"/>
+              <a:t>Latitude</a:t>
+            </a:r>
+          </a:p>
+          <a:p>
+            <a:r>
+              <a:rPr lang="en-US" dirty="0" smtClean="0"/>
+              <a:t>Radius in meters</a:t>
+            </a:r>
+            <a:endParaRPr lang="en-US" dirty="0"/>
+          </a:p>
+        </p:txBody>
+      </p:sp>
+      <p:sp>
+        <p:nvSpPr>
+          <p:cNvPr id="5" name="Rectangle 4"/>
+          <p:cNvSpPr/>
+          <p:nvPr/>
+        </p:nvSpPr>
+        <p:spPr>
+          <a:xfrm>
+            <a:off x="3952139" y="3400378"/>
+            <a:ext cx="4572000" cy="830997"/>
+          </a:xfrm>
+          <a:prstGeom prst="rect">
+            <a:avLst/>
+          </a:prstGeom>
+          <a:ln>
+            <a:solidFill>
+              <a:schemeClr val="accent1"/>
+            </a:solidFill>
+          </a:ln>
+        </p:spPr>
+        <p:txBody>
+          <a:bodyPr>
+            <a:spAutoFit/>
+          </a:bodyPr>
+          <a:lstStyle/>
+          <a:p>
+            <a:r>
+              <a:rPr lang="en-US" sz="1200" dirty="0"/>
+              <a:t>{</a:t>
+            </a:r>
+            <a:r>
+              <a:rPr lang="en-US" sz="1200" dirty="0">
+                <a:solidFill>
+                  <a:srgbClr val="BBBBBB"/>
+                </a:solidFill>
+              </a:rPr>
+              <a:t> </a:t>
+            </a:r>
+            <a:endParaRPr lang="en-US" sz="1200" dirty="0" smtClean="0">
+              <a:solidFill>
+                <a:srgbClr val="BBBBBB"/>
+              </a:solidFill>
+            </a:endParaRPr>
+          </a:p>
+          <a:p>
+            <a:r>
+              <a:rPr lang="en-US" sz="1200" dirty="0">
+                <a:solidFill>
+                  <a:srgbClr val="BBBBBB"/>
+                </a:solidFill>
+              </a:rPr>
+              <a:t>	</a:t>
+            </a:r>
+            <a:r>
+              <a:rPr lang="en-US" sz="1200" dirty="0" smtClean="0">
+                <a:solidFill>
+                  <a:srgbClr val="007000"/>
+                </a:solidFill>
+              </a:rPr>
+              <a:t>"</a:t>
+            </a:r>
+            <a:r>
+              <a:rPr lang="en-US" sz="1200" dirty="0">
+                <a:solidFill>
+                  <a:srgbClr val="007000"/>
+                </a:solidFill>
+              </a:rPr>
+              <a:t>type"</a:t>
+            </a:r>
+            <a:r>
+              <a:rPr lang="en-US" sz="1200" dirty="0"/>
+              <a:t>:</a:t>
+            </a:r>
+            <a:r>
+              <a:rPr lang="en-US" sz="1200" dirty="0">
+                <a:solidFill>
+                  <a:srgbClr val="BBBBBB"/>
+                </a:solidFill>
+              </a:rPr>
+              <a:t> </a:t>
+            </a:r>
+            <a:r>
+              <a:rPr lang="en-US" sz="1200" dirty="0" smtClean="0">
+                <a:solidFill>
+                  <a:srgbClr val="6000E0"/>
+                </a:solidFill>
+              </a:rPr>
+              <a:t>”</a:t>
+            </a:r>
+            <a:r>
+              <a:rPr lang="en-US" sz="1200" dirty="0" err="1" smtClean="0">
+                <a:solidFill>
+                  <a:srgbClr val="6000E0"/>
+                </a:solidFill>
+              </a:rPr>
+              <a:t>AeroCircle</a:t>
+            </a:r>
+            <a:r>
+              <a:rPr lang="en-US" sz="1200" dirty="0" smtClean="0">
+                <a:solidFill>
+                  <a:srgbClr val="6000E0"/>
+                </a:solidFill>
+              </a:rPr>
+              <a:t>"</a:t>
+            </a:r>
+            <a:r>
+              <a:rPr lang="en-US" sz="1200" dirty="0" smtClean="0"/>
+              <a:t>,</a:t>
+            </a:r>
+            <a:r>
+              <a:rPr lang="en-US" sz="1200" dirty="0" smtClean="0">
+                <a:solidFill>
+                  <a:srgbClr val="BBBBBB"/>
+                </a:solidFill>
+              </a:rPr>
+              <a:t> </a:t>
+            </a:r>
+            <a:endParaRPr lang="en-US" sz="1200" dirty="0" smtClean="0">
+              <a:solidFill>
+                <a:srgbClr val="BBBBBB"/>
+              </a:solidFill>
+            </a:endParaRPr>
+          </a:p>
+          <a:p>
+            <a:r>
+              <a:rPr lang="en-US" sz="1200" dirty="0" smtClean="0">
+                <a:solidFill>
+                  <a:srgbClr val="007000"/>
+                </a:solidFill>
+              </a:rPr>
+              <a:t>	"</a:t>
+            </a:r>
+            <a:r>
+              <a:rPr lang="en-US" sz="1200" dirty="0">
+                <a:solidFill>
+                  <a:srgbClr val="007000"/>
+                </a:solidFill>
+              </a:rPr>
+              <a:t>coordinates"</a:t>
+            </a:r>
+            <a:r>
+              <a:rPr lang="en-US" sz="1200" dirty="0"/>
+              <a:t>:</a:t>
+            </a:r>
+            <a:r>
+              <a:rPr lang="en-US" sz="1200" dirty="0">
+                <a:solidFill>
+                  <a:srgbClr val="BBBBBB"/>
+                </a:solidFill>
+              </a:rPr>
+              <a:t> </a:t>
+            </a:r>
+            <a:r>
+              <a:rPr lang="en-US" sz="1200" dirty="0" smtClean="0"/>
+              <a:t>[ [</a:t>
+            </a:r>
+            <a:r>
+              <a:rPr lang="en-US" sz="1200" dirty="0" smtClean="0">
+                <a:solidFill>
+                  <a:srgbClr val="6000E0"/>
+                </a:solidFill>
+              </a:rPr>
+              <a:t>151.20732</a:t>
+            </a:r>
+            <a:r>
+              <a:rPr lang="en-US" sz="1200" dirty="0" smtClean="0"/>
+              <a:t>,</a:t>
+            </a:r>
+            <a:r>
+              <a:rPr lang="en-US" sz="1200" dirty="0" smtClean="0">
+                <a:solidFill>
+                  <a:srgbClr val="BBBBBB"/>
+                </a:solidFill>
+              </a:rPr>
+              <a:t> </a:t>
+            </a:r>
+            <a:r>
+              <a:rPr lang="en-US" sz="1200" dirty="0" smtClean="0">
+                <a:solidFill>
+                  <a:srgbClr val="6000E0"/>
+                </a:solidFill>
+              </a:rPr>
+              <a:t>-33.86785</a:t>
+            </a:r>
+            <a:r>
+              <a:rPr lang="en-US" sz="1200" dirty="0" smtClean="0"/>
+              <a:t>],</a:t>
+            </a:r>
+            <a:r>
+              <a:rPr lang="en-US" sz="1200" dirty="0" smtClean="0">
+                <a:solidFill>
+                  <a:srgbClr val="BBBBBB"/>
+                </a:solidFill>
+              </a:rPr>
+              <a:t> </a:t>
+            </a:r>
+            <a:r>
+              <a:rPr lang="en-US" sz="1200" dirty="0" smtClean="0"/>
+              <a:t>150000]</a:t>
+            </a:r>
+            <a:r>
+              <a:rPr lang="en-US" sz="1200" dirty="0" smtClean="0">
+                <a:solidFill>
+                  <a:srgbClr val="BBBBBB"/>
+                </a:solidFill>
+              </a:rPr>
+              <a:t> </a:t>
+            </a:r>
+            <a:endParaRPr lang="en-US" sz="1200" dirty="0" smtClean="0">
+              <a:solidFill>
+                <a:srgbClr val="BBBBBB"/>
+              </a:solidFill>
+            </a:endParaRPr>
+          </a:p>
+          <a:p>
+            <a:r>
+              <a:rPr lang="en-US" sz="1200" dirty="0" smtClean="0"/>
+              <a:t>}</a:t>
+            </a:r>
+            <a:endParaRPr lang="en-US" sz="1200" dirty="0"/>
           </a:p>
         </p:txBody>
       </p:sp>
@@ -11829,6 +12209,13 @@
   <p:clrMapOvr>
     <a:masterClrMapping/>
   </p:clrMapOvr>
+  <p:timing>
+    <p:tnLst>
+      <p:par>
+        <p:cTn id="1" dur="indefinite" restart="never" nodeType="tmRoot"/>
+      </p:par>
+    </p:tnLst>
+  </p:timing>
 </p:sld>
 </file>
 
@@ -11866,11 +12253,7 @@
           <a:p>
             <a:r>
               <a:rPr lang="en-US" dirty="0" smtClean="0"/>
-              <a:t>Creating a </a:t>
-            </a:r>
-            <a:r>
-              <a:rPr lang="en-US" dirty="0" smtClean="0"/>
-              <a:t>Geospatial Secondary Index</a:t>
+              <a:t>Creating a Geospatial Secondary Index</a:t>
             </a:r>
             <a:endParaRPr lang="en-US" dirty="0"/>
           </a:p>
@@ -11978,13 +12361,8 @@
             </a:r>
             <a:r>
               <a:rPr lang="en-US" dirty="0" smtClean="0"/>
-              <a:t> – </a:t>
-            </a:r>
-            <a:r>
-              <a:rPr lang="en-US" dirty="0" smtClean="0"/>
-              <a:t>GEO2DSPHERE</a:t>
-            </a:r>
-            <a:endParaRPr lang="en-US" dirty="0" smtClean="0"/>
+              <a:t> – GEO2DSPHERE</a:t>
+            </a:r>
           </a:p>
           <a:p>
             <a:pPr marL="457200" indent="-457200">
@@ -11993,13 +12371,8 @@
             </a:pPr>
             <a:r>
               <a:rPr lang="en-US" dirty="0" smtClean="0"/>
-              <a:t>Index Collection </a:t>
-            </a:r>
-            <a:r>
-              <a:rPr lang="en-US" dirty="0" smtClean="0"/>
-              <a:t>Type (optional)</a:t>
-            </a:r>
-            <a:endParaRPr lang="en-US" dirty="0" smtClean="0"/>
+              <a:t>Index Collection Type (optional)</a:t>
+            </a:r>
           </a:p>
           <a:p>
             <a:pPr marL="0" indent="0">
@@ -12027,11 +12400,7 @@
             </a:r>
             <a:r>
               <a:rPr lang="en-US" dirty="0" smtClean="0"/>
-              <a:t> utility</a:t>
-            </a:r>
-            <a:r>
-              <a:rPr lang="en-US" dirty="0" smtClean="0"/>
-              <a:t>.</a:t>
+              <a:t> utility.</a:t>
             </a:r>
             <a:br>
               <a:rPr lang="en-US" dirty="0" smtClean="0"/>
@@ -12090,7 +12459,7 @@
           <a:graphicData uri="http://schemas.openxmlformats.org/presentationml/2006/ole">
             <mc:AlternateContent xmlns:mc="http://schemas.openxmlformats.org/markup-compatibility/2006">
               <mc:Choice xmlns:v="urn:schemas-microsoft-com:vml" Requires="v">
-                <p:oleObj spid="_x0000_s8280" name="Document" r:id="rId4" imgW="8229600" imgH="1587500" progId="Word.Document.12">
+                <p:oleObj spid="_x0000_s8294" name="Document" r:id="rId4" imgW="8229600" imgH="1587500" progId="Word.Document.12">
                   <p:embed/>
                 </p:oleObj>
               </mc:Choice>

--- a/geo/courseware/Geo.pptx
+++ b/geo/courseware/Geo.pptx
@@ -289,7 +289,7 @@
               <a:pPr>
                 <a:defRPr/>
               </a:pPr>
-              <a:t>8/11/16</a:t>
+              <a:t>8/12/16</a:t>
             </a:fld>
             <a:endParaRPr lang="en-US" dirty="0"/>
           </a:p>
@@ -505,7 +505,7 @@
               <a:pPr>
                 <a:defRPr/>
               </a:pPr>
-              <a:t>8/11/16</a:t>
+              <a:t>8/12/16</a:t>
             </a:fld>
             <a:endParaRPr lang="en-US" dirty="0"/>
           </a:p>
@@ -998,12 +998,12 @@
           <a:graphicData uri="http://schemas.openxmlformats.org/presentationml/2006/ole">
             <mc:AlternateContent xmlns:mc="http://schemas.openxmlformats.org/markup-compatibility/2006">
               <mc:Choice xmlns:v="urn:schemas-microsoft-com:vml" Requires="v">
-                <p:oleObj spid="_x0000_s5379" name="Document" r:id="rId4" imgW="8229600" imgH="558800" progId="Word.Document.12">
+                <p:oleObj spid="_x0000_s5382" name="Document" r:id="rId5" imgW="8229600" imgH="558800" progId="Word.Document.12">
                   <p:embed/>
                 </p:oleObj>
               </mc:Choice>
               <mc:Fallback>
-                <p:oleObj name="Document" r:id="rId4" imgW="8229600" imgH="558800" progId="Word.Document.12">
+                <p:oleObj name="Document" r:id="rId5" imgW="8229600" imgH="558800" progId="Word.Document.12">
                   <p:embed/>
                   <p:pic>
                     <p:nvPicPr>
@@ -1012,7 +1012,7 @@
                       <p:nvPr/>
                     </p:nvPicPr>
                     <p:blipFill>
-                      <a:blip r:embed="rId5"/>
+                      <a:blip r:embed="rId6"/>
                       <a:stretch>
                         <a:fillRect/>
                       </a:stretch>
@@ -1051,12 +1051,12 @@
           <a:graphicData uri="http://schemas.openxmlformats.org/presentationml/2006/ole">
             <mc:AlternateContent xmlns:mc="http://schemas.openxmlformats.org/markup-compatibility/2006">
               <mc:Choice xmlns:v="urn:schemas-microsoft-com:vml" Requires="v">
-                <p:oleObj spid="_x0000_s5380" name="Document" r:id="rId6" imgW="8229600" imgH="1117600" progId="Word.Document.12">
+                <p:oleObj spid="_x0000_s5383" name="Document" r:id="rId8" imgW="8229600" imgH="1117600" progId="Word.Document.12">
                   <p:embed/>
                 </p:oleObj>
               </mc:Choice>
               <mc:Fallback>
-                <p:oleObj name="Document" r:id="rId6" imgW="8229600" imgH="1117600" progId="Word.Document.12">
+                <p:oleObj name="Document" r:id="rId8" imgW="8229600" imgH="1117600" progId="Word.Document.12">
                   <p:embed/>
                   <p:pic>
                     <p:nvPicPr>
@@ -1065,7 +1065,7 @@
                       <p:nvPr/>
                     </p:nvPicPr>
                     <p:blipFill>
-                      <a:blip r:embed="rId7"/>
+                      <a:blip r:embed="rId9"/>
                       <a:stretch>
                         <a:fillRect/>
                       </a:stretch>
@@ -1856,12 +1856,12 @@
           <a:graphicData uri="http://schemas.openxmlformats.org/presentationml/2006/ole">
             <mc:AlternateContent xmlns:mc="http://schemas.openxmlformats.org/markup-compatibility/2006">
               <mc:Choice xmlns:v="urn:schemas-microsoft-com:vml" Requires="v">
-                <p:oleObj spid="_x0000_s3331" name="Document" r:id="rId4" imgW="8229600" imgH="558800" progId="Word.Document.12">
+                <p:oleObj spid="_x0000_s3334" name="Document" r:id="rId5" imgW="8229600" imgH="558800" progId="Word.Document.12">
                   <p:embed/>
                 </p:oleObj>
               </mc:Choice>
               <mc:Fallback>
-                <p:oleObj name="Document" r:id="rId4" imgW="8229600" imgH="558800" progId="Word.Document.12">
+                <p:oleObj name="Document" r:id="rId5" imgW="8229600" imgH="558800" progId="Word.Document.12">
                   <p:embed/>
                   <p:pic>
                     <p:nvPicPr>
@@ -1870,7 +1870,7 @@
                       <p:nvPr/>
                     </p:nvPicPr>
                     <p:blipFill>
-                      <a:blip r:embed="rId5"/>
+                      <a:blip r:embed="rId6"/>
                       <a:stretch>
                         <a:fillRect/>
                       </a:stretch>
@@ -1909,12 +1909,12 @@
           <a:graphicData uri="http://schemas.openxmlformats.org/presentationml/2006/ole">
             <mc:AlternateContent xmlns:mc="http://schemas.openxmlformats.org/markup-compatibility/2006">
               <mc:Choice xmlns:v="urn:schemas-microsoft-com:vml" Requires="v">
-                <p:oleObj spid="_x0000_s3332" name="Document" r:id="rId6" imgW="5486400" imgH="927100" progId="Word.Document.12">
+                <p:oleObj spid="_x0000_s3335" name="Document" r:id="rId8" imgW="5486400" imgH="927100" progId="Word.Document.12">
                   <p:embed/>
                 </p:oleObj>
               </mc:Choice>
               <mc:Fallback>
-                <p:oleObj name="Document" r:id="rId6" imgW="5486400" imgH="927100" progId="Word.Document.12">
+                <p:oleObj name="Document" r:id="rId8" imgW="5486400" imgH="927100" progId="Word.Document.12">
                   <p:embed/>
                   <p:pic>
                     <p:nvPicPr>
@@ -1923,7 +1923,7 @@
                       <p:nvPr/>
                     </p:nvPicPr>
                     <p:blipFill>
-                      <a:blip r:embed="rId7"/>
+                      <a:blip r:embed="rId9"/>
                       <a:stretch>
                         <a:fillRect/>
                       </a:stretch>
@@ -3085,7 +3085,7 @@
           <a:p>
             <a:fld id="{1F322805-1C3E-D64D-B9FF-1838A69DCBD5}" type="datetimeFigureOut">
               <a:rPr lang="en-US" smtClean="0"/>
-              <a:t>8/11/16</a:t>
+              <a:t>8/12/16</a:t>
             </a:fld>
             <a:endParaRPr lang="en-US"/>
           </a:p>
@@ -4090,7 +4090,7 @@
           <a:p>
             <a:fld id="{5572DC24-C402-654F-AFF6-A88DF25963D2}" type="datetimeFigureOut">
               <a:rPr lang="en-US" smtClean="0"/>
-              <a:t>8/11/16</a:t>
+              <a:t>8/12/16</a:t>
             </a:fld>
             <a:endParaRPr lang="en-US"/>
           </a:p>
@@ -7222,12 +7222,12 @@
           <a:graphicData uri="http://schemas.openxmlformats.org/presentationml/2006/ole">
             <mc:AlternateContent xmlns:mc="http://schemas.openxmlformats.org/markup-compatibility/2006">
               <mc:Choice xmlns:v="urn:schemas-microsoft-com:vml" Requires="v">
-                <p:oleObj spid="_x0000_s10421" name="Document" r:id="rId4" imgW="8229600" imgH="1485900" progId="Word.Document.12">
+                <p:oleObj spid="_x0000_s10424" name="Document" r:id="rId5" imgW="8229600" imgH="1485900" progId="Word.Document.12">
                   <p:embed/>
                 </p:oleObj>
               </mc:Choice>
               <mc:Fallback>
-                <p:oleObj name="Document" r:id="rId4" imgW="8229600" imgH="1485900" progId="Word.Document.12">
+                <p:oleObj name="Document" r:id="rId5" imgW="8229600" imgH="1485900" progId="Word.Document.12">
                   <p:embed/>
                   <p:pic>
                     <p:nvPicPr>
@@ -7236,7 +7236,7 @@
                       <p:nvPr/>
                     </p:nvPicPr>
                     <p:blipFill>
-                      <a:blip r:embed="rId5"/>
+                      <a:blip r:embed="rId6"/>
                       <a:stretch>
                         <a:fillRect/>
                       </a:stretch>
@@ -7275,12 +7275,12 @@
           <a:graphicData uri="http://schemas.openxmlformats.org/presentationml/2006/ole">
             <mc:AlternateContent xmlns:mc="http://schemas.openxmlformats.org/markup-compatibility/2006">
               <mc:Choice xmlns:v="urn:schemas-microsoft-com:vml" Requires="v">
-                <p:oleObj spid="_x0000_s10422" name="Document" r:id="rId6" imgW="8229600" imgH="1308100" progId="Word.Document.12">
+                <p:oleObj spid="_x0000_s10425" name="Document" r:id="rId8" imgW="8229600" imgH="1308100" progId="Word.Document.12">
                   <p:embed/>
                 </p:oleObj>
               </mc:Choice>
               <mc:Fallback>
-                <p:oleObj name="Document" r:id="rId6" imgW="8229600" imgH="1308100" progId="Word.Document.12">
+                <p:oleObj name="Document" r:id="rId8" imgW="8229600" imgH="1308100" progId="Word.Document.12">
                   <p:embed/>
                   <p:pic>
                     <p:nvPicPr>
@@ -7289,7 +7289,7 @@
                       <p:nvPr/>
                     </p:nvPicPr>
                     <p:blipFill>
-                      <a:blip r:embed="rId7"/>
+                      <a:blip r:embed="rId9"/>
                       <a:stretch>
                         <a:fillRect/>
                       </a:stretch>
@@ -8220,11 +8220,7 @@
           <a:p>
             <a:r>
               <a:rPr lang="en-US" dirty="0" smtClean="0"/>
-              <a:t>Java: </a:t>
-            </a:r>
-            <a:r>
-              <a:rPr lang="en-US" dirty="0" smtClean="0"/>
-              <a:t>Geospatial</a:t>
+              <a:t>Java: Geospatial</a:t>
             </a:r>
             <a:endParaRPr lang="en-US" dirty="0"/>
           </a:p>
@@ -8248,7 +8244,7 @@
         </p:spPr>
         <p:txBody>
           <a:bodyPr>
-            <a:normAutofit fontScale="92500" lnSpcReduction="20000"/>
+            <a:normAutofit fontScale="85000" lnSpcReduction="10000"/>
           </a:bodyPr>
           <a:lstStyle/>
           <a:p>
@@ -8261,11 +8257,19 @@
             </a:r>
             <a:r>
               <a:rPr lang="en-US" sz="2000" dirty="0" err="1" smtClean="0"/>
-              <a:t>Program.java</a:t>
+              <a:t>GeoExercises</a:t>
+            </a:r>
+            <a:r>
+              <a:rPr lang="en-US" sz="2000" dirty="0" err="1" smtClean="0"/>
+              <a:t>.java</a:t>
             </a:r>
             <a:r>
               <a:rPr lang="en-US" sz="2000" dirty="0" smtClean="0"/>
-              <a:t> file in the exercises directory. Replace the TODOs with working code</a:t>
+              <a:t> </a:t>
+            </a:r>
+            <a:r>
+              <a:rPr lang="en-US" sz="2000" dirty="0" smtClean="0"/>
+              <a:t>file in the exercises directory. Replace the TODOs with working code</a:t>
             </a:r>
           </a:p>
           <a:p>
@@ -8465,7 +8469,6 @@
               <a:rPr lang="en-US" dirty="0"/>
               <a:t>Geospatial</a:t>
             </a:r>
-            <a:endParaRPr lang="en-US" dirty="0"/>
           </a:p>
         </p:txBody>
       </p:sp>
@@ -8794,30 +8797,14 @@
             <a:pPr marL="681037" lvl="0" indent="-342900"/>
             <a:r>
               <a:rPr lang="en-US" dirty="0" smtClean="0"/>
-              <a:t>Create </a:t>
-            </a:r>
-            <a:r>
-              <a:rPr lang="en-US" dirty="0" smtClean="0"/>
-              <a:t>Geospatial </a:t>
-            </a:r>
-            <a:r>
-              <a:rPr lang="en-US" dirty="0" smtClean="0"/>
-              <a:t>Indices</a:t>
+              <a:t>Create Geospatial Indices</a:t>
             </a:r>
           </a:p>
           <a:p>
             <a:pPr marL="681037" lvl="0" indent="-342900"/>
             <a:r>
               <a:rPr lang="en-US" baseline="0" dirty="0" smtClean="0"/>
-              <a:t>Perform </a:t>
-            </a:r>
-            <a:r>
-              <a:rPr lang="en-US" baseline="0" dirty="0" smtClean="0"/>
-              <a:t>Geospatial </a:t>
-            </a:r>
-            <a:r>
-              <a:rPr lang="en-US" baseline="0" dirty="0" smtClean="0"/>
-              <a:t>Queries</a:t>
+              <a:t>Perform Geospatial Queries</a:t>
             </a:r>
           </a:p>
           <a:p>
@@ -9297,27 +9284,11 @@
             </a:r>
             <a:r>
               <a:rPr lang="en-US" dirty="0" smtClean="0"/>
-              <a:t>by discovering </a:t>
-            </a:r>
-            <a:r>
-              <a:rPr lang="en-US" dirty="0" smtClean="0"/>
-              <a:t>persons or devices within the </a:t>
+              <a:t>by discovering persons or devices within the </a:t>
             </a:r>
             <a:r>
               <a:rPr lang="en-US" smtClean="0"/>
-              <a:t>location </a:t>
-            </a:r>
-            <a:r>
-              <a:rPr lang="en-US" smtClean="0"/>
-              <a:t>of an </a:t>
-            </a:r>
-            <a:r>
-              <a:rPr lang="en-US" smtClean="0"/>
-              <a:t>active </a:t>
-            </a:r>
-            <a:r>
-              <a:rPr lang="en-US" smtClean="0"/>
-              <a:t>Ad </a:t>
+              <a:t>location of an active Ad </a:t>
             </a:r>
             <a:r>
               <a:rPr lang="en-US" dirty="0" smtClean="0"/>
@@ -9558,15 +9529,7 @@
                   <a:srgbClr val="0000FF"/>
                 </a:solidFill>
               </a:rPr>
-              <a:t>within </a:t>
-            </a:r>
-            <a:r>
-              <a:rPr lang="en-US" b="1" dirty="0" smtClean="0">
-                <a:solidFill>
-                  <a:srgbClr val="0000FF"/>
-                </a:solidFill>
-              </a:rPr>
-              <a:t>500m </a:t>
+              <a:t>within 500m </a:t>
             </a:r>
             <a:r>
               <a:rPr lang="en-US" dirty="0" smtClean="0"/>
@@ -9659,11 +9622,7 @@
           <a:p>
             <a:r>
               <a:rPr lang="en-US" dirty="0" smtClean="0"/>
-              <a:t>Geospatial </a:t>
-            </a:r>
-            <a:r>
-              <a:rPr lang="en-US" dirty="0" smtClean="0"/>
-              <a:t>terms</a:t>
+              <a:t>Geospatial terms</a:t>
             </a:r>
             <a:endParaRPr lang="en-US" dirty="0"/>
           </a:p>
@@ -10376,10 +10335,6 @@
               <a:rPr lang="en-US" sz="1400" dirty="0" smtClean="0"/>
               <a:t>(not supported by Aerospike)</a:t>
             </a:r>
-            <a:r>
-              <a:rPr lang="en-US" sz="1400" dirty="0" smtClean="0"/>
-              <a:t/>
-            </a:r>
             <a:br>
               <a:rPr lang="en-US" sz="1400" dirty="0" smtClean="0"/>
             </a:br>
@@ -10416,11 +10371,7 @@
             <a:pPr lvl="1"/>
             <a:r>
               <a:rPr lang="en-US" dirty="0" smtClean="0"/>
-              <a:t>Geometries - </a:t>
-            </a:r>
-            <a:r>
-              <a:rPr lang="en-US" dirty="0" smtClean="0"/>
-              <a:t>Points, </a:t>
+              <a:t>Geometries - Points, </a:t>
             </a:r>
             <a:r>
               <a:rPr lang="en-US" dirty="0" err="1" smtClean="0"/>
@@ -10430,17 +10381,12 @@
               <a:rPr lang="en-US" dirty="0" smtClean="0"/>
               <a:t>, Polygons</a:t>
             </a:r>
-            <a:endParaRPr lang="en-US" dirty="0" smtClean="0"/>
           </a:p>
           <a:p>
             <a:pPr lvl="1"/>
             <a:r>
               <a:rPr lang="en-US" dirty="0" smtClean="0"/>
               <a:t>Properties – data about the feature</a:t>
-            </a:r>
-            <a:r>
-              <a:rPr lang="en-US" dirty="0" smtClean="0"/>
-              <a:t/>
             </a:r>
             <a:br>
               <a:rPr lang="en-US" dirty="0" smtClean="0"/>
@@ -12093,11 +12039,6 @@
               </a:rPr>
               <a:t> </a:t>
             </a:r>
-            <a:endParaRPr lang="en-US" sz="1200" dirty="0" smtClean="0">
-              <a:solidFill>
-                <a:srgbClr val="BBBBBB"/>
-              </a:solidFill>
-            </a:endParaRPr>
           </a:p>
           <a:p>
             <a:r>
@@ -12184,11 +12125,6 @@
               </a:rPr>
               <a:t> </a:t>
             </a:r>
-            <a:endParaRPr lang="en-US" sz="1200" dirty="0" smtClean="0">
-              <a:solidFill>
-                <a:srgbClr val="BBBBBB"/>
-              </a:solidFill>
-            </a:endParaRPr>
           </a:p>
           <a:p>
             <a:r>
@@ -12459,12 +12395,12 @@
           <a:graphicData uri="http://schemas.openxmlformats.org/presentationml/2006/ole">
             <mc:AlternateContent xmlns:mc="http://schemas.openxmlformats.org/markup-compatibility/2006">
               <mc:Choice xmlns:v="urn:schemas-microsoft-com:vml" Requires="v">
-                <p:oleObj spid="_x0000_s8294" name="Document" r:id="rId4" imgW="8229600" imgH="1587500" progId="Word.Document.12">
+                <p:oleObj spid="_x0000_s8296" name="Document" r:id="rId5" imgW="8229600" imgH="1587500" progId="Word.Document.12">
                   <p:embed/>
                 </p:oleObj>
               </mc:Choice>
               <mc:Fallback>
-                <p:oleObj name="Document" r:id="rId4" imgW="8229600" imgH="1587500" progId="Word.Document.12">
+                <p:oleObj name="Document" r:id="rId5" imgW="8229600" imgH="1587500" progId="Word.Document.12">
                   <p:embed/>
                   <p:pic>
                     <p:nvPicPr>
@@ -12473,7 +12409,7 @@
                       <p:nvPr/>
                     </p:nvPicPr>
                     <p:blipFill>
-                      <a:blip r:embed="rId5"/>
+                      <a:blip r:embed="rId6"/>
                       <a:stretch>
                         <a:fillRect/>
                       </a:stretch>
@@ -12503,7 +12439,7 @@
           <p:nvPr/>
         </p:nvPicPr>
         <p:blipFill>
-          <a:blip r:embed="rId6">
+          <a:blip r:embed="rId7">
             <a:extLst>
               <a:ext uri="{28A0092B-C50C-407E-A947-70E740481C1C}">
                 <a14:useLocalDpi xmlns:a14="http://schemas.microsoft.com/office/drawing/2010/main" val="0"/>
